--- a/Classes/04-IAM-IdentityandAccessManagement/ArchitectureMaster-04-IAM-IdentityandAccessManagement.pptx
+++ b/Classes/04-IAM-IdentityandAccessManagement/ArchitectureMaster-04-IAM-IdentityandAccessManagement.pptx
@@ -14,20 +14,22 @@
     <p:sldId id="305" r:id="rId8"/>
     <p:sldId id="288" r:id="rId9"/>
     <p:sldId id="289" r:id="rId10"/>
-    <p:sldId id="303" r:id="rId11"/>
-    <p:sldId id="290" r:id="rId12"/>
-    <p:sldId id="292" r:id="rId13"/>
-    <p:sldId id="293" r:id="rId14"/>
-    <p:sldId id="294" r:id="rId15"/>
-    <p:sldId id="295" r:id="rId16"/>
-    <p:sldId id="296" r:id="rId17"/>
-    <p:sldId id="291" r:id="rId18"/>
-    <p:sldId id="297" r:id="rId19"/>
-    <p:sldId id="298" r:id="rId20"/>
-    <p:sldId id="299" r:id="rId21"/>
-    <p:sldId id="300" r:id="rId22"/>
-    <p:sldId id="278" r:id="rId23"/>
-    <p:sldId id="284" r:id="rId24"/>
+    <p:sldId id="307" r:id="rId11"/>
+    <p:sldId id="308" r:id="rId12"/>
+    <p:sldId id="306" r:id="rId13"/>
+    <p:sldId id="290" r:id="rId14"/>
+    <p:sldId id="292" r:id="rId15"/>
+    <p:sldId id="293" r:id="rId16"/>
+    <p:sldId id="294" r:id="rId17"/>
+    <p:sldId id="295" r:id="rId18"/>
+    <p:sldId id="296" r:id="rId19"/>
+    <p:sldId id="291" r:id="rId20"/>
+    <p:sldId id="297" r:id="rId21"/>
+    <p:sldId id="298" r:id="rId22"/>
+    <p:sldId id="299" r:id="rId23"/>
+    <p:sldId id="300" r:id="rId24"/>
+    <p:sldId id="278" r:id="rId25"/>
+    <p:sldId id="284" r:id="rId26"/>
   </p:sldIdLst>
   <p:sldSz cx="12192000" cy="6858000"/>
   <p:notesSz cx="6858000" cy="9144000"/>
@@ -3765,14 +3767,6 @@
 <file path=ppt/slides/slide10.xml><?xml version="1.0" encoding="utf-8"?>
 <p:sld xmlns:a="http://schemas.openxmlformats.org/drawingml/2006/main" xmlns:r="http://schemas.openxmlformats.org/officeDocument/2006/relationships" xmlns:p="http://schemas.openxmlformats.org/presentationml/2006/main">
   <p:cSld>
-    <p:bg>
-      <p:bgPr>
-        <a:solidFill>
-          <a:schemeClr val="bg1"/>
-        </a:solidFill>
-        <a:effectLst/>
-      </p:bgPr>
-    </p:bg>
     <p:spTree>
       <p:nvGrpSpPr>
         <p:cNvPr id="1" name=""/>
@@ -3789,111 +3783,212 @@
       </p:grpSpPr>
       <p:sp>
         <p:nvSpPr>
-          <p:cNvPr id="9" name="Down Arrow 7">
-            <a:extLst>
-              <a:ext uri="{FF2B5EF4-FFF2-40B4-BE49-F238E27FC236}">
-                <a16:creationId xmlns:a16="http://schemas.microsoft.com/office/drawing/2014/main" id="{D4771268-CB57-404A-9271-370EB28F6090}"/>
-              </a:ext>
-              <a:ext uri="{C183D7F6-B498-43B3-948B-1728B52AA6E4}">
-                <adec:decorative xmlns:adec="http://schemas.microsoft.com/office/drawing/2017/decorative" val="1"/>
-              </a:ext>
-            </a:extLst>
-          </p:cNvPr>
-          <p:cNvSpPr>
-            <a:spLocks noGrp="1" noRot="1" noChangeAspect="1" noMove="1" noResize="1" noEditPoints="1" noAdjustHandles="1" noChangeArrowheads="1" noChangeShapeType="1" noTextEdit="1"/>
-          </p:cNvSpPr>
-          <p:nvPr>
-            <p:extLst>
-              <p:ext uri="{386F3935-93C4-4BCD-93E2-E3B085C9AB24}">
-                <p16:designElem xmlns:p16="http://schemas.microsoft.com/office/powerpoint/2015/main" val="1"/>
-              </p:ext>
-            </p:extLst>
-          </p:nvPr>
-        </p:nvSpPr>
-        <p:spPr>
-          <a:xfrm rot="16200000">
-            <a:off x="800100" y="1491343"/>
-            <a:ext cx="3333749" cy="3499103"/>
-          </a:xfrm>
-          <a:prstGeom prst="downArrow">
-            <a:avLst>
-              <a:gd name="adj1" fmla="val 100000"/>
-              <a:gd name="adj2" fmla="val 15788"/>
-            </a:avLst>
-          </a:prstGeom>
-          <a:solidFill>
-            <a:srgbClr val="404040"/>
-          </a:solidFill>
-          <a:ln w="53975">
-            <a:noFill/>
-          </a:ln>
-        </p:spPr>
-        <p:style>
-          <a:lnRef idx="2">
-            <a:schemeClr val="accent1">
-              <a:shade val="50000"/>
-            </a:schemeClr>
-          </a:lnRef>
-          <a:fillRef idx="1">
-            <a:schemeClr val="accent1"/>
-          </a:fillRef>
-          <a:effectRef idx="0">
-            <a:schemeClr val="accent1"/>
-          </a:effectRef>
-          <a:fontRef idx="minor">
-            <a:schemeClr val="lt1"/>
-          </a:fontRef>
-        </p:style>
-        <p:txBody>
-          <a:bodyPr rtlCol="0" anchor="ctr"/>
+          <p:cNvPr id="2" name="Title 1">
+            <a:extLst>
+              <a:ext uri="{FF2B5EF4-FFF2-40B4-BE49-F238E27FC236}">
+                <a16:creationId xmlns:a16="http://schemas.microsoft.com/office/drawing/2014/main" id="{44A807B9-53C6-76E3-EC7E-AB3036EF286D}"/>
+              </a:ext>
+            </a:extLst>
+          </p:cNvPr>
+          <p:cNvSpPr>
+            <a:spLocks noGrp="1"/>
+          </p:cNvSpPr>
+          <p:nvPr>
+            <p:ph type="title"/>
+          </p:nvPr>
+        </p:nvSpPr>
+        <p:spPr/>
+        <p:txBody>
+          <a:bodyPr>
+            <a:normAutofit fontScale="90000"/>
+          </a:bodyPr>
           <a:lstStyle/>
           <a:p>
-            <a:pPr algn="ctr"/>
-            <a:endParaRPr lang="en-US"/>
-          </a:p>
-        </p:txBody>
-      </p:sp>
-      <p:sp>
-        <p:nvSpPr>
-          <p:cNvPr id="2" name="Title 1">
-            <a:extLst>
-              <a:ext uri="{FF2B5EF4-FFF2-40B4-BE49-F238E27FC236}">
-                <a16:creationId xmlns:a16="http://schemas.microsoft.com/office/drawing/2014/main" id="{0C3F4B98-CB1E-EF7D-C85B-9EBFC58D0710}"/>
-              </a:ext>
-            </a:extLst>
-          </p:cNvPr>
-          <p:cNvSpPr>
-            <a:spLocks noGrp="1"/>
-          </p:cNvSpPr>
-          <p:nvPr>
-            <p:ph type="title"/>
+            <a:r>
+              <a:rPr lang="en-US" dirty="0"/>
+              <a:t>Practice – Set Permissions (IAM Policies)</a:t>
+            </a:r>
+          </a:p>
+        </p:txBody>
+      </p:sp>
+      <p:sp>
+        <p:nvSpPr>
+          <p:cNvPr id="3" name="Content Placeholder 2">
+            <a:extLst>
+              <a:ext uri="{FF2B5EF4-FFF2-40B4-BE49-F238E27FC236}">
+                <a16:creationId xmlns:a16="http://schemas.microsoft.com/office/drawing/2014/main" id="{BFA2DC44-600C-C08A-2282-8B72346B4DD3}"/>
+              </a:ext>
+            </a:extLst>
+          </p:cNvPr>
+          <p:cNvSpPr>
+            <a:spLocks noGrp="1"/>
+          </p:cNvSpPr>
+          <p:nvPr>
+            <p:ph idx="1"/>
           </p:nvPr>
         </p:nvSpPr>
         <p:spPr>
           <a:xfrm>
-            <a:off x="1028700" y="1967266"/>
-            <a:ext cx="2628900" cy="2547257"/>
+            <a:off x="838200" y="947523"/>
+            <a:ext cx="5914292" cy="4938495"/>
           </a:xfrm>
-          <a:noFill/>
         </p:spPr>
         <p:txBody>
-          <a:bodyPr vert="horz" lIns="91440" tIns="45720" rIns="91440" bIns="45720" rtlCol="0" anchor="ctr">
-            <a:normAutofit/>
+          <a:bodyPr>
+            <a:normAutofit fontScale="92500" lnSpcReduction="20000"/>
           </a:bodyPr>
           <a:lstStyle/>
           <a:p>
-            <a:pPr algn="ctr"/>
-            <a:r>
-              <a:rPr lang="en-US" sz="3600" kern="1200">
-                <a:solidFill>
-                  <a:srgbClr val="FFFFFF"/>
-                </a:solidFill>
-                <a:latin typeface="+mj-lt"/>
-                <a:ea typeface="+mj-ea"/>
-                <a:cs typeface="+mj-cs"/>
+            <a:pPr marL="0" indent="0">
+              <a:buNone/>
+            </a:pPr>
+            <a:r>
+              <a:rPr lang="en-US" dirty="0"/>
+              <a:t>With Double View (Root and IAM User) </a:t>
+            </a:r>
+          </a:p>
+          <a:p>
+            <a:r>
+              <a:rPr lang="en-US" dirty="0"/>
+              <a:t>As IAM User select </a:t>
+            </a:r>
+            <a:r>
+              <a:rPr lang="en-US" b="1" dirty="0"/>
+              <a:t>Users </a:t>
+            </a:r>
+            <a:r>
+              <a:rPr lang="en-US" dirty="0"/>
+              <a:t>Option</a:t>
+            </a:r>
+          </a:p>
+          <a:p>
+            <a:r>
+              <a:rPr lang="en-US" dirty="0"/>
+              <a:t>As Root User</a:t>
+            </a:r>
+          </a:p>
+          <a:p>
+            <a:pPr lvl="1"/>
+            <a:r>
+              <a:rPr lang="en-US" dirty="0"/>
+              <a:t>Select Group: </a:t>
+            </a:r>
+            <a:r>
+              <a:rPr lang="en-US" b="1" dirty="0"/>
+              <a:t>Administrators</a:t>
+            </a:r>
+          </a:p>
+          <a:p>
+            <a:pPr lvl="1"/>
+            <a:r>
+              <a:rPr lang="en-US" dirty="0"/>
+              <a:t>Remove user: </a:t>
+            </a:r>
+            <a:r>
+              <a:rPr lang="en-US" b="1" dirty="0"/>
+              <a:t>Admin </a:t>
+            </a:r>
+          </a:p>
+          <a:p>
+            <a:r>
+              <a:rPr lang="en-US" dirty="0"/>
+              <a:t>As IAM User Check Access to </a:t>
+            </a:r>
+            <a:r>
+              <a:rPr lang="en-US" b="1" dirty="0"/>
+              <a:t>Groups</a:t>
+            </a:r>
+            <a:endParaRPr lang="en-US" dirty="0"/>
+          </a:p>
+          <a:p>
+            <a:r>
+              <a:rPr lang="en-US" dirty="0"/>
+              <a:t>As Root User (</a:t>
+            </a:r>
+            <a:r>
+              <a:rPr lang="en-US" b="1" dirty="0"/>
+              <a:t>Users</a:t>
+            </a:r>
+            <a:r>
+              <a:rPr lang="en-US" dirty="0"/>
+              <a:t> Option)</a:t>
+            </a:r>
+          </a:p>
+          <a:p>
+            <a:pPr lvl="1"/>
+            <a:r>
+              <a:rPr lang="en-US" dirty="0"/>
+              <a:t>Select user: </a:t>
+            </a:r>
+            <a:r>
+              <a:rPr lang="en-US" b="1" dirty="0"/>
+              <a:t>Admin</a:t>
+            </a:r>
+          </a:p>
+          <a:p>
+            <a:pPr lvl="1"/>
+            <a:r>
+              <a:rPr lang="en-US" b="1" dirty="0"/>
+              <a:t>Add Permission</a:t>
+            </a:r>
+            <a:endParaRPr lang="en-US" dirty="0"/>
+          </a:p>
+          <a:p>
+            <a:pPr lvl="1"/>
+            <a:r>
+              <a:rPr lang="en-US" dirty="0"/>
+              <a:t>Attach Policies Directly</a:t>
+            </a:r>
+          </a:p>
+          <a:p>
+            <a:pPr lvl="1"/>
+            <a:r>
+              <a:rPr lang="en-US" dirty="0"/>
+              <a:t>Search: </a:t>
+            </a:r>
+            <a:r>
+              <a:rPr lang="en-US" b="1" dirty="0" err="1"/>
+              <a:t>IAMReadOnlyAccess</a:t>
+            </a:r>
+            <a:r>
+              <a:rPr lang="en-US" dirty="0"/>
+              <a:t> and select it</a:t>
+            </a:r>
+          </a:p>
+          <a:p>
+            <a:pPr lvl="1"/>
+            <a:r>
+              <a:rPr lang="en-US" b="1" dirty="0">
+                <a:solidFill>
+                  <a:schemeClr val="accent2"/>
+                </a:solidFill>
               </a:rPr>
-              <a:t>Practice</a:t>
-            </a:r>
+              <a:t>Add Permissions</a:t>
+            </a:r>
+          </a:p>
+          <a:p>
+            <a:r>
+              <a:rPr lang="en-US" dirty="0"/>
+              <a:t>As IAM User (Refresh)</a:t>
+            </a:r>
+          </a:p>
+          <a:p>
+            <a:pPr lvl="1"/>
+            <a:r>
+              <a:rPr lang="en-US" dirty="0"/>
+              <a:t>Try to create a new user and get the Error</a:t>
+            </a:r>
+          </a:p>
+          <a:p>
+            <a:pPr lvl="1"/>
+            <a:endParaRPr lang="en-US" b="1" dirty="0"/>
+          </a:p>
+          <a:p>
+            <a:pPr lvl="1"/>
+            <a:endParaRPr lang="en-US" dirty="0"/>
+          </a:p>
+          <a:p>
+            <a:endParaRPr lang="en-US" dirty="0"/>
           </a:p>
         </p:txBody>
       </p:sp>
@@ -3902,16 +3997,14 @@
           <p:cNvPr id="4" name="Content Placeholder 3" descr="12282598707YbD6m.jpg">
             <a:extLst>
               <a:ext uri="{FF2B5EF4-FFF2-40B4-BE49-F238E27FC236}">
-                <a16:creationId xmlns:a16="http://schemas.microsoft.com/office/drawing/2014/main" id="{C8E67FF4-434B-77B0-BDD8-CC750DF3B7DF}"/>
+                <a16:creationId xmlns:a16="http://schemas.microsoft.com/office/drawing/2014/main" id="{3E7DC946-0E79-0B18-6967-D8C4B22A411D}"/>
               </a:ext>
             </a:extLst>
           </p:cNvPr>
           <p:cNvPicPr>
-            <a:picLocks noGrp="1" noChangeAspect="1"/>
+            <a:picLocks noChangeAspect="1"/>
           </p:cNvPicPr>
-          <p:nvPr>
-            <p:ph idx="1"/>
-          </p:nvPr>
+          <p:nvPr/>
         </p:nvPicPr>
         <p:blipFill>
           <a:blip r:embed="rId2" cstate="print"/>
@@ -3921,7 +4014,7 @@
         </p:blipFill>
         <p:spPr>
           <a:xfrm>
-            <a:off x="5666735" y="643466"/>
+            <a:off x="6540942" y="644630"/>
             <a:ext cx="5001861" cy="5568739"/>
           </a:xfrm>
           <a:prstGeom prst="rect">
@@ -3932,7 +4025,7 @@
     </p:spTree>
     <p:extLst>
       <p:ext uri="{BB962C8B-B14F-4D97-AF65-F5344CB8AC3E}">
-        <p14:creationId xmlns:p14="http://schemas.microsoft.com/office/powerpoint/2010/main" val="4272391429"/>
+        <p14:creationId xmlns:p14="http://schemas.microsoft.com/office/powerpoint/2010/main" val="1474674544"/>
       </p:ext>
     </p:extLst>
   </p:cSld>
@@ -3964,7 +4057,7 @@
           <p:cNvPr id="2" name="Title 1">
             <a:extLst>
               <a:ext uri="{FF2B5EF4-FFF2-40B4-BE49-F238E27FC236}">
-                <a16:creationId xmlns:a16="http://schemas.microsoft.com/office/drawing/2014/main" id="{B17A89DA-E9CC-0131-2D72-CFBFA9894EE0}"/>
+                <a16:creationId xmlns:a16="http://schemas.microsoft.com/office/drawing/2014/main" id="{44A807B9-53C6-76E3-EC7E-AB3036EF286D}"/>
               </a:ext>
             </a:extLst>
           </p:cNvPr>
@@ -3984,7 +4077,7 @@
           <a:p>
             <a:r>
               <a:rPr lang="en-US" dirty="0"/>
-              <a:t>IAM: Password Policies</a:t>
+              <a:t>Practice – Multiple Groups (Root)</a:t>
             </a:r>
           </a:p>
         </p:txBody>
@@ -3994,7 +4087,7 @@
           <p:cNvPr id="3" name="Content Placeholder 2">
             <a:extLst>
               <a:ext uri="{FF2B5EF4-FFF2-40B4-BE49-F238E27FC236}">
-                <a16:creationId xmlns:a16="http://schemas.microsoft.com/office/drawing/2014/main" id="{EFA24731-92D5-A2AF-B393-46E796039426}"/>
+                <a16:creationId xmlns:a16="http://schemas.microsoft.com/office/drawing/2014/main" id="{BFA2DC44-600C-C08A-2282-8B72346B4DD3}"/>
               </a:ext>
             </a:extLst>
           </p:cNvPr>
@@ -4005,205 +4098,161 @@
             <p:ph idx="1"/>
           </p:nvPr>
         </p:nvSpPr>
-        <p:spPr/>
+        <p:spPr>
+          <a:xfrm>
+            <a:off x="838200" y="947523"/>
+            <a:ext cx="5914292" cy="4938495"/>
+          </a:xfrm>
+        </p:spPr>
         <p:txBody>
           <a:bodyPr>
-            <a:normAutofit lnSpcReduction="10000"/>
+            <a:normAutofit/>
           </a:bodyPr>
           <a:lstStyle/>
           <a:p>
             <a:r>
+              <a:rPr lang="en-US" dirty="0"/>
+              <a:t>Multiple Groups</a:t>
+            </a:r>
+          </a:p>
+          <a:p>
+            <a:pPr lvl="1"/>
+            <a:r>
+              <a:rPr lang="en-US" dirty="0"/>
+              <a:t>Select Group: </a:t>
+            </a:r>
+            <a:r>
+              <a:rPr lang="en-US" b="1" dirty="0"/>
+              <a:t>Administrators</a:t>
+            </a:r>
+          </a:p>
+          <a:p>
+            <a:pPr lvl="1"/>
+            <a:r>
+              <a:rPr lang="en-US" dirty="0"/>
+              <a:t>Add user: </a:t>
+            </a:r>
+            <a:r>
+              <a:rPr lang="en-US" b="1" dirty="0"/>
+              <a:t>Admin </a:t>
+            </a:r>
+          </a:p>
+          <a:p>
+            <a:pPr lvl="1"/>
+            <a:r>
+              <a:rPr lang="en-US" dirty="0"/>
+              <a:t>Create New Group: </a:t>
+            </a:r>
+            <a:r>
+              <a:rPr lang="en-US" b="1" dirty="0"/>
+              <a:t>Developers</a:t>
+            </a:r>
+          </a:p>
+          <a:p>
+            <a:pPr lvl="1"/>
+            <a:r>
+              <a:rPr lang="en-US" dirty="0"/>
+              <a:t>Select User </a:t>
+            </a:r>
+            <a:r>
+              <a:rPr lang="en-US" b="1" dirty="0"/>
+              <a:t>Admin</a:t>
+            </a:r>
+          </a:p>
+          <a:p>
+            <a:pPr lvl="1"/>
+            <a:r>
+              <a:rPr lang="en-US" dirty="0"/>
+              <a:t>Search Permission: </a:t>
+            </a:r>
+            <a:r>
+              <a:rPr lang="en-US" dirty="0" err="1"/>
+              <a:t>AWSCodeDeployFullAccess</a:t>
+            </a:r>
+            <a:endParaRPr lang="en-US" dirty="0"/>
+          </a:p>
+          <a:p>
+            <a:pPr lvl="1"/>
+            <a:r>
+              <a:rPr lang="en-US" dirty="0"/>
+              <a:t>Select it</a:t>
+            </a:r>
+          </a:p>
+          <a:p>
+            <a:pPr lvl="1"/>
+            <a:r>
               <a:rPr lang="en-US" b="1" dirty="0">
                 <a:solidFill>
-                  <a:schemeClr val="accent2"/>
+                  <a:schemeClr val="accent1"/>
                 </a:solidFill>
               </a:rPr>
-              <a:t>Strong passwords </a:t>
-            </a:r>
-            <a:r>
-              <a:rPr lang="en-US" dirty="0"/>
-              <a:t>= more security for your account</a:t>
-            </a:r>
-          </a:p>
-          <a:p>
-            <a:r>
-              <a:rPr lang="en-US" dirty="0"/>
-              <a:t>In AWS, you can set up a </a:t>
-            </a:r>
-            <a:r>
-              <a:rPr lang="en-US" b="1" dirty="0">
-                <a:solidFill>
-                  <a:srgbClr val="7030A0"/>
-                </a:solidFill>
-              </a:rPr>
-              <a:t>password policy</a:t>
-            </a:r>
-            <a:r>
-              <a:rPr lang="en-US" dirty="0"/>
-              <a:t>:</a:t>
-            </a:r>
+              <a:t>Create Group</a:t>
+            </a:r>
+            <a:endParaRPr lang="en-US" dirty="0">
+              <a:solidFill>
+                <a:schemeClr val="accent1"/>
+              </a:solidFill>
+            </a:endParaRPr>
           </a:p>
           <a:p>
             <a:pPr lvl="1"/>
             <a:r>
               <a:rPr lang="en-US" dirty="0"/>
-              <a:t>Set a minimum password length</a:t>
-            </a:r>
+              <a:t>Go to Users and select user: </a:t>
+            </a:r>
+            <a:r>
+              <a:rPr lang="en-US" b="1" dirty="0"/>
+              <a:t>Admin</a:t>
+            </a:r>
+            <a:endParaRPr lang="en-US" b="1" dirty="0">
+              <a:solidFill>
+                <a:schemeClr val="accent1"/>
+              </a:solidFill>
+            </a:endParaRPr>
           </a:p>
           <a:p>
             <a:pPr lvl="1"/>
             <a:r>
               <a:rPr lang="en-US" dirty="0"/>
-              <a:t>Require specific character types:</a:t>
-            </a:r>
-          </a:p>
-          <a:p>
-            <a:pPr lvl="1"/>
-            <a:r>
-              <a:rPr lang="en-US" dirty="0"/>
-              <a:t>including capital letters</a:t>
-            </a:r>
-          </a:p>
-          <a:p>
-            <a:pPr lvl="1"/>
-            <a:r>
-              <a:rPr lang="en-US" dirty="0"/>
-              <a:t>lowercase letters</a:t>
-            </a:r>
-          </a:p>
-          <a:p>
-            <a:pPr lvl="1"/>
-            <a:r>
-              <a:rPr lang="en-US" dirty="0"/>
-              <a:t>numbers</a:t>
-            </a:r>
-          </a:p>
-          <a:p>
-            <a:pPr lvl="1"/>
-            <a:r>
-              <a:rPr lang="en-US" dirty="0"/>
-              <a:t>non-alphanumeric characters</a:t>
-            </a:r>
-          </a:p>
-          <a:p>
-            <a:r>
-              <a:rPr lang="en-US" dirty="0"/>
-              <a:t>Allow all IAM </a:t>
-            </a:r>
-            <a:r>
-              <a:rPr lang="en-US" b="1" dirty="0">
-                <a:solidFill>
-                  <a:schemeClr val="accent4"/>
-                </a:solidFill>
-              </a:rPr>
-              <a:t>users</a:t>
-            </a:r>
-            <a:r>
-              <a:rPr lang="en-US" dirty="0"/>
-              <a:t> to </a:t>
-            </a:r>
-            <a:r>
-              <a:rPr lang="en-US" b="1" dirty="0">
-                <a:solidFill>
-                  <a:schemeClr val="accent5"/>
-                </a:solidFill>
-              </a:rPr>
-              <a:t>change</a:t>
-            </a:r>
-            <a:r>
-              <a:rPr lang="en-US" dirty="0"/>
-              <a:t> their own </a:t>
-            </a:r>
-            <a:r>
-              <a:rPr lang="en-US" b="1" dirty="0">
-                <a:solidFill>
-                  <a:srgbClr val="7030A0"/>
-                </a:solidFill>
-              </a:rPr>
-              <a:t>passwords</a:t>
-            </a:r>
-            <a:r>
-              <a:rPr lang="en-US" dirty="0"/>
-              <a:t>.</a:t>
-            </a:r>
-          </a:p>
-          <a:p>
-            <a:r>
-              <a:rPr lang="en-US" dirty="0"/>
-              <a:t>Require users to change their password after a period of time (</a:t>
-            </a:r>
-            <a:r>
-              <a:rPr lang="en-US" b="1" dirty="0">
-                <a:solidFill>
-                  <a:srgbClr val="7030A0"/>
-                </a:solidFill>
-              </a:rPr>
-              <a:t>password expiration</a:t>
-            </a:r>
-            <a:r>
-              <a:rPr lang="en-US" dirty="0"/>
-              <a:t>).</a:t>
-            </a:r>
-          </a:p>
-          <a:p>
-            <a:r>
-              <a:rPr lang="en-US" dirty="0"/>
-              <a:t>Prevent password reuse</a:t>
+              <a:t>Select Groups Tab and check the list</a:t>
             </a:r>
           </a:p>
         </p:txBody>
       </p:sp>
       <p:pic>
         <p:nvPicPr>
-          <p:cNvPr id="2062" name="Picture 14" descr="password&quot; Icon - Download for free – Iconduck">
-            <a:extLst>
-              <a:ext uri="{FF2B5EF4-FFF2-40B4-BE49-F238E27FC236}">
-                <a16:creationId xmlns:a16="http://schemas.microsoft.com/office/drawing/2014/main" id="{33E588E0-CDF2-86E3-C0A0-8074E88FCEE3}"/>
+          <p:cNvPr id="4" name="Content Placeholder 3" descr="12282598707YbD6m.jpg">
+            <a:extLst>
+              <a:ext uri="{FF2B5EF4-FFF2-40B4-BE49-F238E27FC236}">
+                <a16:creationId xmlns:a16="http://schemas.microsoft.com/office/drawing/2014/main" id="{3E7DC946-0E79-0B18-6967-D8C4B22A411D}"/>
               </a:ext>
             </a:extLst>
           </p:cNvPr>
           <p:cNvPicPr>
-            <a:picLocks noChangeAspect="1" noChangeArrowheads="1"/>
+            <a:picLocks noChangeAspect="1"/>
           </p:cNvPicPr>
           <p:nvPr/>
         </p:nvPicPr>
         <p:blipFill>
-          <a:blip r:embed="rId2">
-            <a:extLst>
-              <a:ext uri="{28A0092B-C50C-407E-A947-70E740481C1C}">
-                <a14:useLocalDpi xmlns:a14="http://schemas.microsoft.com/office/drawing/2010/main" val="0"/>
-              </a:ext>
-            </a:extLst>
-          </a:blip>
-          <a:srcRect/>
+          <a:blip r:embed="rId2" cstate="print"/>
           <a:stretch>
             <a:fillRect/>
           </a:stretch>
         </p:blipFill>
-        <p:spPr bwMode="auto">
+        <p:spPr>
           <a:xfrm>
-            <a:off x="9164096" y="1131240"/>
-            <a:ext cx="2887227" cy="2887227"/>
+            <a:off x="6540942" y="644630"/>
+            <a:ext cx="5001861" cy="5568739"/>
           </a:xfrm>
           <a:prstGeom prst="rect">
             <a:avLst/>
           </a:prstGeom>
-          <a:noFill/>
-          <a:extLst>
-            <a:ext uri="{909E8E84-426E-40DD-AFC4-6F175D3DCCD1}">
-              <a14:hiddenFill xmlns:a14="http://schemas.microsoft.com/office/drawing/2010/main">
-                <a:solidFill>
-                  <a:srgbClr val="FFFFFF"/>
-                </a:solidFill>
-              </a14:hiddenFill>
-            </a:ext>
-          </a:extLst>
         </p:spPr>
       </p:pic>
     </p:spTree>
     <p:extLst>
       <p:ext uri="{BB962C8B-B14F-4D97-AF65-F5344CB8AC3E}">
-        <p14:creationId xmlns:p14="http://schemas.microsoft.com/office/powerpoint/2010/main" val="4293465205"/>
+        <p14:creationId xmlns:p14="http://schemas.microsoft.com/office/powerpoint/2010/main" val="2194142674"/>
       </p:ext>
     </p:extLst>
   </p:cSld>
@@ -4235,7 +4284,7 @@
           <p:cNvPr id="2" name="Title 1">
             <a:extLst>
               <a:ext uri="{FF2B5EF4-FFF2-40B4-BE49-F238E27FC236}">
-                <a16:creationId xmlns:a16="http://schemas.microsoft.com/office/drawing/2014/main" id="{61A1D472-0B6E-A856-AAFD-20D9C356E222}"/>
+                <a16:creationId xmlns:a16="http://schemas.microsoft.com/office/drawing/2014/main" id="{44A807B9-53C6-76E3-EC7E-AB3036EF286D}"/>
               </a:ext>
             </a:extLst>
           </p:cNvPr>
@@ -4255,7 +4304,7 @@
           <a:p>
             <a:r>
               <a:rPr lang="en-US" dirty="0"/>
-              <a:t>Multi Factor Authentication (MFA)</a:t>
+              <a:t>Practice – Policies (Root)</a:t>
             </a:r>
           </a:p>
         </p:txBody>
@@ -4265,7 +4314,7 @@
           <p:cNvPr id="3" name="Content Placeholder 2">
             <a:extLst>
               <a:ext uri="{FF2B5EF4-FFF2-40B4-BE49-F238E27FC236}">
-                <a16:creationId xmlns:a16="http://schemas.microsoft.com/office/drawing/2014/main" id="{1739BC54-6F1B-C03E-FBEE-6B10899FEAA9}"/>
+                <a16:creationId xmlns:a16="http://schemas.microsoft.com/office/drawing/2014/main" id="{BFA2DC44-600C-C08A-2282-8B72346B4DD3}"/>
               </a:ext>
             </a:extLst>
           </p:cNvPr>
@@ -4276,118 +4325,163 @@
             <p:ph idx="1"/>
           </p:nvPr>
         </p:nvSpPr>
-        <p:spPr/>
-        <p:txBody>
-          <a:bodyPr/>
+        <p:spPr>
+          <a:xfrm>
+            <a:off x="838200" y="947523"/>
+            <a:ext cx="5914292" cy="4938495"/>
+          </a:xfrm>
+        </p:spPr>
+        <p:txBody>
+          <a:bodyPr>
+            <a:normAutofit fontScale="92500"/>
+          </a:bodyPr>
           <a:lstStyle/>
           <a:p>
             <a:r>
               <a:rPr lang="en-US" dirty="0"/>
-              <a:t>Users have access to your account and can possibly change settings or delete resources in your AWS account</a:t>
-            </a:r>
-          </a:p>
-          <a:p>
-            <a:r>
-              <a:rPr lang="en-US" dirty="0"/>
-              <a:t>You want to </a:t>
-            </a:r>
-            <a:r>
-              <a:rPr lang="en-US" b="1" dirty="0">
-                <a:solidFill>
-                  <a:schemeClr val="accent2"/>
-                </a:solidFill>
-              </a:rPr>
-              <a:t>protect</a:t>
-            </a:r>
-            <a:r>
-              <a:rPr lang="en-US" dirty="0"/>
-              <a:t> your </a:t>
-            </a:r>
-            <a:r>
-              <a:rPr lang="en-US" b="1" dirty="0">
-                <a:solidFill>
-                  <a:schemeClr val="accent4"/>
-                </a:solidFill>
-              </a:rPr>
-              <a:t>root accounts </a:t>
-            </a:r>
-            <a:r>
-              <a:rPr lang="en-US" dirty="0"/>
-              <a:t>and </a:t>
-            </a:r>
-            <a:r>
-              <a:rPr lang="en-US" b="1" dirty="0">
-                <a:solidFill>
-                  <a:schemeClr val="accent4"/>
-                </a:solidFill>
-              </a:rPr>
-              <a:t>IAM users</a:t>
-            </a:r>
-            <a:r>
-              <a:rPr lang="en-US" dirty="0"/>
-              <a:t>.</a:t>
-            </a:r>
-          </a:p>
-          <a:p>
-            <a:r>
-              <a:rPr lang="en-US" b="1" dirty="0">
-                <a:solidFill>
-                  <a:schemeClr val="accent2"/>
-                </a:solidFill>
-              </a:rPr>
-              <a:t>MFA</a:t>
-            </a:r>
-            <a:r>
-              <a:rPr lang="en-US" dirty="0"/>
-              <a:t> = password you know + security device you own</a:t>
-            </a:r>
-          </a:p>
-          <a:p>
-            <a:pPr marL="0" indent="0">
-              <a:buNone/>
-            </a:pPr>
+              <a:t>Policies</a:t>
+            </a:r>
+          </a:p>
+          <a:p>
+            <a:pPr lvl="1"/>
+            <a:r>
+              <a:rPr lang="en-US" dirty="0"/>
+              <a:t>Search: </a:t>
+            </a:r>
+            <a:r>
+              <a:rPr lang="en-US" b="1" dirty="0" err="1"/>
+              <a:t>IAMReadOnlyAccess</a:t>
+            </a:r>
             <a:endParaRPr lang="en-US" dirty="0"/>
           </a:p>
           <a:p>
-            <a:pPr marL="0" indent="0">
-              <a:buNone/>
-            </a:pPr>
+            <a:pPr lvl="1"/>
+            <a:r>
+              <a:rPr lang="en-US" dirty="0"/>
+              <a:t>Select it and Expand (</a:t>
+            </a:r>
+            <a:r>
+              <a:rPr lang="en-US" b="1" dirty="0"/>
+              <a:t>+</a:t>
+            </a:r>
+            <a:r>
+              <a:rPr lang="en-US" dirty="0"/>
+              <a:t>) view the JSON data</a:t>
+            </a:r>
+          </a:p>
+          <a:p>
+            <a:pPr lvl="1"/>
+            <a:r>
+              <a:rPr lang="en-US" dirty="0"/>
+              <a:t>Create Policy (Visual Option)</a:t>
+            </a:r>
+          </a:p>
+          <a:p>
+            <a:pPr lvl="1"/>
+            <a:r>
+              <a:rPr lang="en-US" dirty="0"/>
+              <a:t>Search Service: </a:t>
+            </a:r>
+            <a:r>
+              <a:rPr lang="en-US" b="1" dirty="0"/>
+              <a:t>IAM</a:t>
+            </a:r>
+          </a:p>
+          <a:p>
+            <a:pPr lvl="1"/>
+            <a:r>
+              <a:rPr lang="en-US" dirty="0"/>
+              <a:t>Filter and add Actions: </a:t>
+            </a:r>
+            <a:r>
+              <a:rPr lang="en-US" b="1" dirty="0" err="1"/>
+              <a:t>ListUsers</a:t>
+            </a:r>
+            <a:r>
+              <a:rPr lang="en-US" dirty="0"/>
+              <a:t>, </a:t>
+            </a:r>
+            <a:r>
+              <a:rPr lang="en-US" b="1" dirty="0" err="1"/>
+              <a:t>GetUser</a:t>
+            </a:r>
+            <a:endParaRPr lang="en-US" b="1" dirty="0"/>
+          </a:p>
+          <a:p>
+            <a:pPr lvl="1"/>
+            <a:r>
+              <a:rPr lang="en-US" dirty="0"/>
+              <a:t>Check the JSON data</a:t>
+            </a:r>
+          </a:p>
+          <a:p>
+            <a:pPr lvl="1"/>
+            <a:r>
+              <a:rPr lang="en-US" dirty="0"/>
+              <a:t>Cancel the Creation</a:t>
+            </a:r>
+          </a:p>
+          <a:p>
+            <a:r>
+              <a:rPr lang="en-US" dirty="0"/>
+              <a:t>Reset IAM User (</a:t>
+            </a:r>
+            <a:r>
+              <a:rPr lang="en-US" b="1" dirty="0"/>
+              <a:t>Admin</a:t>
+            </a:r>
+            <a:r>
+              <a:rPr lang="en-US" dirty="0"/>
+              <a:t>)</a:t>
+            </a:r>
+          </a:p>
+          <a:p>
+            <a:pPr lvl="1"/>
+            <a:r>
+              <a:rPr lang="en-US" dirty="0"/>
+              <a:t>Remove Group: </a:t>
+            </a:r>
+            <a:r>
+              <a:rPr lang="en-US" b="1" dirty="0"/>
+              <a:t>Developers</a:t>
+            </a:r>
             <a:endParaRPr lang="en-US" dirty="0"/>
           </a:p>
           <a:p>
-            <a:pPr marL="0" indent="0">
-              <a:buNone/>
-            </a:pPr>
+            <a:pPr lvl="1"/>
+            <a:r>
+              <a:rPr lang="en-US"/>
+              <a:t>Remove Permission: </a:t>
+            </a:r>
+            <a:r>
+              <a:rPr lang="en-US" b="1" dirty="0" err="1"/>
+              <a:t>IAMReadOnlyAccess</a:t>
+            </a:r>
+            <a:r>
+              <a:rPr lang="en-US" b="1" dirty="0"/>
+              <a:t> </a:t>
+            </a:r>
+            <a:r>
+              <a:rPr lang="en-US" dirty="0"/>
+              <a:t>from </a:t>
+            </a:r>
+            <a:r>
+              <a:rPr lang="en-US" b="1" dirty="0"/>
+              <a:t>Admin</a:t>
+            </a:r>
+          </a:p>
+          <a:p>
+            <a:pPr lvl="1"/>
             <a:endParaRPr lang="en-US" dirty="0"/>
-          </a:p>
-          <a:p>
-            <a:pPr marL="0" indent="0">
-              <a:buNone/>
-            </a:pPr>
-            <a:endParaRPr lang="en-US" dirty="0"/>
-          </a:p>
-          <a:p>
-            <a:r>
-              <a:rPr lang="en-US" b="1" dirty="0">
-                <a:solidFill>
-                  <a:srgbClr val="00B050"/>
-                </a:solidFill>
-              </a:rPr>
-              <a:t>Main benefit of MFA</a:t>
-            </a:r>
-            <a:r>
-              <a:rPr lang="en-US" dirty="0"/>
-              <a:t>: if a password is stolen or hacked, the account is not compromised</a:t>
-            </a:r>
           </a:p>
         </p:txBody>
       </p:sp>
       <p:pic>
         <p:nvPicPr>
-          <p:cNvPr id="5" name="Picture 4">
-            <a:extLst>
-              <a:ext uri="{FF2B5EF4-FFF2-40B4-BE49-F238E27FC236}">
-                <a16:creationId xmlns:a16="http://schemas.microsoft.com/office/drawing/2014/main" id="{6F61E7A8-45F4-DAE9-91FF-3BE5E41A4E30}"/>
+          <p:cNvPr id="4" name="Content Placeholder 3" descr="12282598707YbD6m.jpg">
+            <a:extLst>
+              <a:ext uri="{FF2B5EF4-FFF2-40B4-BE49-F238E27FC236}">
+                <a16:creationId xmlns:a16="http://schemas.microsoft.com/office/drawing/2014/main" id="{3E7DC946-0E79-0B18-6967-D8C4B22A411D}"/>
               </a:ext>
             </a:extLst>
           </p:cNvPr>
@@ -4397,66 +4491,25 @@
           <p:nvPr/>
         </p:nvPicPr>
         <p:blipFill>
-          <a:blip r:embed="rId2"/>
+          <a:blip r:embed="rId2" cstate="print"/>
           <a:stretch>
             <a:fillRect/>
           </a:stretch>
         </p:blipFill>
         <p:spPr>
           <a:xfrm>
-            <a:off x="1072190" y="3035073"/>
-            <a:ext cx="9705975" cy="1571625"/>
+            <a:off x="6540942" y="644630"/>
+            <a:ext cx="5001861" cy="5568739"/>
           </a:xfrm>
           <a:prstGeom prst="rect">
             <a:avLst/>
           </a:prstGeom>
         </p:spPr>
       </p:pic>
-      <p:sp>
-        <p:nvSpPr>
-          <p:cNvPr id="7" name="TextBox 6">
-            <a:extLst>
-              <a:ext uri="{FF2B5EF4-FFF2-40B4-BE49-F238E27FC236}">
-                <a16:creationId xmlns:a16="http://schemas.microsoft.com/office/drawing/2014/main" id="{438ADB8B-42F1-7C1E-0837-A73997099990}"/>
-              </a:ext>
-            </a:extLst>
-          </p:cNvPr>
-          <p:cNvSpPr txBox="1"/>
-          <p:nvPr/>
-        </p:nvSpPr>
-        <p:spPr>
-          <a:xfrm>
-            <a:off x="3916764" y="6156346"/>
-            <a:ext cx="4358472" cy="369332"/>
-          </a:xfrm>
-          <a:prstGeom prst="rect">
-            <a:avLst/>
-          </a:prstGeom>
-          <a:noFill/>
-        </p:spPr>
-        <p:txBody>
-          <a:bodyPr wrap="square">
-            <a:spAutoFit/>
-          </a:bodyPr>
-          <a:lstStyle/>
-          <a:p>
-            <a:r>
-              <a:rPr lang="en-US" dirty="0">
-                <a:hlinkClick r:id="rId3"/>
-              </a:rPr>
-              <a:t>https://aws.amazon.com/iam/features/mfa/</a:t>
-            </a:r>
-            <a:r>
-              <a:rPr lang="en-US" dirty="0"/>
-              <a:t> </a:t>
-            </a:r>
-          </a:p>
-        </p:txBody>
-      </p:sp>
     </p:spTree>
     <p:extLst>
       <p:ext uri="{BB962C8B-B14F-4D97-AF65-F5344CB8AC3E}">
-        <p14:creationId xmlns:p14="http://schemas.microsoft.com/office/powerpoint/2010/main" val="789083737"/>
+        <p14:creationId xmlns:p14="http://schemas.microsoft.com/office/powerpoint/2010/main" val="3010288956"/>
       </p:ext>
     </p:extLst>
   </p:cSld>
@@ -4488,6 +4541,530 @@
           <p:cNvPr id="2" name="Title 1">
             <a:extLst>
               <a:ext uri="{FF2B5EF4-FFF2-40B4-BE49-F238E27FC236}">
+                <a16:creationId xmlns:a16="http://schemas.microsoft.com/office/drawing/2014/main" id="{B17A89DA-E9CC-0131-2D72-CFBFA9894EE0}"/>
+              </a:ext>
+            </a:extLst>
+          </p:cNvPr>
+          <p:cNvSpPr>
+            <a:spLocks noGrp="1"/>
+          </p:cNvSpPr>
+          <p:nvPr>
+            <p:ph type="title"/>
+          </p:nvPr>
+        </p:nvSpPr>
+        <p:spPr/>
+        <p:txBody>
+          <a:bodyPr>
+            <a:normAutofit fontScale="90000"/>
+          </a:bodyPr>
+          <a:lstStyle/>
+          <a:p>
+            <a:r>
+              <a:rPr lang="en-US" dirty="0"/>
+              <a:t>IAM: Password Policies</a:t>
+            </a:r>
+          </a:p>
+        </p:txBody>
+      </p:sp>
+      <p:sp>
+        <p:nvSpPr>
+          <p:cNvPr id="3" name="Content Placeholder 2">
+            <a:extLst>
+              <a:ext uri="{FF2B5EF4-FFF2-40B4-BE49-F238E27FC236}">
+                <a16:creationId xmlns:a16="http://schemas.microsoft.com/office/drawing/2014/main" id="{EFA24731-92D5-A2AF-B393-46E796039426}"/>
+              </a:ext>
+            </a:extLst>
+          </p:cNvPr>
+          <p:cNvSpPr>
+            <a:spLocks noGrp="1"/>
+          </p:cNvSpPr>
+          <p:nvPr>
+            <p:ph idx="1"/>
+          </p:nvPr>
+        </p:nvSpPr>
+        <p:spPr/>
+        <p:txBody>
+          <a:bodyPr>
+            <a:normAutofit lnSpcReduction="10000"/>
+          </a:bodyPr>
+          <a:lstStyle/>
+          <a:p>
+            <a:r>
+              <a:rPr lang="en-US" b="1" dirty="0">
+                <a:solidFill>
+                  <a:schemeClr val="accent2"/>
+                </a:solidFill>
+              </a:rPr>
+              <a:t>Strong passwords </a:t>
+            </a:r>
+            <a:r>
+              <a:rPr lang="en-US" dirty="0"/>
+              <a:t>= more security for your account</a:t>
+            </a:r>
+          </a:p>
+          <a:p>
+            <a:r>
+              <a:rPr lang="en-US" dirty="0"/>
+              <a:t>In AWS, you can set up a </a:t>
+            </a:r>
+            <a:r>
+              <a:rPr lang="en-US" b="1" dirty="0">
+                <a:solidFill>
+                  <a:srgbClr val="7030A0"/>
+                </a:solidFill>
+              </a:rPr>
+              <a:t>password policy</a:t>
+            </a:r>
+            <a:r>
+              <a:rPr lang="en-US" dirty="0"/>
+              <a:t>:</a:t>
+            </a:r>
+          </a:p>
+          <a:p>
+            <a:pPr lvl="1"/>
+            <a:r>
+              <a:rPr lang="en-US" dirty="0"/>
+              <a:t>Set a minimum password length</a:t>
+            </a:r>
+          </a:p>
+          <a:p>
+            <a:pPr lvl="1"/>
+            <a:r>
+              <a:rPr lang="en-US" dirty="0"/>
+              <a:t>Require specific character types:</a:t>
+            </a:r>
+          </a:p>
+          <a:p>
+            <a:pPr lvl="1"/>
+            <a:r>
+              <a:rPr lang="en-US" dirty="0"/>
+              <a:t>including capital letters</a:t>
+            </a:r>
+          </a:p>
+          <a:p>
+            <a:pPr lvl="1"/>
+            <a:r>
+              <a:rPr lang="en-US" dirty="0"/>
+              <a:t>lowercase letters</a:t>
+            </a:r>
+          </a:p>
+          <a:p>
+            <a:pPr lvl="1"/>
+            <a:r>
+              <a:rPr lang="en-US" dirty="0"/>
+              <a:t>numbers</a:t>
+            </a:r>
+          </a:p>
+          <a:p>
+            <a:pPr lvl="1"/>
+            <a:r>
+              <a:rPr lang="en-US" dirty="0"/>
+              <a:t>non-alphanumeric characters</a:t>
+            </a:r>
+          </a:p>
+          <a:p>
+            <a:r>
+              <a:rPr lang="en-US" dirty="0"/>
+              <a:t>Allow all IAM </a:t>
+            </a:r>
+            <a:r>
+              <a:rPr lang="en-US" b="1" dirty="0">
+                <a:solidFill>
+                  <a:schemeClr val="accent4"/>
+                </a:solidFill>
+              </a:rPr>
+              <a:t>users</a:t>
+            </a:r>
+            <a:r>
+              <a:rPr lang="en-US" dirty="0"/>
+              <a:t> to </a:t>
+            </a:r>
+            <a:r>
+              <a:rPr lang="en-US" b="1" dirty="0">
+                <a:solidFill>
+                  <a:schemeClr val="accent5"/>
+                </a:solidFill>
+              </a:rPr>
+              <a:t>change</a:t>
+            </a:r>
+            <a:r>
+              <a:rPr lang="en-US" dirty="0"/>
+              <a:t> their own </a:t>
+            </a:r>
+            <a:r>
+              <a:rPr lang="en-US" b="1" dirty="0">
+                <a:solidFill>
+                  <a:srgbClr val="7030A0"/>
+                </a:solidFill>
+              </a:rPr>
+              <a:t>passwords</a:t>
+            </a:r>
+            <a:r>
+              <a:rPr lang="en-US" dirty="0"/>
+              <a:t>.</a:t>
+            </a:r>
+          </a:p>
+          <a:p>
+            <a:r>
+              <a:rPr lang="en-US" dirty="0"/>
+              <a:t>Require users to change their password after a period of time (</a:t>
+            </a:r>
+            <a:r>
+              <a:rPr lang="en-US" b="1" dirty="0">
+                <a:solidFill>
+                  <a:srgbClr val="7030A0"/>
+                </a:solidFill>
+              </a:rPr>
+              <a:t>password expiration</a:t>
+            </a:r>
+            <a:r>
+              <a:rPr lang="en-US" dirty="0"/>
+              <a:t>).</a:t>
+            </a:r>
+          </a:p>
+          <a:p>
+            <a:r>
+              <a:rPr lang="en-US" dirty="0"/>
+              <a:t>Prevent password reuse</a:t>
+            </a:r>
+          </a:p>
+        </p:txBody>
+      </p:sp>
+      <p:pic>
+        <p:nvPicPr>
+          <p:cNvPr id="2062" name="Picture 14" descr="password&quot; Icon - Download for free – Iconduck">
+            <a:extLst>
+              <a:ext uri="{FF2B5EF4-FFF2-40B4-BE49-F238E27FC236}">
+                <a16:creationId xmlns:a16="http://schemas.microsoft.com/office/drawing/2014/main" id="{33E588E0-CDF2-86E3-C0A0-8074E88FCEE3}"/>
+              </a:ext>
+            </a:extLst>
+          </p:cNvPr>
+          <p:cNvPicPr>
+            <a:picLocks noChangeAspect="1" noChangeArrowheads="1"/>
+          </p:cNvPicPr>
+          <p:nvPr/>
+        </p:nvPicPr>
+        <p:blipFill>
+          <a:blip r:embed="rId2">
+            <a:extLst>
+              <a:ext uri="{28A0092B-C50C-407E-A947-70E740481C1C}">
+                <a14:useLocalDpi xmlns:a14="http://schemas.microsoft.com/office/drawing/2010/main" val="0"/>
+              </a:ext>
+            </a:extLst>
+          </a:blip>
+          <a:srcRect/>
+          <a:stretch>
+            <a:fillRect/>
+          </a:stretch>
+        </p:blipFill>
+        <p:spPr bwMode="auto">
+          <a:xfrm>
+            <a:off x="9164096" y="1131240"/>
+            <a:ext cx="2887227" cy="2887227"/>
+          </a:xfrm>
+          <a:prstGeom prst="rect">
+            <a:avLst/>
+          </a:prstGeom>
+          <a:noFill/>
+          <a:extLst>
+            <a:ext uri="{909E8E84-426E-40DD-AFC4-6F175D3DCCD1}">
+              <a14:hiddenFill xmlns:a14="http://schemas.microsoft.com/office/drawing/2010/main">
+                <a:solidFill>
+                  <a:srgbClr val="FFFFFF"/>
+                </a:solidFill>
+              </a14:hiddenFill>
+            </a:ext>
+          </a:extLst>
+        </p:spPr>
+      </p:pic>
+    </p:spTree>
+    <p:extLst>
+      <p:ext uri="{BB962C8B-B14F-4D97-AF65-F5344CB8AC3E}">
+        <p14:creationId xmlns:p14="http://schemas.microsoft.com/office/powerpoint/2010/main" val="4293465205"/>
+      </p:ext>
+    </p:extLst>
+  </p:cSld>
+  <p:clrMapOvr>
+    <a:masterClrMapping/>
+  </p:clrMapOvr>
+</p:sld>
+</file>
+
+<file path=ppt/slides/slide14.xml><?xml version="1.0" encoding="utf-8"?>
+<p:sld xmlns:a="http://schemas.openxmlformats.org/drawingml/2006/main" xmlns:r="http://schemas.openxmlformats.org/officeDocument/2006/relationships" xmlns:p="http://schemas.openxmlformats.org/presentationml/2006/main">
+  <p:cSld>
+    <p:spTree>
+      <p:nvGrpSpPr>
+        <p:cNvPr id="1" name=""/>
+        <p:cNvGrpSpPr/>
+        <p:nvPr/>
+      </p:nvGrpSpPr>
+      <p:grpSpPr>
+        <a:xfrm>
+          <a:off x="0" y="0"/>
+          <a:ext cx="0" cy="0"/>
+          <a:chOff x="0" y="0"/>
+          <a:chExt cx="0" cy="0"/>
+        </a:xfrm>
+      </p:grpSpPr>
+      <p:sp>
+        <p:nvSpPr>
+          <p:cNvPr id="2" name="Title 1">
+            <a:extLst>
+              <a:ext uri="{FF2B5EF4-FFF2-40B4-BE49-F238E27FC236}">
+                <a16:creationId xmlns:a16="http://schemas.microsoft.com/office/drawing/2014/main" id="{61A1D472-0B6E-A856-AAFD-20D9C356E222}"/>
+              </a:ext>
+            </a:extLst>
+          </p:cNvPr>
+          <p:cNvSpPr>
+            <a:spLocks noGrp="1"/>
+          </p:cNvSpPr>
+          <p:nvPr>
+            <p:ph type="title"/>
+          </p:nvPr>
+        </p:nvSpPr>
+        <p:spPr/>
+        <p:txBody>
+          <a:bodyPr>
+            <a:normAutofit fontScale="90000"/>
+          </a:bodyPr>
+          <a:lstStyle/>
+          <a:p>
+            <a:r>
+              <a:rPr lang="en-US" dirty="0"/>
+              <a:t>Multi Factor Authentication (MFA)</a:t>
+            </a:r>
+          </a:p>
+        </p:txBody>
+      </p:sp>
+      <p:sp>
+        <p:nvSpPr>
+          <p:cNvPr id="3" name="Content Placeholder 2">
+            <a:extLst>
+              <a:ext uri="{FF2B5EF4-FFF2-40B4-BE49-F238E27FC236}">
+                <a16:creationId xmlns:a16="http://schemas.microsoft.com/office/drawing/2014/main" id="{1739BC54-6F1B-C03E-FBEE-6B10899FEAA9}"/>
+              </a:ext>
+            </a:extLst>
+          </p:cNvPr>
+          <p:cNvSpPr>
+            <a:spLocks noGrp="1"/>
+          </p:cNvSpPr>
+          <p:nvPr>
+            <p:ph idx="1"/>
+          </p:nvPr>
+        </p:nvSpPr>
+        <p:spPr/>
+        <p:txBody>
+          <a:bodyPr/>
+          <a:lstStyle/>
+          <a:p>
+            <a:r>
+              <a:rPr lang="en-US" dirty="0"/>
+              <a:t>Users have access to your account and can possibly change settings or delete resources in your AWS account</a:t>
+            </a:r>
+          </a:p>
+          <a:p>
+            <a:r>
+              <a:rPr lang="en-US" dirty="0"/>
+              <a:t>You want to </a:t>
+            </a:r>
+            <a:r>
+              <a:rPr lang="en-US" b="1" dirty="0">
+                <a:solidFill>
+                  <a:schemeClr val="accent2"/>
+                </a:solidFill>
+              </a:rPr>
+              <a:t>protect</a:t>
+            </a:r>
+            <a:r>
+              <a:rPr lang="en-US" dirty="0"/>
+              <a:t> your </a:t>
+            </a:r>
+            <a:r>
+              <a:rPr lang="en-US" b="1" dirty="0">
+                <a:solidFill>
+                  <a:schemeClr val="accent4"/>
+                </a:solidFill>
+              </a:rPr>
+              <a:t>root accounts </a:t>
+            </a:r>
+            <a:r>
+              <a:rPr lang="en-US" dirty="0"/>
+              <a:t>and </a:t>
+            </a:r>
+            <a:r>
+              <a:rPr lang="en-US" b="1" dirty="0">
+                <a:solidFill>
+                  <a:schemeClr val="accent4"/>
+                </a:solidFill>
+              </a:rPr>
+              <a:t>IAM users</a:t>
+            </a:r>
+            <a:r>
+              <a:rPr lang="en-US" dirty="0"/>
+              <a:t>.</a:t>
+            </a:r>
+          </a:p>
+          <a:p>
+            <a:r>
+              <a:rPr lang="en-US" b="1" dirty="0">
+                <a:solidFill>
+                  <a:schemeClr val="accent2"/>
+                </a:solidFill>
+              </a:rPr>
+              <a:t>MFA</a:t>
+            </a:r>
+            <a:r>
+              <a:rPr lang="en-US" dirty="0"/>
+              <a:t> = password you know + security device you own</a:t>
+            </a:r>
+          </a:p>
+          <a:p>
+            <a:pPr marL="0" indent="0">
+              <a:buNone/>
+            </a:pPr>
+            <a:endParaRPr lang="en-US" dirty="0"/>
+          </a:p>
+          <a:p>
+            <a:pPr marL="0" indent="0">
+              <a:buNone/>
+            </a:pPr>
+            <a:endParaRPr lang="en-US" dirty="0"/>
+          </a:p>
+          <a:p>
+            <a:pPr marL="0" indent="0">
+              <a:buNone/>
+            </a:pPr>
+            <a:endParaRPr lang="en-US" dirty="0"/>
+          </a:p>
+          <a:p>
+            <a:pPr marL="0" indent="0">
+              <a:buNone/>
+            </a:pPr>
+            <a:endParaRPr lang="en-US" dirty="0"/>
+          </a:p>
+          <a:p>
+            <a:r>
+              <a:rPr lang="en-US" b="1" dirty="0">
+                <a:solidFill>
+                  <a:srgbClr val="00B050"/>
+                </a:solidFill>
+              </a:rPr>
+              <a:t>Main benefit of MFA</a:t>
+            </a:r>
+            <a:r>
+              <a:rPr lang="en-US" dirty="0"/>
+              <a:t>: if a password is stolen or hacked, the account is not compromised</a:t>
+            </a:r>
+          </a:p>
+        </p:txBody>
+      </p:sp>
+      <p:pic>
+        <p:nvPicPr>
+          <p:cNvPr id="5" name="Picture 4">
+            <a:extLst>
+              <a:ext uri="{FF2B5EF4-FFF2-40B4-BE49-F238E27FC236}">
+                <a16:creationId xmlns:a16="http://schemas.microsoft.com/office/drawing/2014/main" id="{6F61E7A8-45F4-DAE9-91FF-3BE5E41A4E30}"/>
+              </a:ext>
+            </a:extLst>
+          </p:cNvPr>
+          <p:cNvPicPr>
+            <a:picLocks noChangeAspect="1"/>
+          </p:cNvPicPr>
+          <p:nvPr/>
+        </p:nvPicPr>
+        <p:blipFill>
+          <a:blip r:embed="rId2"/>
+          <a:stretch>
+            <a:fillRect/>
+          </a:stretch>
+        </p:blipFill>
+        <p:spPr>
+          <a:xfrm>
+            <a:off x="1072190" y="3035073"/>
+            <a:ext cx="9705975" cy="1571625"/>
+          </a:xfrm>
+          <a:prstGeom prst="rect">
+            <a:avLst/>
+          </a:prstGeom>
+        </p:spPr>
+      </p:pic>
+      <p:sp>
+        <p:nvSpPr>
+          <p:cNvPr id="7" name="TextBox 6">
+            <a:extLst>
+              <a:ext uri="{FF2B5EF4-FFF2-40B4-BE49-F238E27FC236}">
+                <a16:creationId xmlns:a16="http://schemas.microsoft.com/office/drawing/2014/main" id="{438ADB8B-42F1-7C1E-0837-A73997099990}"/>
+              </a:ext>
+            </a:extLst>
+          </p:cNvPr>
+          <p:cNvSpPr txBox="1"/>
+          <p:nvPr/>
+        </p:nvSpPr>
+        <p:spPr>
+          <a:xfrm>
+            <a:off x="3916764" y="6156346"/>
+            <a:ext cx="4358472" cy="369332"/>
+          </a:xfrm>
+          <a:prstGeom prst="rect">
+            <a:avLst/>
+          </a:prstGeom>
+          <a:noFill/>
+        </p:spPr>
+        <p:txBody>
+          <a:bodyPr wrap="square">
+            <a:spAutoFit/>
+          </a:bodyPr>
+          <a:lstStyle/>
+          <a:p>
+            <a:r>
+              <a:rPr lang="en-US" dirty="0">
+                <a:hlinkClick r:id="rId3"/>
+              </a:rPr>
+              <a:t>https://aws.amazon.com/iam/features/mfa/</a:t>
+            </a:r>
+            <a:r>
+              <a:rPr lang="en-US" dirty="0"/>
+              <a:t> </a:t>
+            </a:r>
+          </a:p>
+        </p:txBody>
+      </p:sp>
+    </p:spTree>
+    <p:extLst>
+      <p:ext uri="{BB962C8B-B14F-4D97-AF65-F5344CB8AC3E}">
+        <p14:creationId xmlns:p14="http://schemas.microsoft.com/office/powerpoint/2010/main" val="789083737"/>
+      </p:ext>
+    </p:extLst>
+  </p:cSld>
+  <p:clrMapOvr>
+    <a:masterClrMapping/>
+  </p:clrMapOvr>
+</p:sld>
+</file>
+
+<file path=ppt/slides/slide15.xml><?xml version="1.0" encoding="utf-8"?>
+<p:sld xmlns:a="http://schemas.openxmlformats.org/drawingml/2006/main" xmlns:r="http://schemas.openxmlformats.org/officeDocument/2006/relationships" xmlns:p="http://schemas.openxmlformats.org/presentationml/2006/main">
+  <p:cSld>
+    <p:spTree>
+      <p:nvGrpSpPr>
+        <p:cNvPr id="1" name=""/>
+        <p:cNvGrpSpPr/>
+        <p:nvPr/>
+      </p:nvGrpSpPr>
+      <p:grpSpPr>
+        <a:xfrm>
+          <a:off x="0" y="0"/>
+          <a:ext cx="0" cy="0"/>
+          <a:chOff x="0" y="0"/>
+          <a:chExt cx="0" cy="0"/>
+        </a:xfrm>
+      </p:grpSpPr>
+      <p:sp>
+        <p:nvSpPr>
+          <p:cNvPr id="2" name="Title 1">
+            <a:extLst>
+              <a:ext uri="{FF2B5EF4-FFF2-40B4-BE49-F238E27FC236}">
                 <a16:creationId xmlns:a16="http://schemas.microsoft.com/office/drawing/2014/main" id="{300CA587-A765-00F9-573A-1528841BA505}"/>
               </a:ext>
             </a:extLst>
@@ -4686,7 +5263,7 @@
 </p:sld>
 </file>
 
-<file path=ppt/slides/slide14.xml><?xml version="1.0" encoding="utf-8"?>
+<file path=ppt/slides/slide16.xml><?xml version="1.0" encoding="utf-8"?>
 <p:sld xmlns:a="http://schemas.openxmlformats.org/drawingml/2006/main" xmlns:r="http://schemas.openxmlformats.org/officeDocument/2006/relationships" xmlns:p="http://schemas.openxmlformats.org/presentationml/2006/main">
   <p:cSld>
     <p:spTree>
@@ -4868,7 +5445,7 @@
 </p:sld>
 </file>
 
-<file path=ppt/slides/slide15.xml><?xml version="1.0" encoding="utf-8"?>
+<file path=ppt/slides/slide17.xml><?xml version="1.0" encoding="utf-8"?>
 <p:sld xmlns:a="http://schemas.openxmlformats.org/drawingml/2006/main" xmlns:r="http://schemas.openxmlformats.org/officeDocument/2006/relationships" xmlns:p="http://schemas.openxmlformats.org/presentationml/2006/main">
   <p:cSld>
     <p:spTree>
@@ -5077,7 +5654,7 @@
 </p:sld>
 </file>
 
-<file path=ppt/slides/slide16.xml><?xml version="1.0" encoding="utf-8"?>
+<file path=ppt/slides/slide18.xml><?xml version="1.0" encoding="utf-8"?>
 <p:sld xmlns:a="http://schemas.openxmlformats.org/drawingml/2006/main" xmlns:r="http://schemas.openxmlformats.org/officeDocument/2006/relationships" xmlns:p="http://schemas.openxmlformats.org/presentationml/2006/main">
   <p:cSld>
     <p:spTree>
@@ -5347,7 +5924,7 @@
 </p:sld>
 </file>
 
-<file path=ppt/slides/slide17.xml><?xml version="1.0" encoding="utf-8"?>
+<file path=ppt/slides/slide19.xml><?xml version="1.0" encoding="utf-8"?>
 <p:sld xmlns:a="http://schemas.openxmlformats.org/drawingml/2006/main" xmlns:r="http://schemas.openxmlformats.org/officeDocument/2006/relationships" xmlns:p="http://schemas.openxmlformats.org/presentationml/2006/main">
   <p:cSld>
     <p:spTree>
@@ -5553,417 +6130,6 @@
 </p:sld>
 </file>
 
-<file path=ppt/slides/slide18.xml><?xml version="1.0" encoding="utf-8"?>
-<p:sld xmlns:a="http://schemas.openxmlformats.org/drawingml/2006/main" xmlns:r="http://schemas.openxmlformats.org/officeDocument/2006/relationships" xmlns:p="http://schemas.openxmlformats.org/presentationml/2006/main">
-  <p:cSld>
-    <p:spTree>
-      <p:nvGrpSpPr>
-        <p:cNvPr id="1" name=""/>
-        <p:cNvGrpSpPr/>
-        <p:nvPr/>
-      </p:nvGrpSpPr>
-      <p:grpSpPr>
-        <a:xfrm>
-          <a:off x="0" y="0"/>
-          <a:ext cx="0" cy="0"/>
-          <a:chOff x="0" y="0"/>
-          <a:chExt cx="0" cy="0"/>
-        </a:xfrm>
-      </p:grpSpPr>
-      <p:sp>
-        <p:nvSpPr>
-          <p:cNvPr id="2" name="Title 1">
-            <a:extLst>
-              <a:ext uri="{FF2B5EF4-FFF2-40B4-BE49-F238E27FC236}">
-                <a16:creationId xmlns:a16="http://schemas.microsoft.com/office/drawing/2014/main" id="{00E1A8C7-1F6F-3578-2E48-94C7DAC44F94}"/>
-              </a:ext>
-            </a:extLst>
-          </p:cNvPr>
-          <p:cNvSpPr>
-            <a:spLocks noGrp="1"/>
-          </p:cNvSpPr>
-          <p:nvPr>
-            <p:ph type="title"/>
-          </p:nvPr>
-        </p:nvSpPr>
-        <p:spPr/>
-        <p:txBody>
-          <a:bodyPr>
-            <a:normAutofit fontScale="90000"/>
-          </a:bodyPr>
-          <a:lstStyle/>
-          <a:p>
-            <a:r>
-              <a:rPr lang="en-US" dirty="0"/>
-              <a:t>IAM: Security Tools</a:t>
-            </a:r>
-          </a:p>
-        </p:txBody>
-      </p:sp>
-      <p:sp>
-        <p:nvSpPr>
-          <p:cNvPr id="3" name="Content Placeholder 2">
-            <a:extLst>
-              <a:ext uri="{FF2B5EF4-FFF2-40B4-BE49-F238E27FC236}">
-                <a16:creationId xmlns:a16="http://schemas.microsoft.com/office/drawing/2014/main" id="{6289DF6E-A241-1EAB-97BA-B7DCDB993846}"/>
-              </a:ext>
-            </a:extLst>
-          </p:cNvPr>
-          <p:cNvSpPr>
-            <a:spLocks noGrp="1"/>
-          </p:cNvSpPr>
-          <p:nvPr>
-            <p:ph idx="1"/>
-          </p:nvPr>
-        </p:nvSpPr>
-        <p:spPr/>
-        <p:txBody>
-          <a:bodyPr/>
-          <a:lstStyle/>
-          <a:p>
-            <a:r>
-              <a:rPr lang="en-US" b="1" dirty="0"/>
-              <a:t>IAM Credentials Report </a:t>
-            </a:r>
-            <a:r>
-              <a:rPr lang="en-US" dirty="0"/>
-              <a:t>(account level)</a:t>
-            </a:r>
-          </a:p>
-          <a:p>
-            <a:pPr lvl="1"/>
-            <a:r>
-              <a:rPr lang="en-US" dirty="0"/>
-              <a:t>A report that lists all the users in your account and the status of your various credentials</a:t>
-            </a:r>
-          </a:p>
-          <a:p>
-            <a:r>
-              <a:rPr lang="en-US" b="1" dirty="0"/>
-              <a:t>IAM Access Advisor </a:t>
-            </a:r>
-            <a:r>
-              <a:rPr lang="en-US" dirty="0"/>
-              <a:t>(at user level)</a:t>
-            </a:r>
-          </a:p>
-          <a:p>
-            <a:pPr lvl="1"/>
-            <a:r>
-              <a:rPr lang="en-US" dirty="0"/>
-              <a:t>Shows the service permissions granted to a user and when they are you last accessed those services</a:t>
-            </a:r>
-          </a:p>
-          <a:p>
-            <a:pPr lvl="1"/>
-            <a:r>
-              <a:rPr lang="en-US" dirty="0"/>
-              <a:t>You can use this information to revise your policies</a:t>
-            </a:r>
-          </a:p>
-        </p:txBody>
-      </p:sp>
-      <p:pic>
-        <p:nvPicPr>
-          <p:cNvPr id="3074" name="Picture 2" descr="Tools - Free security icons">
-            <a:extLst>
-              <a:ext uri="{FF2B5EF4-FFF2-40B4-BE49-F238E27FC236}">
-                <a16:creationId xmlns:a16="http://schemas.microsoft.com/office/drawing/2014/main" id="{37F864D5-90AE-909A-F933-6CA01F00C1FF}"/>
-              </a:ext>
-            </a:extLst>
-          </p:cNvPr>
-          <p:cNvPicPr>
-            <a:picLocks noChangeAspect="1" noChangeArrowheads="1"/>
-          </p:cNvPicPr>
-          <p:nvPr/>
-        </p:nvPicPr>
-        <p:blipFill>
-          <a:blip r:embed="rId2">
-            <a:extLst>
-              <a:ext uri="{28A0092B-C50C-407E-A947-70E740481C1C}">
-                <a14:useLocalDpi xmlns:a14="http://schemas.microsoft.com/office/drawing/2010/main" val="0"/>
-              </a:ext>
-            </a:extLst>
-          </a:blip>
-          <a:srcRect/>
-          <a:stretch>
-            <a:fillRect/>
-          </a:stretch>
-        </p:blipFill>
-        <p:spPr bwMode="auto">
-          <a:xfrm>
-            <a:off x="9154049" y="3820049"/>
-            <a:ext cx="3037951" cy="3037951"/>
-          </a:xfrm>
-          <a:prstGeom prst="rect">
-            <a:avLst/>
-          </a:prstGeom>
-          <a:noFill/>
-          <a:extLst>
-            <a:ext uri="{909E8E84-426E-40DD-AFC4-6F175D3DCCD1}">
-              <a14:hiddenFill xmlns:a14="http://schemas.microsoft.com/office/drawing/2010/main">
-                <a:solidFill>
-                  <a:srgbClr val="FFFFFF"/>
-                </a:solidFill>
-              </a14:hiddenFill>
-            </a:ext>
-          </a:extLst>
-        </p:spPr>
-      </p:pic>
-    </p:spTree>
-    <p:extLst>
-      <p:ext uri="{BB962C8B-B14F-4D97-AF65-F5344CB8AC3E}">
-        <p14:creationId xmlns:p14="http://schemas.microsoft.com/office/powerpoint/2010/main" val="325307784"/>
-      </p:ext>
-    </p:extLst>
-  </p:cSld>
-  <p:clrMapOvr>
-    <a:masterClrMapping/>
-  </p:clrMapOvr>
-</p:sld>
-</file>
-
-<file path=ppt/slides/slide19.xml><?xml version="1.0" encoding="utf-8"?>
-<p:sld xmlns:a="http://schemas.openxmlformats.org/drawingml/2006/main" xmlns:r="http://schemas.openxmlformats.org/officeDocument/2006/relationships" xmlns:p="http://schemas.openxmlformats.org/presentationml/2006/main">
-  <p:cSld>
-    <p:spTree>
-      <p:nvGrpSpPr>
-        <p:cNvPr id="1" name=""/>
-        <p:cNvGrpSpPr/>
-        <p:nvPr/>
-      </p:nvGrpSpPr>
-      <p:grpSpPr>
-        <a:xfrm>
-          <a:off x="0" y="0"/>
-          <a:ext cx="0" cy="0"/>
-          <a:chOff x="0" y="0"/>
-          <a:chExt cx="0" cy="0"/>
-        </a:xfrm>
-      </p:grpSpPr>
-      <p:sp>
-        <p:nvSpPr>
-          <p:cNvPr id="2" name="Title 1">
-            <a:extLst>
-              <a:ext uri="{FF2B5EF4-FFF2-40B4-BE49-F238E27FC236}">
-                <a16:creationId xmlns:a16="http://schemas.microsoft.com/office/drawing/2014/main" id="{627114C2-CA33-0448-8D7B-95AEC7C9AB0D}"/>
-              </a:ext>
-            </a:extLst>
-          </p:cNvPr>
-          <p:cNvSpPr>
-            <a:spLocks noGrp="1"/>
-          </p:cNvSpPr>
-          <p:nvPr>
-            <p:ph type="title"/>
-          </p:nvPr>
-        </p:nvSpPr>
-        <p:spPr/>
-        <p:txBody>
-          <a:bodyPr>
-            <a:normAutofit fontScale="90000"/>
-          </a:bodyPr>
-          <a:lstStyle/>
-          <a:p>
-            <a:r>
-              <a:rPr lang="en-US" dirty="0"/>
-              <a:t>Security Best Practices in IAM</a:t>
-            </a:r>
-          </a:p>
-        </p:txBody>
-      </p:sp>
-      <p:sp>
-        <p:nvSpPr>
-          <p:cNvPr id="3" name="Content Placeholder 2">
-            <a:extLst>
-              <a:ext uri="{FF2B5EF4-FFF2-40B4-BE49-F238E27FC236}">
-                <a16:creationId xmlns:a16="http://schemas.microsoft.com/office/drawing/2014/main" id="{F6011642-DE2B-B406-87A0-857631054ADF}"/>
-              </a:ext>
-            </a:extLst>
-          </p:cNvPr>
-          <p:cNvSpPr>
-            <a:spLocks noGrp="1"/>
-          </p:cNvSpPr>
-          <p:nvPr>
-            <p:ph idx="1"/>
-          </p:nvPr>
-        </p:nvSpPr>
-        <p:spPr/>
-        <p:txBody>
-          <a:bodyPr/>
-          <a:lstStyle/>
-          <a:p>
-            <a:r>
-              <a:rPr lang="en-US" b="1" dirty="0">
-                <a:solidFill>
-                  <a:schemeClr val="accent4"/>
-                </a:solidFill>
-              </a:rPr>
-              <a:t>Do not use the root account </a:t>
-            </a:r>
-            <a:r>
-              <a:rPr lang="en-US" dirty="0"/>
-              <a:t>except for AWS account configuration</a:t>
-            </a:r>
-          </a:p>
-          <a:p>
-            <a:r>
-              <a:rPr lang="en-US" dirty="0"/>
-              <a:t>One physical user = One AWS user</a:t>
-            </a:r>
-          </a:p>
-          <a:p>
-            <a:r>
-              <a:rPr lang="en-US" b="1" dirty="0">
-                <a:solidFill>
-                  <a:srgbClr val="7030A0"/>
-                </a:solidFill>
-              </a:rPr>
-              <a:t>Assign users to groups </a:t>
-            </a:r>
-            <a:r>
-              <a:rPr lang="en-US" dirty="0"/>
-              <a:t>and assign permissions to groups</a:t>
-            </a:r>
-          </a:p>
-          <a:p>
-            <a:r>
-              <a:rPr lang="en-US" dirty="0"/>
-              <a:t>Create a </a:t>
-            </a:r>
-            <a:r>
-              <a:rPr lang="en-US" b="1" dirty="0">
-                <a:solidFill>
-                  <a:srgbClr val="C00000"/>
-                </a:solidFill>
-              </a:rPr>
-              <a:t>strong password policy</a:t>
-            </a:r>
-          </a:p>
-          <a:p>
-            <a:r>
-              <a:rPr lang="en-US" b="1" dirty="0">
-                <a:solidFill>
-                  <a:schemeClr val="accent6"/>
-                </a:solidFill>
-              </a:rPr>
-              <a:t>Use and enforce </a:t>
-            </a:r>
-            <a:r>
-              <a:rPr lang="en-US" dirty="0"/>
-              <a:t>the use of multi-factor authentication (</a:t>
-            </a:r>
-            <a:r>
-              <a:rPr lang="en-US" b="1" dirty="0">
-                <a:solidFill>
-                  <a:srgbClr val="FF0000"/>
-                </a:solidFill>
-              </a:rPr>
-              <a:t>MFA</a:t>
-            </a:r>
-            <a:r>
-              <a:rPr lang="en-US" dirty="0"/>
-              <a:t>)</a:t>
-            </a:r>
-          </a:p>
-          <a:p>
-            <a:r>
-              <a:rPr lang="en-US" dirty="0"/>
-              <a:t>Create and </a:t>
-            </a:r>
-            <a:r>
-              <a:rPr lang="en-US" b="1" dirty="0"/>
-              <a:t>use Roles </a:t>
-            </a:r>
-            <a:r>
-              <a:rPr lang="en-US" dirty="0"/>
-              <a:t>to give permissions to </a:t>
-            </a:r>
-            <a:r>
-              <a:rPr lang="en-US" b="1" dirty="0"/>
-              <a:t>AWS services</a:t>
-            </a:r>
-            <a:r>
-              <a:rPr lang="en-US" dirty="0"/>
-              <a:t>.</a:t>
-            </a:r>
-          </a:p>
-          <a:p>
-            <a:r>
-              <a:rPr lang="en-US" dirty="0"/>
-              <a:t>Use access keys for programmatic access (CLI / SDK)</a:t>
-            </a:r>
-          </a:p>
-          <a:p>
-            <a:r>
-              <a:rPr lang="en-US" dirty="0"/>
-              <a:t>Review your account permissions with the IAM credentials report</a:t>
-            </a:r>
-          </a:p>
-          <a:p>
-            <a:r>
-              <a:rPr lang="en-US" dirty="0">
-                <a:solidFill>
-                  <a:srgbClr val="FF0000"/>
-                </a:solidFill>
-              </a:rPr>
-              <a:t>Never share IAM users or access keys</a:t>
-            </a:r>
-          </a:p>
-        </p:txBody>
-      </p:sp>
-      <p:sp>
-        <p:nvSpPr>
-          <p:cNvPr id="5" name="TextBox 4">
-            <a:extLst>
-              <a:ext uri="{FF2B5EF4-FFF2-40B4-BE49-F238E27FC236}">
-                <a16:creationId xmlns:a16="http://schemas.microsoft.com/office/drawing/2014/main" id="{106CFA37-4F51-EB24-86FC-25BF2FD34CCF}"/>
-              </a:ext>
-            </a:extLst>
-          </p:cNvPr>
-          <p:cNvSpPr txBox="1"/>
-          <p:nvPr/>
-        </p:nvSpPr>
-        <p:spPr>
-          <a:xfrm>
-            <a:off x="2504971" y="6022544"/>
-            <a:ext cx="7182058" cy="369332"/>
-          </a:xfrm>
-          <a:prstGeom prst="rect">
-            <a:avLst/>
-          </a:prstGeom>
-          <a:noFill/>
-        </p:spPr>
-        <p:txBody>
-          <a:bodyPr wrap="square">
-            <a:spAutoFit/>
-          </a:bodyPr>
-          <a:lstStyle/>
-          <a:p>
-            <a:r>
-              <a:rPr lang="en-US" dirty="0">
-                <a:hlinkClick r:id="rId2"/>
-              </a:rPr>
-              <a:t>https://docs.aws.amazon.com/IAM/latest/UserGuide/best-practices.html</a:t>
-            </a:r>
-            <a:r>
-              <a:rPr lang="en-US" dirty="0"/>
-              <a:t> </a:t>
-            </a:r>
-          </a:p>
-        </p:txBody>
-      </p:sp>
-    </p:spTree>
-    <p:extLst>
-      <p:ext uri="{BB962C8B-B14F-4D97-AF65-F5344CB8AC3E}">
-        <p14:creationId xmlns:p14="http://schemas.microsoft.com/office/powerpoint/2010/main" val="1698522400"/>
-      </p:ext>
-    </p:extLst>
-  </p:cSld>
-  <p:clrMapOvr>
-    <a:masterClrMapping/>
-  </p:clrMapOvr>
-</p:sld>
-</file>
-
 <file path=ppt/slides/slide2.xml><?xml version="1.0" encoding="utf-8"?>
 <p:sld xmlns:a="http://schemas.openxmlformats.org/drawingml/2006/main" xmlns:r="http://schemas.openxmlformats.org/officeDocument/2006/relationships" xmlns:p="http://schemas.openxmlformats.org/presentationml/2006/main">
   <p:cSld>
@@ -6087,6 +6253,417 @@
           <p:cNvPr id="2" name="Title 1">
             <a:extLst>
               <a:ext uri="{FF2B5EF4-FFF2-40B4-BE49-F238E27FC236}">
+                <a16:creationId xmlns:a16="http://schemas.microsoft.com/office/drawing/2014/main" id="{00E1A8C7-1F6F-3578-2E48-94C7DAC44F94}"/>
+              </a:ext>
+            </a:extLst>
+          </p:cNvPr>
+          <p:cNvSpPr>
+            <a:spLocks noGrp="1"/>
+          </p:cNvSpPr>
+          <p:nvPr>
+            <p:ph type="title"/>
+          </p:nvPr>
+        </p:nvSpPr>
+        <p:spPr/>
+        <p:txBody>
+          <a:bodyPr>
+            <a:normAutofit fontScale="90000"/>
+          </a:bodyPr>
+          <a:lstStyle/>
+          <a:p>
+            <a:r>
+              <a:rPr lang="en-US" dirty="0"/>
+              <a:t>IAM: Security Tools</a:t>
+            </a:r>
+          </a:p>
+        </p:txBody>
+      </p:sp>
+      <p:sp>
+        <p:nvSpPr>
+          <p:cNvPr id="3" name="Content Placeholder 2">
+            <a:extLst>
+              <a:ext uri="{FF2B5EF4-FFF2-40B4-BE49-F238E27FC236}">
+                <a16:creationId xmlns:a16="http://schemas.microsoft.com/office/drawing/2014/main" id="{6289DF6E-A241-1EAB-97BA-B7DCDB993846}"/>
+              </a:ext>
+            </a:extLst>
+          </p:cNvPr>
+          <p:cNvSpPr>
+            <a:spLocks noGrp="1"/>
+          </p:cNvSpPr>
+          <p:nvPr>
+            <p:ph idx="1"/>
+          </p:nvPr>
+        </p:nvSpPr>
+        <p:spPr/>
+        <p:txBody>
+          <a:bodyPr/>
+          <a:lstStyle/>
+          <a:p>
+            <a:r>
+              <a:rPr lang="en-US" b="1" dirty="0"/>
+              <a:t>IAM Credentials Report </a:t>
+            </a:r>
+            <a:r>
+              <a:rPr lang="en-US" dirty="0"/>
+              <a:t>(account level)</a:t>
+            </a:r>
+          </a:p>
+          <a:p>
+            <a:pPr lvl="1"/>
+            <a:r>
+              <a:rPr lang="en-US" dirty="0"/>
+              <a:t>A report that lists all the users in your account and the status of your various credentials</a:t>
+            </a:r>
+          </a:p>
+          <a:p>
+            <a:r>
+              <a:rPr lang="en-US" b="1" dirty="0"/>
+              <a:t>IAM Access Advisor </a:t>
+            </a:r>
+            <a:r>
+              <a:rPr lang="en-US" dirty="0"/>
+              <a:t>(at user level)</a:t>
+            </a:r>
+          </a:p>
+          <a:p>
+            <a:pPr lvl="1"/>
+            <a:r>
+              <a:rPr lang="en-US" dirty="0"/>
+              <a:t>Shows the service permissions granted to a user and when they are you last accessed those services</a:t>
+            </a:r>
+          </a:p>
+          <a:p>
+            <a:pPr lvl="1"/>
+            <a:r>
+              <a:rPr lang="en-US" dirty="0"/>
+              <a:t>You can use this information to revise your policies</a:t>
+            </a:r>
+          </a:p>
+        </p:txBody>
+      </p:sp>
+      <p:pic>
+        <p:nvPicPr>
+          <p:cNvPr id="3074" name="Picture 2" descr="Tools - Free security icons">
+            <a:extLst>
+              <a:ext uri="{FF2B5EF4-FFF2-40B4-BE49-F238E27FC236}">
+                <a16:creationId xmlns:a16="http://schemas.microsoft.com/office/drawing/2014/main" id="{37F864D5-90AE-909A-F933-6CA01F00C1FF}"/>
+              </a:ext>
+            </a:extLst>
+          </p:cNvPr>
+          <p:cNvPicPr>
+            <a:picLocks noChangeAspect="1" noChangeArrowheads="1"/>
+          </p:cNvPicPr>
+          <p:nvPr/>
+        </p:nvPicPr>
+        <p:blipFill>
+          <a:blip r:embed="rId2">
+            <a:extLst>
+              <a:ext uri="{28A0092B-C50C-407E-A947-70E740481C1C}">
+                <a14:useLocalDpi xmlns:a14="http://schemas.microsoft.com/office/drawing/2010/main" val="0"/>
+              </a:ext>
+            </a:extLst>
+          </a:blip>
+          <a:srcRect/>
+          <a:stretch>
+            <a:fillRect/>
+          </a:stretch>
+        </p:blipFill>
+        <p:spPr bwMode="auto">
+          <a:xfrm>
+            <a:off x="9154049" y="3820049"/>
+            <a:ext cx="3037951" cy="3037951"/>
+          </a:xfrm>
+          <a:prstGeom prst="rect">
+            <a:avLst/>
+          </a:prstGeom>
+          <a:noFill/>
+          <a:extLst>
+            <a:ext uri="{909E8E84-426E-40DD-AFC4-6F175D3DCCD1}">
+              <a14:hiddenFill xmlns:a14="http://schemas.microsoft.com/office/drawing/2010/main">
+                <a:solidFill>
+                  <a:srgbClr val="FFFFFF"/>
+                </a:solidFill>
+              </a14:hiddenFill>
+            </a:ext>
+          </a:extLst>
+        </p:spPr>
+      </p:pic>
+    </p:spTree>
+    <p:extLst>
+      <p:ext uri="{BB962C8B-B14F-4D97-AF65-F5344CB8AC3E}">
+        <p14:creationId xmlns:p14="http://schemas.microsoft.com/office/powerpoint/2010/main" val="325307784"/>
+      </p:ext>
+    </p:extLst>
+  </p:cSld>
+  <p:clrMapOvr>
+    <a:masterClrMapping/>
+  </p:clrMapOvr>
+</p:sld>
+</file>
+
+<file path=ppt/slides/slide21.xml><?xml version="1.0" encoding="utf-8"?>
+<p:sld xmlns:a="http://schemas.openxmlformats.org/drawingml/2006/main" xmlns:r="http://schemas.openxmlformats.org/officeDocument/2006/relationships" xmlns:p="http://schemas.openxmlformats.org/presentationml/2006/main">
+  <p:cSld>
+    <p:spTree>
+      <p:nvGrpSpPr>
+        <p:cNvPr id="1" name=""/>
+        <p:cNvGrpSpPr/>
+        <p:nvPr/>
+      </p:nvGrpSpPr>
+      <p:grpSpPr>
+        <a:xfrm>
+          <a:off x="0" y="0"/>
+          <a:ext cx="0" cy="0"/>
+          <a:chOff x="0" y="0"/>
+          <a:chExt cx="0" cy="0"/>
+        </a:xfrm>
+      </p:grpSpPr>
+      <p:sp>
+        <p:nvSpPr>
+          <p:cNvPr id="2" name="Title 1">
+            <a:extLst>
+              <a:ext uri="{FF2B5EF4-FFF2-40B4-BE49-F238E27FC236}">
+                <a16:creationId xmlns:a16="http://schemas.microsoft.com/office/drawing/2014/main" id="{627114C2-CA33-0448-8D7B-95AEC7C9AB0D}"/>
+              </a:ext>
+            </a:extLst>
+          </p:cNvPr>
+          <p:cNvSpPr>
+            <a:spLocks noGrp="1"/>
+          </p:cNvSpPr>
+          <p:nvPr>
+            <p:ph type="title"/>
+          </p:nvPr>
+        </p:nvSpPr>
+        <p:spPr/>
+        <p:txBody>
+          <a:bodyPr>
+            <a:normAutofit fontScale="90000"/>
+          </a:bodyPr>
+          <a:lstStyle/>
+          <a:p>
+            <a:r>
+              <a:rPr lang="en-US" dirty="0"/>
+              <a:t>Security Best Practices in IAM</a:t>
+            </a:r>
+          </a:p>
+        </p:txBody>
+      </p:sp>
+      <p:sp>
+        <p:nvSpPr>
+          <p:cNvPr id="3" name="Content Placeholder 2">
+            <a:extLst>
+              <a:ext uri="{FF2B5EF4-FFF2-40B4-BE49-F238E27FC236}">
+                <a16:creationId xmlns:a16="http://schemas.microsoft.com/office/drawing/2014/main" id="{F6011642-DE2B-B406-87A0-857631054ADF}"/>
+              </a:ext>
+            </a:extLst>
+          </p:cNvPr>
+          <p:cNvSpPr>
+            <a:spLocks noGrp="1"/>
+          </p:cNvSpPr>
+          <p:nvPr>
+            <p:ph idx="1"/>
+          </p:nvPr>
+        </p:nvSpPr>
+        <p:spPr/>
+        <p:txBody>
+          <a:bodyPr/>
+          <a:lstStyle/>
+          <a:p>
+            <a:r>
+              <a:rPr lang="en-US" b="1" dirty="0">
+                <a:solidFill>
+                  <a:schemeClr val="accent4"/>
+                </a:solidFill>
+              </a:rPr>
+              <a:t>Do not use the root account </a:t>
+            </a:r>
+            <a:r>
+              <a:rPr lang="en-US" dirty="0"/>
+              <a:t>except for AWS account configuration</a:t>
+            </a:r>
+          </a:p>
+          <a:p>
+            <a:r>
+              <a:rPr lang="en-US" dirty="0"/>
+              <a:t>One physical user = One AWS user</a:t>
+            </a:r>
+          </a:p>
+          <a:p>
+            <a:r>
+              <a:rPr lang="en-US" b="1" dirty="0">
+                <a:solidFill>
+                  <a:srgbClr val="7030A0"/>
+                </a:solidFill>
+              </a:rPr>
+              <a:t>Assign users to groups </a:t>
+            </a:r>
+            <a:r>
+              <a:rPr lang="en-US" dirty="0"/>
+              <a:t>and assign permissions to groups</a:t>
+            </a:r>
+          </a:p>
+          <a:p>
+            <a:r>
+              <a:rPr lang="en-US" dirty="0"/>
+              <a:t>Create a </a:t>
+            </a:r>
+            <a:r>
+              <a:rPr lang="en-US" b="1" dirty="0">
+                <a:solidFill>
+                  <a:srgbClr val="C00000"/>
+                </a:solidFill>
+              </a:rPr>
+              <a:t>strong password policy</a:t>
+            </a:r>
+          </a:p>
+          <a:p>
+            <a:r>
+              <a:rPr lang="en-US" b="1" dirty="0">
+                <a:solidFill>
+                  <a:schemeClr val="accent6"/>
+                </a:solidFill>
+              </a:rPr>
+              <a:t>Use and enforce </a:t>
+            </a:r>
+            <a:r>
+              <a:rPr lang="en-US" dirty="0"/>
+              <a:t>the use of multi-factor authentication (</a:t>
+            </a:r>
+            <a:r>
+              <a:rPr lang="en-US" b="1" dirty="0">
+                <a:solidFill>
+                  <a:srgbClr val="FF0000"/>
+                </a:solidFill>
+              </a:rPr>
+              <a:t>MFA</a:t>
+            </a:r>
+            <a:r>
+              <a:rPr lang="en-US" dirty="0"/>
+              <a:t>)</a:t>
+            </a:r>
+          </a:p>
+          <a:p>
+            <a:r>
+              <a:rPr lang="en-US" dirty="0"/>
+              <a:t>Create and </a:t>
+            </a:r>
+            <a:r>
+              <a:rPr lang="en-US" b="1" dirty="0"/>
+              <a:t>use Roles </a:t>
+            </a:r>
+            <a:r>
+              <a:rPr lang="en-US" dirty="0"/>
+              <a:t>to give permissions to </a:t>
+            </a:r>
+            <a:r>
+              <a:rPr lang="en-US" b="1" dirty="0"/>
+              <a:t>AWS services</a:t>
+            </a:r>
+            <a:r>
+              <a:rPr lang="en-US" dirty="0"/>
+              <a:t>.</a:t>
+            </a:r>
+          </a:p>
+          <a:p>
+            <a:r>
+              <a:rPr lang="en-US" dirty="0"/>
+              <a:t>Use access keys for programmatic access (CLI / SDK)</a:t>
+            </a:r>
+          </a:p>
+          <a:p>
+            <a:r>
+              <a:rPr lang="en-US" dirty="0"/>
+              <a:t>Review your account permissions with the IAM credentials report</a:t>
+            </a:r>
+          </a:p>
+          <a:p>
+            <a:r>
+              <a:rPr lang="en-US" dirty="0">
+                <a:solidFill>
+                  <a:srgbClr val="FF0000"/>
+                </a:solidFill>
+              </a:rPr>
+              <a:t>Never share IAM users or access keys</a:t>
+            </a:r>
+          </a:p>
+        </p:txBody>
+      </p:sp>
+      <p:sp>
+        <p:nvSpPr>
+          <p:cNvPr id="5" name="TextBox 4">
+            <a:extLst>
+              <a:ext uri="{FF2B5EF4-FFF2-40B4-BE49-F238E27FC236}">
+                <a16:creationId xmlns:a16="http://schemas.microsoft.com/office/drawing/2014/main" id="{106CFA37-4F51-EB24-86FC-25BF2FD34CCF}"/>
+              </a:ext>
+            </a:extLst>
+          </p:cNvPr>
+          <p:cNvSpPr txBox="1"/>
+          <p:nvPr/>
+        </p:nvSpPr>
+        <p:spPr>
+          <a:xfrm>
+            <a:off x="2504971" y="6022544"/>
+            <a:ext cx="7182058" cy="369332"/>
+          </a:xfrm>
+          <a:prstGeom prst="rect">
+            <a:avLst/>
+          </a:prstGeom>
+          <a:noFill/>
+        </p:spPr>
+        <p:txBody>
+          <a:bodyPr wrap="square">
+            <a:spAutoFit/>
+          </a:bodyPr>
+          <a:lstStyle/>
+          <a:p>
+            <a:r>
+              <a:rPr lang="en-US" dirty="0">
+                <a:hlinkClick r:id="rId2"/>
+              </a:rPr>
+              <a:t>https://docs.aws.amazon.com/IAM/latest/UserGuide/best-practices.html</a:t>
+            </a:r>
+            <a:r>
+              <a:rPr lang="en-US" dirty="0"/>
+              <a:t> </a:t>
+            </a:r>
+          </a:p>
+        </p:txBody>
+      </p:sp>
+    </p:spTree>
+    <p:extLst>
+      <p:ext uri="{BB962C8B-B14F-4D97-AF65-F5344CB8AC3E}">
+        <p14:creationId xmlns:p14="http://schemas.microsoft.com/office/powerpoint/2010/main" val="1698522400"/>
+      </p:ext>
+    </p:extLst>
+  </p:cSld>
+  <p:clrMapOvr>
+    <a:masterClrMapping/>
+  </p:clrMapOvr>
+</p:sld>
+</file>
+
+<file path=ppt/slides/slide22.xml><?xml version="1.0" encoding="utf-8"?>
+<p:sld xmlns:a="http://schemas.openxmlformats.org/drawingml/2006/main" xmlns:r="http://schemas.openxmlformats.org/officeDocument/2006/relationships" xmlns:p="http://schemas.openxmlformats.org/presentationml/2006/main">
+  <p:cSld>
+    <p:spTree>
+      <p:nvGrpSpPr>
+        <p:cNvPr id="1" name=""/>
+        <p:cNvGrpSpPr/>
+        <p:nvPr/>
+      </p:nvGrpSpPr>
+      <p:grpSpPr>
+        <a:xfrm>
+          <a:off x="0" y="0"/>
+          <a:ext cx="0" cy="0"/>
+          <a:chOff x="0" y="0"/>
+          <a:chExt cx="0" cy="0"/>
+        </a:xfrm>
+      </p:grpSpPr>
+      <p:sp>
+        <p:nvSpPr>
+          <p:cNvPr id="2" name="Title 1">
+            <a:extLst>
+              <a:ext uri="{FF2B5EF4-FFF2-40B4-BE49-F238E27FC236}">
                 <a16:creationId xmlns:a16="http://schemas.microsoft.com/office/drawing/2014/main" id="{72ABD2A2-71D8-CDA1-84E7-4A97D26E3DC4}"/>
               </a:ext>
             </a:extLst>
@@ -6519,7 +7096,7 @@
 </p:sld>
 </file>
 
-<file path=ppt/slides/slide21.xml><?xml version="1.0" encoding="utf-8"?>
+<file path=ppt/slides/slide23.xml><?xml version="1.0" encoding="utf-8"?>
 <p:sld xmlns:a="http://schemas.openxmlformats.org/drawingml/2006/main" xmlns:r="http://schemas.openxmlformats.org/officeDocument/2006/relationships" xmlns:p="http://schemas.openxmlformats.org/presentationml/2006/main">
   <p:cSld>
     <p:spTree>
@@ -6761,7 +7338,7 @@
 </p:sld>
 </file>
 
-<file path=ppt/slides/slide22.xml><?xml version="1.0" encoding="utf-8"?>
+<file path=ppt/slides/slide24.xml><?xml version="1.0" encoding="utf-8"?>
 <p:sld xmlns:a="http://schemas.openxmlformats.org/drawingml/2006/main" xmlns:r="http://schemas.openxmlformats.org/officeDocument/2006/relationships" xmlns:p="http://schemas.openxmlformats.org/presentationml/2006/main">
   <p:cSld>
     <p:spTree>
@@ -6882,7 +7459,7 @@
 </p:sld>
 </file>
 
-<file path=ppt/slides/slide23.xml><?xml version="1.0" encoding="utf-8"?>
+<file path=ppt/slides/slide25.xml><?xml version="1.0" encoding="utf-8"?>
 <p:sld xmlns:a="http://schemas.openxmlformats.org/drawingml/2006/main" xmlns:r="http://schemas.openxmlformats.org/officeDocument/2006/relationships" xmlns:p="http://schemas.openxmlformats.org/presentationml/2006/main">
   <p:cSld>
     <p:spTree>
@@ -7801,7 +8378,7 @@
           <a:p>
             <a:r>
               <a:rPr lang="en-US" dirty="0"/>
-              <a:t>Practice</a:t>
+              <a:t>Practice – Create IAM User</a:t>
             </a:r>
           </a:p>
         </p:txBody>
@@ -8073,7 +8650,7 @@
           <a:p>
             <a:r>
               <a:rPr lang="en-US" dirty="0"/>
-              <a:t>Practice</a:t>
+              <a:t>Practice – Access as IAM User</a:t>
             </a:r>
           </a:p>
         </p:txBody>

--- a/Classes/04-IAM-IdentityandAccessManagement/ArchitectureMaster-04-IAM-IdentityandAccessManagement.pptx
+++ b/Classes/04-IAM-IdentityandAccessManagement/ArchitectureMaster-04-IAM-IdentityandAccessManagement.pptx
@@ -19,17 +19,18 @@
     <p:sldId id="306" r:id="rId13"/>
     <p:sldId id="290" r:id="rId14"/>
     <p:sldId id="292" r:id="rId15"/>
-    <p:sldId id="293" r:id="rId16"/>
-    <p:sldId id="294" r:id="rId17"/>
-    <p:sldId id="295" r:id="rId18"/>
-    <p:sldId id="296" r:id="rId19"/>
-    <p:sldId id="291" r:id="rId20"/>
-    <p:sldId id="297" r:id="rId21"/>
-    <p:sldId id="298" r:id="rId22"/>
-    <p:sldId id="299" r:id="rId23"/>
-    <p:sldId id="300" r:id="rId24"/>
-    <p:sldId id="278" r:id="rId25"/>
-    <p:sldId id="284" r:id="rId26"/>
+    <p:sldId id="309" r:id="rId16"/>
+    <p:sldId id="293" r:id="rId17"/>
+    <p:sldId id="294" r:id="rId18"/>
+    <p:sldId id="295" r:id="rId19"/>
+    <p:sldId id="296" r:id="rId20"/>
+    <p:sldId id="291" r:id="rId21"/>
+    <p:sldId id="297" r:id="rId22"/>
+    <p:sldId id="298" r:id="rId23"/>
+    <p:sldId id="299" r:id="rId24"/>
+    <p:sldId id="300" r:id="rId25"/>
+    <p:sldId id="278" r:id="rId26"/>
+    <p:sldId id="284" r:id="rId27"/>
   </p:sldIdLst>
   <p:sldSz cx="12192000" cy="6858000"/>
   <p:notesSz cx="6858000" cy="9144000"/>
@@ -5065,6 +5066,235 @@
           <p:cNvPr id="2" name="Title 1">
             <a:extLst>
               <a:ext uri="{FF2B5EF4-FFF2-40B4-BE49-F238E27FC236}">
+                <a16:creationId xmlns:a16="http://schemas.microsoft.com/office/drawing/2014/main" id="{44A807B9-53C6-76E3-EC7E-AB3036EF286D}"/>
+              </a:ext>
+            </a:extLst>
+          </p:cNvPr>
+          <p:cNvSpPr>
+            <a:spLocks noGrp="1"/>
+          </p:cNvSpPr>
+          <p:nvPr>
+            <p:ph type="title"/>
+          </p:nvPr>
+        </p:nvSpPr>
+        <p:spPr/>
+        <p:txBody>
+          <a:bodyPr>
+            <a:normAutofit fontScale="90000"/>
+          </a:bodyPr>
+          <a:lstStyle/>
+          <a:p>
+            <a:r>
+              <a:rPr lang="en-US" dirty="0"/>
+              <a:t>Practice – MFA (Root)</a:t>
+            </a:r>
+          </a:p>
+        </p:txBody>
+      </p:sp>
+      <p:sp>
+        <p:nvSpPr>
+          <p:cNvPr id="3" name="Content Placeholder 2">
+            <a:extLst>
+              <a:ext uri="{FF2B5EF4-FFF2-40B4-BE49-F238E27FC236}">
+                <a16:creationId xmlns:a16="http://schemas.microsoft.com/office/drawing/2014/main" id="{BFA2DC44-600C-C08A-2282-8B72346B4DD3}"/>
+              </a:ext>
+            </a:extLst>
+          </p:cNvPr>
+          <p:cNvSpPr>
+            <a:spLocks noGrp="1"/>
+          </p:cNvSpPr>
+          <p:nvPr>
+            <p:ph idx="1"/>
+          </p:nvPr>
+        </p:nvSpPr>
+        <p:spPr>
+          <a:xfrm>
+            <a:off x="838200" y="947523"/>
+            <a:ext cx="5914292" cy="4938495"/>
+          </a:xfrm>
+        </p:spPr>
+        <p:txBody>
+          <a:bodyPr>
+            <a:normAutofit lnSpcReduction="10000"/>
+          </a:bodyPr>
+          <a:lstStyle/>
+          <a:p>
+            <a:r>
+              <a:rPr lang="en-US" dirty="0"/>
+              <a:t>Account Settings</a:t>
+            </a:r>
+          </a:p>
+          <a:p>
+            <a:pPr lvl="1"/>
+            <a:r>
+              <a:rPr lang="en-US" dirty="0"/>
+              <a:t>Password Policy (</a:t>
+            </a:r>
+            <a:r>
+              <a:rPr lang="en-US" b="1" dirty="0"/>
+              <a:t>Edit</a:t>
+            </a:r>
+            <a:r>
+              <a:rPr lang="en-US" dirty="0"/>
+              <a:t>)</a:t>
+            </a:r>
+          </a:p>
+          <a:p>
+            <a:pPr lvl="1"/>
+            <a:r>
+              <a:rPr lang="en-US" dirty="0"/>
+              <a:t>Custom (New Password Policy)</a:t>
+            </a:r>
+          </a:p>
+          <a:p>
+            <a:r>
+              <a:rPr lang="en-US" dirty="0"/>
+              <a:t>Account Name (Title Bar)</a:t>
+            </a:r>
+          </a:p>
+          <a:p>
+            <a:pPr lvl="1"/>
+            <a:r>
+              <a:rPr lang="en-US" dirty="0"/>
+              <a:t>Security Credentials</a:t>
+            </a:r>
+          </a:p>
+          <a:p>
+            <a:pPr lvl="1"/>
+            <a:r>
+              <a:rPr lang="en-US" dirty="0"/>
+              <a:t>Assign MFA</a:t>
+            </a:r>
+          </a:p>
+          <a:p>
+            <a:pPr lvl="1"/>
+            <a:r>
+              <a:rPr lang="en-US" dirty="0"/>
+              <a:t>Device Name (</a:t>
+            </a:r>
+            <a:r>
+              <a:rPr lang="en-US" dirty="0" err="1"/>
+              <a:t>iPhonePersonal</a:t>
+            </a:r>
+            <a:r>
+              <a:rPr lang="en-US" dirty="0"/>
+              <a:t>)</a:t>
+            </a:r>
+          </a:p>
+          <a:p>
+            <a:pPr lvl="1"/>
+            <a:r>
+              <a:rPr lang="en-US" dirty="0"/>
+              <a:t>Authenticator App (</a:t>
+            </a:r>
+            <a:r>
+              <a:rPr lang="en-US" b="1" dirty="0"/>
+              <a:t>Authy</a:t>
+            </a:r>
+            <a:r>
+              <a:rPr lang="en-US" dirty="0"/>
+              <a:t>)</a:t>
+            </a:r>
+          </a:p>
+          <a:p>
+            <a:pPr lvl="1"/>
+            <a:r>
+              <a:rPr lang="en-US" dirty="0"/>
+              <a:t>Scan QR Code</a:t>
+            </a:r>
+          </a:p>
+          <a:p>
+            <a:r>
+              <a:rPr lang="en-US" dirty="0"/>
+              <a:t>In Authy</a:t>
+            </a:r>
+          </a:p>
+          <a:p>
+            <a:pPr lvl="1"/>
+            <a:r>
+              <a:rPr lang="en-US" dirty="0"/>
+              <a:t>Scan the QR Code</a:t>
+            </a:r>
+          </a:p>
+          <a:p>
+            <a:pPr lvl="1"/>
+            <a:r>
+              <a:rPr lang="en-US" dirty="0"/>
+              <a:t>Enter the 2 MFA </a:t>
+            </a:r>
+            <a:r>
+              <a:rPr lang="en-US"/>
+              <a:t>code Generated</a:t>
+            </a:r>
+            <a:endParaRPr lang="en-US" dirty="0"/>
+          </a:p>
+        </p:txBody>
+      </p:sp>
+      <p:pic>
+        <p:nvPicPr>
+          <p:cNvPr id="4" name="Content Placeholder 3" descr="12282598707YbD6m.jpg">
+            <a:extLst>
+              <a:ext uri="{FF2B5EF4-FFF2-40B4-BE49-F238E27FC236}">
+                <a16:creationId xmlns:a16="http://schemas.microsoft.com/office/drawing/2014/main" id="{3E7DC946-0E79-0B18-6967-D8C4B22A411D}"/>
+              </a:ext>
+            </a:extLst>
+          </p:cNvPr>
+          <p:cNvPicPr>
+            <a:picLocks noChangeAspect="1"/>
+          </p:cNvPicPr>
+          <p:nvPr/>
+        </p:nvPicPr>
+        <p:blipFill>
+          <a:blip r:embed="rId2" cstate="print"/>
+          <a:stretch>
+            <a:fillRect/>
+          </a:stretch>
+        </p:blipFill>
+        <p:spPr>
+          <a:xfrm>
+            <a:off x="6540942" y="644630"/>
+            <a:ext cx="5001861" cy="5568739"/>
+          </a:xfrm>
+          <a:prstGeom prst="rect">
+            <a:avLst/>
+          </a:prstGeom>
+        </p:spPr>
+      </p:pic>
+    </p:spTree>
+    <p:extLst>
+      <p:ext uri="{BB962C8B-B14F-4D97-AF65-F5344CB8AC3E}">
+        <p14:creationId xmlns:p14="http://schemas.microsoft.com/office/powerpoint/2010/main" val="3955070395"/>
+      </p:ext>
+    </p:extLst>
+  </p:cSld>
+  <p:clrMapOvr>
+    <a:masterClrMapping/>
+  </p:clrMapOvr>
+</p:sld>
+</file>
+
+<file path=ppt/slides/slide16.xml><?xml version="1.0" encoding="utf-8"?>
+<p:sld xmlns:a="http://schemas.openxmlformats.org/drawingml/2006/main" xmlns:r="http://schemas.openxmlformats.org/officeDocument/2006/relationships" xmlns:p="http://schemas.openxmlformats.org/presentationml/2006/main">
+  <p:cSld>
+    <p:spTree>
+      <p:nvGrpSpPr>
+        <p:cNvPr id="1" name=""/>
+        <p:cNvGrpSpPr/>
+        <p:nvPr/>
+      </p:nvGrpSpPr>
+      <p:grpSpPr>
+        <a:xfrm>
+          <a:off x="0" y="0"/>
+          <a:ext cx="0" cy="0"/>
+          <a:chOff x="0" y="0"/>
+          <a:chExt cx="0" cy="0"/>
+        </a:xfrm>
+      </p:grpSpPr>
+      <p:sp>
+        <p:nvSpPr>
+          <p:cNvPr id="2" name="Title 1">
+            <a:extLst>
+              <a:ext uri="{FF2B5EF4-FFF2-40B4-BE49-F238E27FC236}">
                 <a16:creationId xmlns:a16="http://schemas.microsoft.com/office/drawing/2014/main" id="{300CA587-A765-00F9-573A-1528841BA505}"/>
               </a:ext>
             </a:extLst>
@@ -5263,7 +5493,7 @@
 </p:sld>
 </file>
 
-<file path=ppt/slides/slide16.xml><?xml version="1.0" encoding="utf-8"?>
+<file path=ppt/slides/slide17.xml><?xml version="1.0" encoding="utf-8"?>
 <p:sld xmlns:a="http://schemas.openxmlformats.org/drawingml/2006/main" xmlns:r="http://schemas.openxmlformats.org/officeDocument/2006/relationships" xmlns:p="http://schemas.openxmlformats.org/presentationml/2006/main">
   <p:cSld>
     <p:spTree>
@@ -5445,7 +5675,7 @@
 </p:sld>
 </file>
 
-<file path=ppt/slides/slide17.xml><?xml version="1.0" encoding="utf-8"?>
+<file path=ppt/slides/slide18.xml><?xml version="1.0" encoding="utf-8"?>
 <p:sld xmlns:a="http://schemas.openxmlformats.org/drawingml/2006/main" xmlns:r="http://schemas.openxmlformats.org/officeDocument/2006/relationships" xmlns:p="http://schemas.openxmlformats.org/presentationml/2006/main">
   <p:cSld>
     <p:spTree>
@@ -5654,7 +5884,7 @@
 </p:sld>
 </file>
 
-<file path=ppt/slides/slide18.xml><?xml version="1.0" encoding="utf-8"?>
+<file path=ppt/slides/slide19.xml><?xml version="1.0" encoding="utf-8"?>
 <p:sld xmlns:a="http://schemas.openxmlformats.org/drawingml/2006/main" xmlns:r="http://schemas.openxmlformats.org/officeDocument/2006/relationships" xmlns:p="http://schemas.openxmlformats.org/presentationml/2006/main">
   <p:cSld>
     <p:spTree>
@@ -5924,7 +6154,108 @@
 </p:sld>
 </file>
 
-<file path=ppt/slides/slide19.xml><?xml version="1.0" encoding="utf-8"?>
+<file path=ppt/slides/slide2.xml><?xml version="1.0" encoding="utf-8"?>
+<p:sld xmlns:a="http://schemas.openxmlformats.org/drawingml/2006/main" xmlns:r="http://schemas.openxmlformats.org/officeDocument/2006/relationships" xmlns:p="http://schemas.openxmlformats.org/presentationml/2006/main">
+  <p:cSld>
+    <p:spTree>
+      <p:nvGrpSpPr>
+        <p:cNvPr id="1" name=""/>
+        <p:cNvGrpSpPr/>
+        <p:nvPr/>
+      </p:nvGrpSpPr>
+      <p:grpSpPr>
+        <a:xfrm>
+          <a:off x="0" y="0"/>
+          <a:ext cx="0" cy="0"/>
+          <a:chOff x="0" y="0"/>
+          <a:chExt cx="0" cy="0"/>
+        </a:xfrm>
+      </p:grpSpPr>
+      <p:sp>
+        <p:nvSpPr>
+          <p:cNvPr id="5" name="Title 4">
+            <a:extLst>
+              <a:ext uri="{FF2B5EF4-FFF2-40B4-BE49-F238E27FC236}">
+                <a16:creationId xmlns:a16="http://schemas.microsoft.com/office/drawing/2014/main" id="{545CE4E4-8AAD-7549-D138-2AF8AE3013C0}"/>
+              </a:ext>
+            </a:extLst>
+          </p:cNvPr>
+          <p:cNvSpPr>
+            <a:spLocks noGrp="1"/>
+          </p:cNvSpPr>
+          <p:nvPr>
+            <p:ph type="title"/>
+          </p:nvPr>
+        </p:nvSpPr>
+        <p:spPr/>
+        <p:txBody>
+          <a:bodyPr>
+            <a:normAutofit fontScale="90000"/>
+          </a:bodyPr>
+          <a:lstStyle/>
+          <a:p>
+            <a:r>
+              <a:rPr lang="en-US" dirty="0"/>
+              <a:t>Identity and Access Management (IAM)</a:t>
+            </a:r>
+          </a:p>
+        </p:txBody>
+      </p:sp>
+      <p:pic>
+        <p:nvPicPr>
+          <p:cNvPr id="7" name="Content Placeholder 6">
+            <a:extLst>
+              <a:ext uri="{FF2B5EF4-FFF2-40B4-BE49-F238E27FC236}">
+                <a16:creationId xmlns:a16="http://schemas.microsoft.com/office/drawing/2014/main" id="{D09FF990-C713-DFF9-40FE-B812DA69506B}"/>
+              </a:ext>
+            </a:extLst>
+          </p:cNvPr>
+          <p:cNvPicPr>
+            <a:picLocks noGrp="1" noChangeAspect="1"/>
+          </p:cNvPicPr>
+          <p:nvPr>
+            <p:ph idx="1"/>
+          </p:nvPr>
+        </p:nvPicPr>
+        <p:blipFill>
+          <a:blip r:embed="rId2"/>
+          <a:stretch>
+            <a:fillRect/>
+          </a:stretch>
+        </p:blipFill>
+        <p:spPr>
+          <a:xfrm>
+            <a:off x="1307732" y="947738"/>
+            <a:ext cx="9576536" cy="4938712"/>
+          </a:xfrm>
+        </p:spPr>
+      </p:pic>
+    </p:spTree>
+    <p:extLst>
+      <p:ext uri="{BB962C8B-B14F-4D97-AF65-F5344CB8AC3E}">
+        <p14:creationId xmlns:p14="http://schemas.microsoft.com/office/powerpoint/2010/main" val="1083392141"/>
+      </p:ext>
+    </p:extLst>
+  </p:cSld>
+  <p:clrMapOvr>
+    <a:masterClrMapping/>
+  </p:clrMapOvr>
+  <mc:AlternateContent xmlns:mc="http://schemas.openxmlformats.org/markup-compatibility/2006" xmlns:p159="http://schemas.microsoft.com/office/powerpoint/2015/09/main">
+    <mc:Choice Requires="p159">
+      <p:transition xmlns:p14="http://schemas.microsoft.com/office/powerpoint/2010/main" spd="slow" p14:dur="2000">
+        <p159:morph option="byObject"/>
+      </p:transition>
+    </mc:Choice>
+    <mc:Fallback xmlns="">
+      <p:transition spd="slow">
+        <p:fade/>
+      </p:transition>
+    </mc:Fallback>
+  </mc:AlternateContent>
+</p:sld>
+</file>
+
+<file path=ppt/slides/slide20.xml><?xml version="1.0" encoding="utf-8"?>
 <p:sld xmlns:a="http://schemas.openxmlformats.org/drawingml/2006/main" xmlns:r="http://schemas.openxmlformats.org/officeDocument/2006/relationships" xmlns:p="http://schemas.openxmlformats.org/presentationml/2006/main">
   <p:cSld>
     <p:spTree>
@@ -6130,108 +6461,7 @@
 </p:sld>
 </file>
 
-<file path=ppt/slides/slide2.xml><?xml version="1.0" encoding="utf-8"?>
-<p:sld xmlns:a="http://schemas.openxmlformats.org/drawingml/2006/main" xmlns:r="http://schemas.openxmlformats.org/officeDocument/2006/relationships" xmlns:p="http://schemas.openxmlformats.org/presentationml/2006/main">
-  <p:cSld>
-    <p:spTree>
-      <p:nvGrpSpPr>
-        <p:cNvPr id="1" name=""/>
-        <p:cNvGrpSpPr/>
-        <p:nvPr/>
-      </p:nvGrpSpPr>
-      <p:grpSpPr>
-        <a:xfrm>
-          <a:off x="0" y="0"/>
-          <a:ext cx="0" cy="0"/>
-          <a:chOff x="0" y="0"/>
-          <a:chExt cx="0" cy="0"/>
-        </a:xfrm>
-      </p:grpSpPr>
-      <p:sp>
-        <p:nvSpPr>
-          <p:cNvPr id="5" name="Title 4">
-            <a:extLst>
-              <a:ext uri="{FF2B5EF4-FFF2-40B4-BE49-F238E27FC236}">
-                <a16:creationId xmlns:a16="http://schemas.microsoft.com/office/drawing/2014/main" id="{545CE4E4-8AAD-7549-D138-2AF8AE3013C0}"/>
-              </a:ext>
-            </a:extLst>
-          </p:cNvPr>
-          <p:cNvSpPr>
-            <a:spLocks noGrp="1"/>
-          </p:cNvSpPr>
-          <p:nvPr>
-            <p:ph type="title"/>
-          </p:nvPr>
-        </p:nvSpPr>
-        <p:spPr/>
-        <p:txBody>
-          <a:bodyPr>
-            <a:normAutofit fontScale="90000"/>
-          </a:bodyPr>
-          <a:lstStyle/>
-          <a:p>
-            <a:r>
-              <a:rPr lang="en-US" dirty="0"/>
-              <a:t>Identity and Access Management (IAM)</a:t>
-            </a:r>
-          </a:p>
-        </p:txBody>
-      </p:sp>
-      <p:pic>
-        <p:nvPicPr>
-          <p:cNvPr id="7" name="Content Placeholder 6">
-            <a:extLst>
-              <a:ext uri="{FF2B5EF4-FFF2-40B4-BE49-F238E27FC236}">
-                <a16:creationId xmlns:a16="http://schemas.microsoft.com/office/drawing/2014/main" id="{D09FF990-C713-DFF9-40FE-B812DA69506B}"/>
-              </a:ext>
-            </a:extLst>
-          </p:cNvPr>
-          <p:cNvPicPr>
-            <a:picLocks noGrp="1" noChangeAspect="1"/>
-          </p:cNvPicPr>
-          <p:nvPr>
-            <p:ph idx="1"/>
-          </p:nvPr>
-        </p:nvPicPr>
-        <p:blipFill>
-          <a:blip r:embed="rId2"/>
-          <a:stretch>
-            <a:fillRect/>
-          </a:stretch>
-        </p:blipFill>
-        <p:spPr>
-          <a:xfrm>
-            <a:off x="1307732" y="947738"/>
-            <a:ext cx="9576536" cy="4938712"/>
-          </a:xfrm>
-        </p:spPr>
-      </p:pic>
-    </p:spTree>
-    <p:extLst>
-      <p:ext uri="{BB962C8B-B14F-4D97-AF65-F5344CB8AC3E}">
-        <p14:creationId xmlns:p14="http://schemas.microsoft.com/office/powerpoint/2010/main" val="1083392141"/>
-      </p:ext>
-    </p:extLst>
-  </p:cSld>
-  <p:clrMapOvr>
-    <a:masterClrMapping/>
-  </p:clrMapOvr>
-  <mc:AlternateContent xmlns:mc="http://schemas.openxmlformats.org/markup-compatibility/2006" xmlns:p159="http://schemas.microsoft.com/office/powerpoint/2015/09/main">
-    <mc:Choice Requires="p159">
-      <p:transition xmlns:p14="http://schemas.microsoft.com/office/powerpoint/2010/main" spd="slow" p14:dur="2000">
-        <p159:morph option="byObject"/>
-      </p:transition>
-    </mc:Choice>
-    <mc:Fallback xmlns="">
-      <p:transition spd="slow">
-        <p:fade/>
-      </p:transition>
-    </mc:Fallback>
-  </mc:AlternateContent>
-</p:sld>
-</file>
-
-<file path=ppt/slides/slide20.xml><?xml version="1.0" encoding="utf-8"?>
+<file path=ppt/slides/slide21.xml><?xml version="1.0" encoding="utf-8"?>
 <p:sld xmlns:a="http://schemas.openxmlformats.org/drawingml/2006/main" xmlns:r="http://schemas.openxmlformats.org/officeDocument/2006/relationships" xmlns:p="http://schemas.openxmlformats.org/presentationml/2006/main">
   <p:cSld>
     <p:spTree>
@@ -6392,247 +6622,6 @@
     <p:extLst>
       <p:ext uri="{BB962C8B-B14F-4D97-AF65-F5344CB8AC3E}">
         <p14:creationId xmlns:p14="http://schemas.microsoft.com/office/powerpoint/2010/main" val="325307784"/>
-      </p:ext>
-    </p:extLst>
-  </p:cSld>
-  <p:clrMapOvr>
-    <a:masterClrMapping/>
-  </p:clrMapOvr>
-</p:sld>
-</file>
-
-<file path=ppt/slides/slide21.xml><?xml version="1.0" encoding="utf-8"?>
-<p:sld xmlns:a="http://schemas.openxmlformats.org/drawingml/2006/main" xmlns:r="http://schemas.openxmlformats.org/officeDocument/2006/relationships" xmlns:p="http://schemas.openxmlformats.org/presentationml/2006/main">
-  <p:cSld>
-    <p:spTree>
-      <p:nvGrpSpPr>
-        <p:cNvPr id="1" name=""/>
-        <p:cNvGrpSpPr/>
-        <p:nvPr/>
-      </p:nvGrpSpPr>
-      <p:grpSpPr>
-        <a:xfrm>
-          <a:off x="0" y="0"/>
-          <a:ext cx="0" cy="0"/>
-          <a:chOff x="0" y="0"/>
-          <a:chExt cx="0" cy="0"/>
-        </a:xfrm>
-      </p:grpSpPr>
-      <p:sp>
-        <p:nvSpPr>
-          <p:cNvPr id="2" name="Title 1">
-            <a:extLst>
-              <a:ext uri="{FF2B5EF4-FFF2-40B4-BE49-F238E27FC236}">
-                <a16:creationId xmlns:a16="http://schemas.microsoft.com/office/drawing/2014/main" id="{627114C2-CA33-0448-8D7B-95AEC7C9AB0D}"/>
-              </a:ext>
-            </a:extLst>
-          </p:cNvPr>
-          <p:cNvSpPr>
-            <a:spLocks noGrp="1"/>
-          </p:cNvSpPr>
-          <p:nvPr>
-            <p:ph type="title"/>
-          </p:nvPr>
-        </p:nvSpPr>
-        <p:spPr/>
-        <p:txBody>
-          <a:bodyPr>
-            <a:normAutofit fontScale="90000"/>
-          </a:bodyPr>
-          <a:lstStyle/>
-          <a:p>
-            <a:r>
-              <a:rPr lang="en-US" dirty="0"/>
-              <a:t>Security Best Practices in IAM</a:t>
-            </a:r>
-          </a:p>
-        </p:txBody>
-      </p:sp>
-      <p:sp>
-        <p:nvSpPr>
-          <p:cNvPr id="3" name="Content Placeholder 2">
-            <a:extLst>
-              <a:ext uri="{FF2B5EF4-FFF2-40B4-BE49-F238E27FC236}">
-                <a16:creationId xmlns:a16="http://schemas.microsoft.com/office/drawing/2014/main" id="{F6011642-DE2B-B406-87A0-857631054ADF}"/>
-              </a:ext>
-            </a:extLst>
-          </p:cNvPr>
-          <p:cNvSpPr>
-            <a:spLocks noGrp="1"/>
-          </p:cNvSpPr>
-          <p:nvPr>
-            <p:ph idx="1"/>
-          </p:nvPr>
-        </p:nvSpPr>
-        <p:spPr/>
-        <p:txBody>
-          <a:bodyPr/>
-          <a:lstStyle/>
-          <a:p>
-            <a:r>
-              <a:rPr lang="en-US" b="1" dirty="0">
-                <a:solidFill>
-                  <a:schemeClr val="accent4"/>
-                </a:solidFill>
-              </a:rPr>
-              <a:t>Do not use the root account </a:t>
-            </a:r>
-            <a:r>
-              <a:rPr lang="en-US" dirty="0"/>
-              <a:t>except for AWS account configuration</a:t>
-            </a:r>
-          </a:p>
-          <a:p>
-            <a:r>
-              <a:rPr lang="en-US" dirty="0"/>
-              <a:t>One physical user = One AWS user</a:t>
-            </a:r>
-          </a:p>
-          <a:p>
-            <a:r>
-              <a:rPr lang="en-US" b="1" dirty="0">
-                <a:solidFill>
-                  <a:srgbClr val="7030A0"/>
-                </a:solidFill>
-              </a:rPr>
-              <a:t>Assign users to groups </a:t>
-            </a:r>
-            <a:r>
-              <a:rPr lang="en-US" dirty="0"/>
-              <a:t>and assign permissions to groups</a:t>
-            </a:r>
-          </a:p>
-          <a:p>
-            <a:r>
-              <a:rPr lang="en-US" dirty="0"/>
-              <a:t>Create a </a:t>
-            </a:r>
-            <a:r>
-              <a:rPr lang="en-US" b="1" dirty="0">
-                <a:solidFill>
-                  <a:srgbClr val="C00000"/>
-                </a:solidFill>
-              </a:rPr>
-              <a:t>strong password policy</a:t>
-            </a:r>
-          </a:p>
-          <a:p>
-            <a:r>
-              <a:rPr lang="en-US" b="1" dirty="0">
-                <a:solidFill>
-                  <a:schemeClr val="accent6"/>
-                </a:solidFill>
-              </a:rPr>
-              <a:t>Use and enforce </a:t>
-            </a:r>
-            <a:r>
-              <a:rPr lang="en-US" dirty="0"/>
-              <a:t>the use of multi-factor authentication (</a:t>
-            </a:r>
-            <a:r>
-              <a:rPr lang="en-US" b="1" dirty="0">
-                <a:solidFill>
-                  <a:srgbClr val="FF0000"/>
-                </a:solidFill>
-              </a:rPr>
-              <a:t>MFA</a:t>
-            </a:r>
-            <a:r>
-              <a:rPr lang="en-US" dirty="0"/>
-              <a:t>)</a:t>
-            </a:r>
-          </a:p>
-          <a:p>
-            <a:r>
-              <a:rPr lang="en-US" dirty="0"/>
-              <a:t>Create and </a:t>
-            </a:r>
-            <a:r>
-              <a:rPr lang="en-US" b="1" dirty="0"/>
-              <a:t>use Roles </a:t>
-            </a:r>
-            <a:r>
-              <a:rPr lang="en-US" dirty="0"/>
-              <a:t>to give permissions to </a:t>
-            </a:r>
-            <a:r>
-              <a:rPr lang="en-US" b="1" dirty="0"/>
-              <a:t>AWS services</a:t>
-            </a:r>
-            <a:r>
-              <a:rPr lang="en-US" dirty="0"/>
-              <a:t>.</a:t>
-            </a:r>
-          </a:p>
-          <a:p>
-            <a:r>
-              <a:rPr lang="en-US" dirty="0"/>
-              <a:t>Use access keys for programmatic access (CLI / SDK)</a:t>
-            </a:r>
-          </a:p>
-          <a:p>
-            <a:r>
-              <a:rPr lang="en-US" dirty="0"/>
-              <a:t>Review your account permissions with the IAM credentials report</a:t>
-            </a:r>
-          </a:p>
-          <a:p>
-            <a:r>
-              <a:rPr lang="en-US" dirty="0">
-                <a:solidFill>
-                  <a:srgbClr val="FF0000"/>
-                </a:solidFill>
-              </a:rPr>
-              <a:t>Never share IAM users or access keys</a:t>
-            </a:r>
-          </a:p>
-        </p:txBody>
-      </p:sp>
-      <p:sp>
-        <p:nvSpPr>
-          <p:cNvPr id="5" name="TextBox 4">
-            <a:extLst>
-              <a:ext uri="{FF2B5EF4-FFF2-40B4-BE49-F238E27FC236}">
-                <a16:creationId xmlns:a16="http://schemas.microsoft.com/office/drawing/2014/main" id="{106CFA37-4F51-EB24-86FC-25BF2FD34CCF}"/>
-              </a:ext>
-            </a:extLst>
-          </p:cNvPr>
-          <p:cNvSpPr txBox="1"/>
-          <p:nvPr/>
-        </p:nvSpPr>
-        <p:spPr>
-          <a:xfrm>
-            <a:off x="2504971" y="6022544"/>
-            <a:ext cx="7182058" cy="369332"/>
-          </a:xfrm>
-          <a:prstGeom prst="rect">
-            <a:avLst/>
-          </a:prstGeom>
-          <a:noFill/>
-        </p:spPr>
-        <p:txBody>
-          <a:bodyPr wrap="square">
-            <a:spAutoFit/>
-          </a:bodyPr>
-          <a:lstStyle/>
-          <a:p>
-            <a:r>
-              <a:rPr lang="en-US" dirty="0">
-                <a:hlinkClick r:id="rId2"/>
-              </a:rPr>
-              <a:t>https://docs.aws.amazon.com/IAM/latest/UserGuide/best-practices.html</a:t>
-            </a:r>
-            <a:r>
-              <a:rPr lang="en-US" dirty="0"/>
-              <a:t> </a:t>
-            </a:r>
-          </a:p>
-        </p:txBody>
-      </p:sp>
-    </p:spTree>
-    <p:extLst>
-      <p:ext uri="{BB962C8B-B14F-4D97-AF65-F5344CB8AC3E}">
-        <p14:creationId xmlns:p14="http://schemas.microsoft.com/office/powerpoint/2010/main" val="1698522400"/>
       </p:ext>
     </p:extLst>
   </p:cSld>
@@ -6664,6 +6653,247 @@
           <p:cNvPr id="2" name="Title 1">
             <a:extLst>
               <a:ext uri="{FF2B5EF4-FFF2-40B4-BE49-F238E27FC236}">
+                <a16:creationId xmlns:a16="http://schemas.microsoft.com/office/drawing/2014/main" id="{627114C2-CA33-0448-8D7B-95AEC7C9AB0D}"/>
+              </a:ext>
+            </a:extLst>
+          </p:cNvPr>
+          <p:cNvSpPr>
+            <a:spLocks noGrp="1"/>
+          </p:cNvSpPr>
+          <p:nvPr>
+            <p:ph type="title"/>
+          </p:nvPr>
+        </p:nvSpPr>
+        <p:spPr/>
+        <p:txBody>
+          <a:bodyPr>
+            <a:normAutofit fontScale="90000"/>
+          </a:bodyPr>
+          <a:lstStyle/>
+          <a:p>
+            <a:r>
+              <a:rPr lang="en-US" dirty="0"/>
+              <a:t>Security Best Practices in IAM</a:t>
+            </a:r>
+          </a:p>
+        </p:txBody>
+      </p:sp>
+      <p:sp>
+        <p:nvSpPr>
+          <p:cNvPr id="3" name="Content Placeholder 2">
+            <a:extLst>
+              <a:ext uri="{FF2B5EF4-FFF2-40B4-BE49-F238E27FC236}">
+                <a16:creationId xmlns:a16="http://schemas.microsoft.com/office/drawing/2014/main" id="{F6011642-DE2B-B406-87A0-857631054ADF}"/>
+              </a:ext>
+            </a:extLst>
+          </p:cNvPr>
+          <p:cNvSpPr>
+            <a:spLocks noGrp="1"/>
+          </p:cNvSpPr>
+          <p:nvPr>
+            <p:ph idx="1"/>
+          </p:nvPr>
+        </p:nvSpPr>
+        <p:spPr/>
+        <p:txBody>
+          <a:bodyPr/>
+          <a:lstStyle/>
+          <a:p>
+            <a:r>
+              <a:rPr lang="en-US" b="1" dirty="0">
+                <a:solidFill>
+                  <a:schemeClr val="accent4"/>
+                </a:solidFill>
+              </a:rPr>
+              <a:t>Do not use the root account </a:t>
+            </a:r>
+            <a:r>
+              <a:rPr lang="en-US" dirty="0"/>
+              <a:t>except for AWS account configuration</a:t>
+            </a:r>
+          </a:p>
+          <a:p>
+            <a:r>
+              <a:rPr lang="en-US" dirty="0"/>
+              <a:t>One physical user = One AWS user</a:t>
+            </a:r>
+          </a:p>
+          <a:p>
+            <a:r>
+              <a:rPr lang="en-US" b="1" dirty="0">
+                <a:solidFill>
+                  <a:srgbClr val="7030A0"/>
+                </a:solidFill>
+              </a:rPr>
+              <a:t>Assign users to groups </a:t>
+            </a:r>
+            <a:r>
+              <a:rPr lang="en-US" dirty="0"/>
+              <a:t>and assign permissions to groups</a:t>
+            </a:r>
+          </a:p>
+          <a:p>
+            <a:r>
+              <a:rPr lang="en-US" dirty="0"/>
+              <a:t>Create a </a:t>
+            </a:r>
+            <a:r>
+              <a:rPr lang="en-US" b="1" dirty="0">
+                <a:solidFill>
+                  <a:srgbClr val="C00000"/>
+                </a:solidFill>
+              </a:rPr>
+              <a:t>strong password policy</a:t>
+            </a:r>
+          </a:p>
+          <a:p>
+            <a:r>
+              <a:rPr lang="en-US" b="1" dirty="0">
+                <a:solidFill>
+                  <a:schemeClr val="accent6"/>
+                </a:solidFill>
+              </a:rPr>
+              <a:t>Use and enforce </a:t>
+            </a:r>
+            <a:r>
+              <a:rPr lang="en-US" dirty="0"/>
+              <a:t>the use of multi-factor authentication (</a:t>
+            </a:r>
+            <a:r>
+              <a:rPr lang="en-US" b="1" dirty="0">
+                <a:solidFill>
+                  <a:srgbClr val="FF0000"/>
+                </a:solidFill>
+              </a:rPr>
+              <a:t>MFA</a:t>
+            </a:r>
+            <a:r>
+              <a:rPr lang="en-US" dirty="0"/>
+              <a:t>)</a:t>
+            </a:r>
+          </a:p>
+          <a:p>
+            <a:r>
+              <a:rPr lang="en-US" dirty="0"/>
+              <a:t>Create and </a:t>
+            </a:r>
+            <a:r>
+              <a:rPr lang="en-US" b="1" dirty="0"/>
+              <a:t>use Roles </a:t>
+            </a:r>
+            <a:r>
+              <a:rPr lang="en-US" dirty="0"/>
+              <a:t>to give permissions to </a:t>
+            </a:r>
+            <a:r>
+              <a:rPr lang="en-US" b="1" dirty="0"/>
+              <a:t>AWS services</a:t>
+            </a:r>
+            <a:r>
+              <a:rPr lang="en-US" dirty="0"/>
+              <a:t>.</a:t>
+            </a:r>
+          </a:p>
+          <a:p>
+            <a:r>
+              <a:rPr lang="en-US" dirty="0"/>
+              <a:t>Use access keys for programmatic access (CLI / SDK)</a:t>
+            </a:r>
+          </a:p>
+          <a:p>
+            <a:r>
+              <a:rPr lang="en-US" dirty="0"/>
+              <a:t>Review your account permissions with the IAM credentials report</a:t>
+            </a:r>
+          </a:p>
+          <a:p>
+            <a:r>
+              <a:rPr lang="en-US" dirty="0">
+                <a:solidFill>
+                  <a:srgbClr val="FF0000"/>
+                </a:solidFill>
+              </a:rPr>
+              <a:t>Never share IAM users or access keys</a:t>
+            </a:r>
+          </a:p>
+        </p:txBody>
+      </p:sp>
+      <p:sp>
+        <p:nvSpPr>
+          <p:cNvPr id="5" name="TextBox 4">
+            <a:extLst>
+              <a:ext uri="{FF2B5EF4-FFF2-40B4-BE49-F238E27FC236}">
+                <a16:creationId xmlns:a16="http://schemas.microsoft.com/office/drawing/2014/main" id="{106CFA37-4F51-EB24-86FC-25BF2FD34CCF}"/>
+              </a:ext>
+            </a:extLst>
+          </p:cNvPr>
+          <p:cNvSpPr txBox="1"/>
+          <p:nvPr/>
+        </p:nvSpPr>
+        <p:spPr>
+          <a:xfrm>
+            <a:off x="2504971" y="6022544"/>
+            <a:ext cx="7182058" cy="369332"/>
+          </a:xfrm>
+          <a:prstGeom prst="rect">
+            <a:avLst/>
+          </a:prstGeom>
+          <a:noFill/>
+        </p:spPr>
+        <p:txBody>
+          <a:bodyPr wrap="square">
+            <a:spAutoFit/>
+          </a:bodyPr>
+          <a:lstStyle/>
+          <a:p>
+            <a:r>
+              <a:rPr lang="en-US" dirty="0">
+                <a:hlinkClick r:id="rId2"/>
+              </a:rPr>
+              <a:t>https://docs.aws.amazon.com/IAM/latest/UserGuide/best-practices.html</a:t>
+            </a:r>
+            <a:r>
+              <a:rPr lang="en-US" dirty="0"/>
+              <a:t> </a:t>
+            </a:r>
+          </a:p>
+        </p:txBody>
+      </p:sp>
+    </p:spTree>
+    <p:extLst>
+      <p:ext uri="{BB962C8B-B14F-4D97-AF65-F5344CB8AC3E}">
+        <p14:creationId xmlns:p14="http://schemas.microsoft.com/office/powerpoint/2010/main" val="1698522400"/>
+      </p:ext>
+    </p:extLst>
+  </p:cSld>
+  <p:clrMapOvr>
+    <a:masterClrMapping/>
+  </p:clrMapOvr>
+</p:sld>
+</file>
+
+<file path=ppt/slides/slide23.xml><?xml version="1.0" encoding="utf-8"?>
+<p:sld xmlns:a="http://schemas.openxmlformats.org/drawingml/2006/main" xmlns:r="http://schemas.openxmlformats.org/officeDocument/2006/relationships" xmlns:p="http://schemas.openxmlformats.org/presentationml/2006/main">
+  <p:cSld>
+    <p:spTree>
+      <p:nvGrpSpPr>
+        <p:cNvPr id="1" name=""/>
+        <p:cNvGrpSpPr/>
+        <p:nvPr/>
+      </p:nvGrpSpPr>
+      <p:grpSpPr>
+        <a:xfrm>
+          <a:off x="0" y="0"/>
+          <a:ext cx="0" cy="0"/>
+          <a:chOff x="0" y="0"/>
+          <a:chExt cx="0" cy="0"/>
+        </a:xfrm>
+      </p:grpSpPr>
+      <p:sp>
+        <p:nvSpPr>
+          <p:cNvPr id="2" name="Title 1">
+            <a:extLst>
+              <a:ext uri="{FF2B5EF4-FFF2-40B4-BE49-F238E27FC236}">
                 <a16:creationId xmlns:a16="http://schemas.microsoft.com/office/drawing/2014/main" id="{72ABD2A2-71D8-CDA1-84E7-4A97D26E3DC4}"/>
               </a:ext>
             </a:extLst>
@@ -7096,7 +7326,7 @@
 </p:sld>
 </file>
 
-<file path=ppt/slides/slide23.xml><?xml version="1.0" encoding="utf-8"?>
+<file path=ppt/slides/slide24.xml><?xml version="1.0" encoding="utf-8"?>
 <p:sld xmlns:a="http://schemas.openxmlformats.org/drawingml/2006/main" xmlns:r="http://schemas.openxmlformats.org/officeDocument/2006/relationships" xmlns:p="http://schemas.openxmlformats.org/presentationml/2006/main">
   <p:cSld>
     <p:spTree>
@@ -7338,7 +7568,7 @@
 </p:sld>
 </file>
 
-<file path=ppt/slides/slide24.xml><?xml version="1.0" encoding="utf-8"?>
+<file path=ppt/slides/slide25.xml><?xml version="1.0" encoding="utf-8"?>
 <p:sld xmlns:a="http://schemas.openxmlformats.org/drawingml/2006/main" xmlns:r="http://schemas.openxmlformats.org/officeDocument/2006/relationships" xmlns:p="http://schemas.openxmlformats.org/presentationml/2006/main">
   <p:cSld>
     <p:spTree>
@@ -7459,7 +7689,7 @@
 </p:sld>
 </file>
 
-<file path=ppt/slides/slide25.xml><?xml version="1.0" encoding="utf-8"?>
+<file path=ppt/slides/slide26.xml><?xml version="1.0" encoding="utf-8"?>
 <p:sld xmlns:a="http://schemas.openxmlformats.org/drawingml/2006/main" xmlns:r="http://schemas.openxmlformats.org/officeDocument/2006/relationships" xmlns:p="http://schemas.openxmlformats.org/presentationml/2006/main">
   <p:cSld>
     <p:spTree>

--- a/Classes/04-IAM-IdentityandAccessManagement/ArchitectureMaster-04-IAM-IdentityandAccessManagement.pptx
+++ b/Classes/04-IAM-IdentityandAccessManagement/ArchitectureMaster-04-IAM-IdentityandAccessManagement.pptx
@@ -24,13 +24,16 @@
     <p:sldId id="294" r:id="rId18"/>
     <p:sldId id="295" r:id="rId19"/>
     <p:sldId id="296" r:id="rId20"/>
-    <p:sldId id="291" r:id="rId21"/>
-    <p:sldId id="297" r:id="rId22"/>
-    <p:sldId id="298" r:id="rId23"/>
-    <p:sldId id="299" r:id="rId24"/>
-    <p:sldId id="300" r:id="rId25"/>
-    <p:sldId id="278" r:id="rId26"/>
-    <p:sldId id="284" r:id="rId27"/>
+    <p:sldId id="310" r:id="rId21"/>
+    <p:sldId id="291" r:id="rId22"/>
+    <p:sldId id="311" r:id="rId23"/>
+    <p:sldId id="297" r:id="rId24"/>
+    <p:sldId id="312" r:id="rId25"/>
+    <p:sldId id="298" r:id="rId26"/>
+    <p:sldId id="299" r:id="rId27"/>
+    <p:sldId id="300" r:id="rId28"/>
+    <p:sldId id="278" r:id="rId29"/>
+    <p:sldId id="284" r:id="rId30"/>
   </p:sldIdLst>
   <p:sldSz cx="12192000" cy="6858000"/>
   <p:notesSz cx="6858000" cy="9144000"/>
@@ -6277,6 +6280,162 @@
           <p:cNvPr id="2" name="Title 1">
             <a:extLst>
               <a:ext uri="{FF2B5EF4-FFF2-40B4-BE49-F238E27FC236}">
+                <a16:creationId xmlns:a16="http://schemas.microsoft.com/office/drawing/2014/main" id="{44A807B9-53C6-76E3-EC7E-AB3036EF286D}"/>
+              </a:ext>
+            </a:extLst>
+          </p:cNvPr>
+          <p:cNvSpPr>
+            <a:spLocks noGrp="1"/>
+          </p:cNvSpPr>
+          <p:nvPr>
+            <p:ph type="title"/>
+          </p:nvPr>
+        </p:nvSpPr>
+        <p:spPr/>
+        <p:txBody>
+          <a:bodyPr>
+            <a:normAutofit fontScale="90000"/>
+          </a:bodyPr>
+          <a:lstStyle/>
+          <a:p>
+            <a:r>
+              <a:rPr lang="en-US" dirty="0"/>
+              <a:t>Practice – AWS CLI </a:t>
+            </a:r>
+          </a:p>
+        </p:txBody>
+      </p:sp>
+      <p:sp>
+        <p:nvSpPr>
+          <p:cNvPr id="3" name="Content Placeholder 2">
+            <a:extLst>
+              <a:ext uri="{FF2B5EF4-FFF2-40B4-BE49-F238E27FC236}">
+                <a16:creationId xmlns:a16="http://schemas.microsoft.com/office/drawing/2014/main" id="{BFA2DC44-600C-C08A-2282-8B72346B4DD3}"/>
+              </a:ext>
+            </a:extLst>
+          </p:cNvPr>
+          <p:cNvSpPr>
+            <a:spLocks noGrp="1"/>
+          </p:cNvSpPr>
+          <p:nvPr>
+            <p:ph idx="1"/>
+          </p:nvPr>
+        </p:nvSpPr>
+        <p:spPr>
+          <a:xfrm>
+            <a:off x="838200" y="947523"/>
+            <a:ext cx="5914292" cy="4938495"/>
+          </a:xfrm>
+        </p:spPr>
+        <p:txBody>
+          <a:bodyPr>
+            <a:normAutofit/>
+          </a:bodyPr>
+          <a:lstStyle/>
+          <a:p>
+            <a:r>
+              <a:rPr lang="en-US" dirty="0"/>
+              <a:t>Install AWS CLI </a:t>
+            </a:r>
+          </a:p>
+          <a:p>
+            <a:pPr lvl="1"/>
+            <a:r>
+              <a:rPr lang="en-US" dirty="0">
+                <a:hlinkClick r:id="rId2"/>
+              </a:rPr>
+              <a:t>Installation Guide</a:t>
+            </a:r>
+            <a:endParaRPr lang="en-US" dirty="0"/>
+          </a:p>
+          <a:p>
+            <a:r>
+              <a:rPr lang="en-US" dirty="0"/>
+              <a:t>Configuration</a:t>
+            </a:r>
+          </a:p>
+          <a:p>
+            <a:r>
+              <a:rPr lang="en-US" dirty="0"/>
+              <a:t>How to Use</a:t>
+            </a:r>
+          </a:p>
+          <a:p>
+            <a:endParaRPr lang="en-US" dirty="0"/>
+          </a:p>
+          <a:p>
+            <a:r>
+              <a:rPr lang="en-US" dirty="0"/>
+              <a:t>AWS Cloud Shell</a:t>
+            </a:r>
+          </a:p>
+        </p:txBody>
+      </p:sp>
+      <p:pic>
+        <p:nvPicPr>
+          <p:cNvPr id="4" name="Content Placeholder 3" descr="12282598707YbD6m.jpg">
+            <a:extLst>
+              <a:ext uri="{FF2B5EF4-FFF2-40B4-BE49-F238E27FC236}">
+                <a16:creationId xmlns:a16="http://schemas.microsoft.com/office/drawing/2014/main" id="{3E7DC946-0E79-0B18-6967-D8C4B22A411D}"/>
+              </a:ext>
+            </a:extLst>
+          </p:cNvPr>
+          <p:cNvPicPr>
+            <a:picLocks noChangeAspect="1"/>
+          </p:cNvPicPr>
+          <p:nvPr/>
+        </p:nvPicPr>
+        <p:blipFill>
+          <a:blip r:embed="rId3" cstate="print"/>
+          <a:stretch>
+            <a:fillRect/>
+          </a:stretch>
+        </p:blipFill>
+        <p:spPr>
+          <a:xfrm>
+            <a:off x="6540942" y="644630"/>
+            <a:ext cx="5001861" cy="5568739"/>
+          </a:xfrm>
+          <a:prstGeom prst="rect">
+            <a:avLst/>
+          </a:prstGeom>
+        </p:spPr>
+      </p:pic>
+    </p:spTree>
+    <p:extLst>
+      <p:ext uri="{BB962C8B-B14F-4D97-AF65-F5344CB8AC3E}">
+        <p14:creationId xmlns:p14="http://schemas.microsoft.com/office/powerpoint/2010/main" val="84138224"/>
+      </p:ext>
+    </p:extLst>
+  </p:cSld>
+  <p:clrMapOvr>
+    <a:masterClrMapping/>
+  </p:clrMapOvr>
+</p:sld>
+</file>
+
+<file path=ppt/slides/slide21.xml><?xml version="1.0" encoding="utf-8"?>
+<p:sld xmlns:a="http://schemas.openxmlformats.org/drawingml/2006/main" xmlns:r="http://schemas.openxmlformats.org/officeDocument/2006/relationships" xmlns:p="http://schemas.openxmlformats.org/presentationml/2006/main">
+  <p:cSld>
+    <p:spTree>
+      <p:nvGrpSpPr>
+        <p:cNvPr id="1" name=""/>
+        <p:cNvGrpSpPr/>
+        <p:nvPr/>
+      </p:nvGrpSpPr>
+      <p:grpSpPr>
+        <a:xfrm>
+          <a:off x="0" y="0"/>
+          <a:ext cx="0" cy="0"/>
+          <a:chOff x="0" y="0"/>
+          <a:chExt cx="0" cy="0"/>
+        </a:xfrm>
+      </p:grpSpPr>
+      <p:sp>
+        <p:nvSpPr>
+          <p:cNvPr id="2" name="Title 1">
+            <a:extLst>
+              <a:ext uri="{FF2B5EF4-FFF2-40B4-BE49-F238E27FC236}">
                 <a16:creationId xmlns:a16="http://schemas.microsoft.com/office/drawing/2014/main" id="{B5D4CC38-F800-BEEC-EC4D-72006EB48F97}"/>
               </a:ext>
             </a:extLst>
@@ -6461,176 +6620,6 @@
 </p:sld>
 </file>
 
-<file path=ppt/slides/slide21.xml><?xml version="1.0" encoding="utf-8"?>
-<p:sld xmlns:a="http://schemas.openxmlformats.org/drawingml/2006/main" xmlns:r="http://schemas.openxmlformats.org/officeDocument/2006/relationships" xmlns:p="http://schemas.openxmlformats.org/presentationml/2006/main">
-  <p:cSld>
-    <p:spTree>
-      <p:nvGrpSpPr>
-        <p:cNvPr id="1" name=""/>
-        <p:cNvGrpSpPr/>
-        <p:nvPr/>
-      </p:nvGrpSpPr>
-      <p:grpSpPr>
-        <a:xfrm>
-          <a:off x="0" y="0"/>
-          <a:ext cx="0" cy="0"/>
-          <a:chOff x="0" y="0"/>
-          <a:chExt cx="0" cy="0"/>
-        </a:xfrm>
-      </p:grpSpPr>
-      <p:sp>
-        <p:nvSpPr>
-          <p:cNvPr id="2" name="Title 1">
-            <a:extLst>
-              <a:ext uri="{FF2B5EF4-FFF2-40B4-BE49-F238E27FC236}">
-                <a16:creationId xmlns:a16="http://schemas.microsoft.com/office/drawing/2014/main" id="{00E1A8C7-1F6F-3578-2E48-94C7DAC44F94}"/>
-              </a:ext>
-            </a:extLst>
-          </p:cNvPr>
-          <p:cNvSpPr>
-            <a:spLocks noGrp="1"/>
-          </p:cNvSpPr>
-          <p:nvPr>
-            <p:ph type="title"/>
-          </p:nvPr>
-        </p:nvSpPr>
-        <p:spPr/>
-        <p:txBody>
-          <a:bodyPr>
-            <a:normAutofit fontScale="90000"/>
-          </a:bodyPr>
-          <a:lstStyle/>
-          <a:p>
-            <a:r>
-              <a:rPr lang="en-US" dirty="0"/>
-              <a:t>IAM: Security Tools</a:t>
-            </a:r>
-          </a:p>
-        </p:txBody>
-      </p:sp>
-      <p:sp>
-        <p:nvSpPr>
-          <p:cNvPr id="3" name="Content Placeholder 2">
-            <a:extLst>
-              <a:ext uri="{FF2B5EF4-FFF2-40B4-BE49-F238E27FC236}">
-                <a16:creationId xmlns:a16="http://schemas.microsoft.com/office/drawing/2014/main" id="{6289DF6E-A241-1EAB-97BA-B7DCDB993846}"/>
-              </a:ext>
-            </a:extLst>
-          </p:cNvPr>
-          <p:cNvSpPr>
-            <a:spLocks noGrp="1"/>
-          </p:cNvSpPr>
-          <p:nvPr>
-            <p:ph idx="1"/>
-          </p:nvPr>
-        </p:nvSpPr>
-        <p:spPr/>
-        <p:txBody>
-          <a:bodyPr/>
-          <a:lstStyle/>
-          <a:p>
-            <a:r>
-              <a:rPr lang="en-US" b="1" dirty="0"/>
-              <a:t>IAM Credentials Report </a:t>
-            </a:r>
-            <a:r>
-              <a:rPr lang="en-US" dirty="0"/>
-              <a:t>(account level)</a:t>
-            </a:r>
-          </a:p>
-          <a:p>
-            <a:pPr lvl="1"/>
-            <a:r>
-              <a:rPr lang="en-US" dirty="0"/>
-              <a:t>A report that lists all the users in your account and the status of your various credentials</a:t>
-            </a:r>
-          </a:p>
-          <a:p>
-            <a:r>
-              <a:rPr lang="en-US" b="1" dirty="0"/>
-              <a:t>IAM Access Advisor </a:t>
-            </a:r>
-            <a:r>
-              <a:rPr lang="en-US" dirty="0"/>
-              <a:t>(at user level)</a:t>
-            </a:r>
-          </a:p>
-          <a:p>
-            <a:pPr lvl="1"/>
-            <a:r>
-              <a:rPr lang="en-US" dirty="0"/>
-              <a:t>Shows the service permissions granted to a user and when they are you last accessed those services</a:t>
-            </a:r>
-          </a:p>
-          <a:p>
-            <a:pPr lvl="1"/>
-            <a:r>
-              <a:rPr lang="en-US" dirty="0"/>
-              <a:t>You can use this information to revise your policies</a:t>
-            </a:r>
-          </a:p>
-        </p:txBody>
-      </p:sp>
-      <p:pic>
-        <p:nvPicPr>
-          <p:cNvPr id="3074" name="Picture 2" descr="Tools - Free security icons">
-            <a:extLst>
-              <a:ext uri="{FF2B5EF4-FFF2-40B4-BE49-F238E27FC236}">
-                <a16:creationId xmlns:a16="http://schemas.microsoft.com/office/drawing/2014/main" id="{37F864D5-90AE-909A-F933-6CA01F00C1FF}"/>
-              </a:ext>
-            </a:extLst>
-          </p:cNvPr>
-          <p:cNvPicPr>
-            <a:picLocks noChangeAspect="1" noChangeArrowheads="1"/>
-          </p:cNvPicPr>
-          <p:nvPr/>
-        </p:nvPicPr>
-        <p:blipFill>
-          <a:blip r:embed="rId2">
-            <a:extLst>
-              <a:ext uri="{28A0092B-C50C-407E-A947-70E740481C1C}">
-                <a14:useLocalDpi xmlns:a14="http://schemas.microsoft.com/office/drawing/2010/main" val="0"/>
-              </a:ext>
-            </a:extLst>
-          </a:blip>
-          <a:srcRect/>
-          <a:stretch>
-            <a:fillRect/>
-          </a:stretch>
-        </p:blipFill>
-        <p:spPr bwMode="auto">
-          <a:xfrm>
-            <a:off x="9154049" y="3820049"/>
-            <a:ext cx="3037951" cy="3037951"/>
-          </a:xfrm>
-          <a:prstGeom prst="rect">
-            <a:avLst/>
-          </a:prstGeom>
-          <a:noFill/>
-          <a:extLst>
-            <a:ext uri="{909E8E84-426E-40DD-AFC4-6F175D3DCCD1}">
-              <a14:hiddenFill xmlns:a14="http://schemas.microsoft.com/office/drawing/2010/main">
-                <a:solidFill>
-                  <a:srgbClr val="FFFFFF"/>
-                </a:solidFill>
-              </a14:hiddenFill>
-            </a:ext>
-          </a:extLst>
-        </p:spPr>
-      </p:pic>
-    </p:spTree>
-    <p:extLst>
-      <p:ext uri="{BB962C8B-B14F-4D97-AF65-F5344CB8AC3E}">
-        <p14:creationId xmlns:p14="http://schemas.microsoft.com/office/powerpoint/2010/main" val="325307784"/>
-      </p:ext>
-    </p:extLst>
-  </p:cSld>
-  <p:clrMapOvr>
-    <a:masterClrMapping/>
-  </p:clrMapOvr>
-</p:sld>
-</file>
-
 <file path=ppt/slides/slide22.xml><?xml version="1.0" encoding="utf-8"?>
 <p:sld xmlns:a="http://schemas.openxmlformats.org/drawingml/2006/main" xmlns:r="http://schemas.openxmlformats.org/officeDocument/2006/relationships" xmlns:p="http://schemas.openxmlformats.org/presentationml/2006/main">
   <p:cSld>
@@ -6653,7 +6642,7 @@
           <p:cNvPr id="2" name="Title 1">
             <a:extLst>
               <a:ext uri="{FF2B5EF4-FFF2-40B4-BE49-F238E27FC236}">
-                <a16:creationId xmlns:a16="http://schemas.microsoft.com/office/drawing/2014/main" id="{627114C2-CA33-0448-8D7B-95AEC7C9AB0D}"/>
+                <a16:creationId xmlns:a16="http://schemas.microsoft.com/office/drawing/2014/main" id="{44A807B9-53C6-76E3-EC7E-AB3036EF286D}"/>
               </a:ext>
             </a:extLst>
           </p:cNvPr>
@@ -6673,7 +6662,7 @@
           <a:p>
             <a:r>
               <a:rPr lang="en-US" dirty="0"/>
-              <a:t>Security Best Practices in IAM</a:t>
+              <a:t>Practice – IAM Roles</a:t>
             </a:r>
           </a:p>
         </p:txBody>
@@ -6683,7 +6672,7 @@
           <p:cNvPr id="3" name="Content Placeholder 2">
             <a:extLst>
               <a:ext uri="{FF2B5EF4-FFF2-40B4-BE49-F238E27FC236}">
-                <a16:creationId xmlns:a16="http://schemas.microsoft.com/office/drawing/2014/main" id="{F6011642-DE2B-B406-87A0-857631054ADF}"/>
+                <a16:creationId xmlns:a16="http://schemas.microsoft.com/office/drawing/2014/main" id="{BFA2DC44-600C-C08A-2282-8B72346B4DD3}"/>
               </a:ext>
             </a:extLst>
           </p:cNvPr>
@@ -6693,176 +6682,66 @@
           <p:nvPr>
             <p:ph idx="1"/>
           </p:nvPr>
-        </p:nvSpPr>
-        <p:spPr/>
-        <p:txBody>
-          <a:bodyPr/>
-          <a:lstStyle/>
-          <a:p>
-            <a:r>
-              <a:rPr lang="en-US" b="1" dirty="0">
-                <a:solidFill>
-                  <a:schemeClr val="accent4"/>
-                </a:solidFill>
-              </a:rPr>
-              <a:t>Do not use the root account </a:t>
-            </a:r>
-            <a:r>
-              <a:rPr lang="en-US" dirty="0"/>
-              <a:t>except for AWS account configuration</a:t>
-            </a:r>
-          </a:p>
-          <a:p>
-            <a:r>
-              <a:rPr lang="en-US" dirty="0"/>
-              <a:t>One physical user = One AWS user</a:t>
-            </a:r>
-          </a:p>
-          <a:p>
-            <a:r>
-              <a:rPr lang="en-US" b="1" dirty="0">
-                <a:solidFill>
-                  <a:srgbClr val="7030A0"/>
-                </a:solidFill>
-              </a:rPr>
-              <a:t>Assign users to groups </a:t>
-            </a:r>
-            <a:r>
-              <a:rPr lang="en-US" dirty="0"/>
-              <a:t>and assign permissions to groups</a:t>
-            </a:r>
-          </a:p>
-          <a:p>
-            <a:r>
-              <a:rPr lang="en-US" dirty="0"/>
-              <a:t>Create a </a:t>
-            </a:r>
-            <a:r>
-              <a:rPr lang="en-US" b="1" dirty="0">
-                <a:solidFill>
-                  <a:srgbClr val="C00000"/>
-                </a:solidFill>
-              </a:rPr>
-              <a:t>strong password policy</a:t>
-            </a:r>
-          </a:p>
-          <a:p>
-            <a:r>
-              <a:rPr lang="en-US" b="1" dirty="0">
-                <a:solidFill>
-                  <a:schemeClr val="accent6"/>
-                </a:solidFill>
-              </a:rPr>
-              <a:t>Use and enforce </a:t>
-            </a:r>
-            <a:r>
-              <a:rPr lang="en-US" dirty="0"/>
-              <a:t>the use of multi-factor authentication (</a:t>
-            </a:r>
-            <a:r>
-              <a:rPr lang="en-US" b="1" dirty="0">
-                <a:solidFill>
-                  <a:srgbClr val="FF0000"/>
-                </a:solidFill>
-              </a:rPr>
-              <a:t>MFA</a:t>
-            </a:r>
-            <a:r>
-              <a:rPr lang="en-US" dirty="0"/>
-              <a:t>)</a:t>
-            </a:r>
-          </a:p>
-          <a:p>
-            <a:r>
-              <a:rPr lang="en-US" dirty="0"/>
-              <a:t>Create and </a:t>
-            </a:r>
-            <a:r>
-              <a:rPr lang="en-US" b="1" dirty="0"/>
-              <a:t>use Roles </a:t>
-            </a:r>
-            <a:r>
-              <a:rPr lang="en-US" dirty="0"/>
-              <a:t>to give permissions to </a:t>
-            </a:r>
-            <a:r>
-              <a:rPr lang="en-US" b="1" dirty="0"/>
-              <a:t>AWS services</a:t>
-            </a:r>
-            <a:r>
-              <a:rPr lang="en-US" dirty="0"/>
-              <a:t>.</a:t>
-            </a:r>
-          </a:p>
-          <a:p>
-            <a:r>
-              <a:rPr lang="en-US" dirty="0"/>
-              <a:t>Use access keys for programmatic access (CLI / SDK)</a:t>
-            </a:r>
-          </a:p>
-          <a:p>
-            <a:r>
-              <a:rPr lang="en-US" dirty="0"/>
-              <a:t>Review your account permissions with the IAM credentials report</a:t>
-            </a:r>
-          </a:p>
-          <a:p>
-            <a:r>
-              <a:rPr lang="en-US" dirty="0">
-                <a:solidFill>
-                  <a:srgbClr val="FF0000"/>
-                </a:solidFill>
-              </a:rPr>
-              <a:t>Never share IAM users or access keys</a:t>
-            </a:r>
-          </a:p>
-        </p:txBody>
-      </p:sp>
-      <p:sp>
-        <p:nvSpPr>
-          <p:cNvPr id="5" name="TextBox 4">
-            <a:extLst>
-              <a:ext uri="{FF2B5EF4-FFF2-40B4-BE49-F238E27FC236}">
-                <a16:creationId xmlns:a16="http://schemas.microsoft.com/office/drawing/2014/main" id="{106CFA37-4F51-EB24-86FC-25BF2FD34CCF}"/>
-              </a:ext>
-            </a:extLst>
-          </p:cNvPr>
-          <p:cNvSpPr txBox="1"/>
-          <p:nvPr/>
         </p:nvSpPr>
         <p:spPr>
           <a:xfrm>
-            <a:off x="2504971" y="6022544"/>
-            <a:ext cx="7182058" cy="369332"/>
+            <a:off x="838200" y="947523"/>
+            <a:ext cx="5914292" cy="4938495"/>
+          </a:xfrm>
+        </p:spPr>
+        <p:txBody>
+          <a:bodyPr>
+            <a:normAutofit/>
+          </a:bodyPr>
+          <a:lstStyle/>
+          <a:p>
+            <a:r>
+              <a:rPr lang="en-US" dirty="0"/>
+              <a:t>Create Roles</a:t>
+            </a:r>
+          </a:p>
+          <a:p>
+            <a:r>
+              <a:rPr lang="en-US" dirty="0"/>
+              <a:t>Assign Role  To Service</a:t>
+            </a:r>
+          </a:p>
+        </p:txBody>
+      </p:sp>
+      <p:pic>
+        <p:nvPicPr>
+          <p:cNvPr id="4" name="Content Placeholder 3" descr="12282598707YbD6m.jpg">
+            <a:extLst>
+              <a:ext uri="{FF2B5EF4-FFF2-40B4-BE49-F238E27FC236}">
+                <a16:creationId xmlns:a16="http://schemas.microsoft.com/office/drawing/2014/main" id="{3E7DC946-0E79-0B18-6967-D8C4B22A411D}"/>
+              </a:ext>
+            </a:extLst>
+          </p:cNvPr>
+          <p:cNvPicPr>
+            <a:picLocks noChangeAspect="1"/>
+          </p:cNvPicPr>
+          <p:nvPr/>
+        </p:nvPicPr>
+        <p:blipFill>
+          <a:blip r:embed="rId2" cstate="print"/>
+          <a:stretch>
+            <a:fillRect/>
+          </a:stretch>
+        </p:blipFill>
+        <p:spPr>
+          <a:xfrm>
+            <a:off x="6540942" y="644630"/>
+            <a:ext cx="5001861" cy="5568739"/>
           </a:xfrm>
           <a:prstGeom prst="rect">
             <a:avLst/>
           </a:prstGeom>
-          <a:noFill/>
         </p:spPr>
-        <p:txBody>
-          <a:bodyPr wrap="square">
-            <a:spAutoFit/>
-          </a:bodyPr>
-          <a:lstStyle/>
-          <a:p>
-            <a:r>
-              <a:rPr lang="en-US" dirty="0">
-                <a:hlinkClick r:id="rId2"/>
-              </a:rPr>
-              <a:t>https://docs.aws.amazon.com/IAM/latest/UserGuide/best-practices.html</a:t>
-            </a:r>
-            <a:r>
-              <a:rPr lang="en-US" dirty="0"/>
-              <a:t> </a:t>
-            </a:r>
-          </a:p>
-        </p:txBody>
-      </p:sp>
+      </p:pic>
     </p:spTree>
     <p:extLst>
       <p:ext uri="{BB962C8B-B14F-4D97-AF65-F5344CB8AC3E}">
-        <p14:creationId xmlns:p14="http://schemas.microsoft.com/office/powerpoint/2010/main" val="1698522400"/>
+        <p14:creationId xmlns:p14="http://schemas.microsoft.com/office/powerpoint/2010/main" val="3797987390"/>
       </p:ext>
     </p:extLst>
   </p:cSld>
@@ -6894,6 +6773,548 @@
           <p:cNvPr id="2" name="Title 1">
             <a:extLst>
               <a:ext uri="{FF2B5EF4-FFF2-40B4-BE49-F238E27FC236}">
+                <a16:creationId xmlns:a16="http://schemas.microsoft.com/office/drawing/2014/main" id="{00E1A8C7-1F6F-3578-2E48-94C7DAC44F94}"/>
+              </a:ext>
+            </a:extLst>
+          </p:cNvPr>
+          <p:cNvSpPr>
+            <a:spLocks noGrp="1"/>
+          </p:cNvSpPr>
+          <p:nvPr>
+            <p:ph type="title"/>
+          </p:nvPr>
+        </p:nvSpPr>
+        <p:spPr/>
+        <p:txBody>
+          <a:bodyPr>
+            <a:normAutofit fontScale="90000"/>
+          </a:bodyPr>
+          <a:lstStyle/>
+          <a:p>
+            <a:r>
+              <a:rPr lang="en-US" dirty="0"/>
+              <a:t>IAM: Security Tools</a:t>
+            </a:r>
+          </a:p>
+        </p:txBody>
+      </p:sp>
+      <p:sp>
+        <p:nvSpPr>
+          <p:cNvPr id="3" name="Content Placeholder 2">
+            <a:extLst>
+              <a:ext uri="{FF2B5EF4-FFF2-40B4-BE49-F238E27FC236}">
+                <a16:creationId xmlns:a16="http://schemas.microsoft.com/office/drawing/2014/main" id="{6289DF6E-A241-1EAB-97BA-B7DCDB993846}"/>
+              </a:ext>
+            </a:extLst>
+          </p:cNvPr>
+          <p:cNvSpPr>
+            <a:spLocks noGrp="1"/>
+          </p:cNvSpPr>
+          <p:nvPr>
+            <p:ph idx="1"/>
+          </p:nvPr>
+        </p:nvSpPr>
+        <p:spPr/>
+        <p:txBody>
+          <a:bodyPr/>
+          <a:lstStyle/>
+          <a:p>
+            <a:r>
+              <a:rPr lang="en-US" b="1" dirty="0"/>
+              <a:t>IAM Credentials Report </a:t>
+            </a:r>
+            <a:r>
+              <a:rPr lang="en-US" dirty="0"/>
+              <a:t>(account level)</a:t>
+            </a:r>
+          </a:p>
+          <a:p>
+            <a:pPr lvl="1"/>
+            <a:r>
+              <a:rPr lang="en-US" dirty="0"/>
+              <a:t>A report that lists all the users in your account and the status of your various credentials</a:t>
+            </a:r>
+          </a:p>
+          <a:p>
+            <a:r>
+              <a:rPr lang="en-US" b="1" dirty="0"/>
+              <a:t>IAM Access Advisor </a:t>
+            </a:r>
+            <a:r>
+              <a:rPr lang="en-US" dirty="0"/>
+              <a:t>(at user level)</a:t>
+            </a:r>
+          </a:p>
+          <a:p>
+            <a:pPr lvl="1"/>
+            <a:r>
+              <a:rPr lang="en-US" dirty="0"/>
+              <a:t>Shows the service permissions granted to a user and when they are you last accessed those services</a:t>
+            </a:r>
+          </a:p>
+          <a:p>
+            <a:pPr lvl="1"/>
+            <a:r>
+              <a:rPr lang="en-US" dirty="0"/>
+              <a:t>You can use this information to revise your policies</a:t>
+            </a:r>
+          </a:p>
+        </p:txBody>
+      </p:sp>
+      <p:pic>
+        <p:nvPicPr>
+          <p:cNvPr id="3074" name="Picture 2" descr="Tools - Free security icons">
+            <a:extLst>
+              <a:ext uri="{FF2B5EF4-FFF2-40B4-BE49-F238E27FC236}">
+                <a16:creationId xmlns:a16="http://schemas.microsoft.com/office/drawing/2014/main" id="{37F864D5-90AE-909A-F933-6CA01F00C1FF}"/>
+              </a:ext>
+            </a:extLst>
+          </p:cNvPr>
+          <p:cNvPicPr>
+            <a:picLocks noChangeAspect="1" noChangeArrowheads="1"/>
+          </p:cNvPicPr>
+          <p:nvPr/>
+        </p:nvPicPr>
+        <p:blipFill>
+          <a:blip r:embed="rId2">
+            <a:extLst>
+              <a:ext uri="{28A0092B-C50C-407E-A947-70E740481C1C}">
+                <a14:useLocalDpi xmlns:a14="http://schemas.microsoft.com/office/drawing/2010/main" val="0"/>
+              </a:ext>
+            </a:extLst>
+          </a:blip>
+          <a:srcRect/>
+          <a:stretch>
+            <a:fillRect/>
+          </a:stretch>
+        </p:blipFill>
+        <p:spPr bwMode="auto">
+          <a:xfrm>
+            <a:off x="9154049" y="3820049"/>
+            <a:ext cx="3037951" cy="3037951"/>
+          </a:xfrm>
+          <a:prstGeom prst="rect">
+            <a:avLst/>
+          </a:prstGeom>
+          <a:noFill/>
+          <a:extLst>
+            <a:ext uri="{909E8E84-426E-40DD-AFC4-6F175D3DCCD1}">
+              <a14:hiddenFill xmlns:a14="http://schemas.microsoft.com/office/drawing/2010/main">
+                <a:solidFill>
+                  <a:srgbClr val="FFFFFF"/>
+                </a:solidFill>
+              </a14:hiddenFill>
+            </a:ext>
+          </a:extLst>
+        </p:spPr>
+      </p:pic>
+    </p:spTree>
+    <p:extLst>
+      <p:ext uri="{BB962C8B-B14F-4D97-AF65-F5344CB8AC3E}">
+        <p14:creationId xmlns:p14="http://schemas.microsoft.com/office/powerpoint/2010/main" val="325307784"/>
+      </p:ext>
+    </p:extLst>
+  </p:cSld>
+  <p:clrMapOvr>
+    <a:masterClrMapping/>
+  </p:clrMapOvr>
+</p:sld>
+</file>
+
+<file path=ppt/slides/slide24.xml><?xml version="1.0" encoding="utf-8"?>
+<p:sld xmlns:a="http://schemas.openxmlformats.org/drawingml/2006/main" xmlns:r="http://schemas.openxmlformats.org/officeDocument/2006/relationships" xmlns:p="http://schemas.openxmlformats.org/presentationml/2006/main">
+  <p:cSld>
+    <p:spTree>
+      <p:nvGrpSpPr>
+        <p:cNvPr id="1" name=""/>
+        <p:cNvGrpSpPr/>
+        <p:nvPr/>
+      </p:nvGrpSpPr>
+      <p:grpSpPr>
+        <a:xfrm>
+          <a:off x="0" y="0"/>
+          <a:ext cx="0" cy="0"/>
+          <a:chOff x="0" y="0"/>
+          <a:chExt cx="0" cy="0"/>
+        </a:xfrm>
+      </p:grpSpPr>
+      <p:sp>
+        <p:nvSpPr>
+          <p:cNvPr id="2" name="Title 1">
+            <a:extLst>
+              <a:ext uri="{FF2B5EF4-FFF2-40B4-BE49-F238E27FC236}">
+                <a16:creationId xmlns:a16="http://schemas.microsoft.com/office/drawing/2014/main" id="{44A807B9-53C6-76E3-EC7E-AB3036EF286D}"/>
+              </a:ext>
+            </a:extLst>
+          </p:cNvPr>
+          <p:cNvSpPr>
+            <a:spLocks noGrp="1"/>
+          </p:cNvSpPr>
+          <p:nvPr>
+            <p:ph type="title"/>
+          </p:nvPr>
+        </p:nvSpPr>
+        <p:spPr/>
+        <p:txBody>
+          <a:bodyPr>
+            <a:normAutofit fontScale="90000"/>
+          </a:bodyPr>
+          <a:lstStyle/>
+          <a:p>
+            <a:r>
+              <a:rPr lang="en-US" dirty="0"/>
+              <a:t>Practice – Security Tools</a:t>
+            </a:r>
+          </a:p>
+        </p:txBody>
+      </p:sp>
+      <p:sp>
+        <p:nvSpPr>
+          <p:cNvPr id="3" name="Content Placeholder 2">
+            <a:extLst>
+              <a:ext uri="{FF2B5EF4-FFF2-40B4-BE49-F238E27FC236}">
+                <a16:creationId xmlns:a16="http://schemas.microsoft.com/office/drawing/2014/main" id="{BFA2DC44-600C-C08A-2282-8B72346B4DD3}"/>
+              </a:ext>
+            </a:extLst>
+          </p:cNvPr>
+          <p:cNvSpPr>
+            <a:spLocks noGrp="1"/>
+          </p:cNvSpPr>
+          <p:nvPr>
+            <p:ph idx="1"/>
+          </p:nvPr>
+        </p:nvSpPr>
+        <p:spPr>
+          <a:xfrm>
+            <a:off x="838200" y="947523"/>
+            <a:ext cx="5914292" cy="4938495"/>
+          </a:xfrm>
+        </p:spPr>
+        <p:txBody>
+          <a:bodyPr>
+            <a:normAutofit/>
+          </a:bodyPr>
+          <a:lstStyle/>
+          <a:p>
+            <a:r>
+              <a:rPr lang="en-US" dirty="0"/>
+              <a:t>IAM Credentials Report</a:t>
+            </a:r>
+          </a:p>
+          <a:p>
+            <a:r>
+              <a:rPr lang="en-US" dirty="0"/>
+              <a:t>IAM Access Advisor</a:t>
+            </a:r>
+          </a:p>
+        </p:txBody>
+      </p:sp>
+      <p:pic>
+        <p:nvPicPr>
+          <p:cNvPr id="4" name="Content Placeholder 3" descr="12282598707YbD6m.jpg">
+            <a:extLst>
+              <a:ext uri="{FF2B5EF4-FFF2-40B4-BE49-F238E27FC236}">
+                <a16:creationId xmlns:a16="http://schemas.microsoft.com/office/drawing/2014/main" id="{3E7DC946-0E79-0B18-6967-D8C4B22A411D}"/>
+              </a:ext>
+            </a:extLst>
+          </p:cNvPr>
+          <p:cNvPicPr>
+            <a:picLocks noChangeAspect="1"/>
+          </p:cNvPicPr>
+          <p:nvPr/>
+        </p:nvPicPr>
+        <p:blipFill>
+          <a:blip r:embed="rId2" cstate="print"/>
+          <a:stretch>
+            <a:fillRect/>
+          </a:stretch>
+        </p:blipFill>
+        <p:spPr>
+          <a:xfrm>
+            <a:off x="6540942" y="644630"/>
+            <a:ext cx="5001861" cy="5568739"/>
+          </a:xfrm>
+          <a:prstGeom prst="rect">
+            <a:avLst/>
+          </a:prstGeom>
+        </p:spPr>
+      </p:pic>
+    </p:spTree>
+    <p:extLst>
+      <p:ext uri="{BB962C8B-B14F-4D97-AF65-F5344CB8AC3E}">
+        <p14:creationId xmlns:p14="http://schemas.microsoft.com/office/powerpoint/2010/main" val="3099854226"/>
+      </p:ext>
+    </p:extLst>
+  </p:cSld>
+  <p:clrMapOvr>
+    <a:masterClrMapping/>
+  </p:clrMapOvr>
+</p:sld>
+</file>
+
+<file path=ppt/slides/slide25.xml><?xml version="1.0" encoding="utf-8"?>
+<p:sld xmlns:a="http://schemas.openxmlformats.org/drawingml/2006/main" xmlns:r="http://schemas.openxmlformats.org/officeDocument/2006/relationships" xmlns:p="http://schemas.openxmlformats.org/presentationml/2006/main">
+  <p:cSld>
+    <p:spTree>
+      <p:nvGrpSpPr>
+        <p:cNvPr id="1" name=""/>
+        <p:cNvGrpSpPr/>
+        <p:nvPr/>
+      </p:nvGrpSpPr>
+      <p:grpSpPr>
+        <a:xfrm>
+          <a:off x="0" y="0"/>
+          <a:ext cx="0" cy="0"/>
+          <a:chOff x="0" y="0"/>
+          <a:chExt cx="0" cy="0"/>
+        </a:xfrm>
+      </p:grpSpPr>
+      <p:sp>
+        <p:nvSpPr>
+          <p:cNvPr id="2" name="Title 1">
+            <a:extLst>
+              <a:ext uri="{FF2B5EF4-FFF2-40B4-BE49-F238E27FC236}">
+                <a16:creationId xmlns:a16="http://schemas.microsoft.com/office/drawing/2014/main" id="{627114C2-CA33-0448-8D7B-95AEC7C9AB0D}"/>
+              </a:ext>
+            </a:extLst>
+          </p:cNvPr>
+          <p:cNvSpPr>
+            <a:spLocks noGrp="1"/>
+          </p:cNvSpPr>
+          <p:nvPr>
+            <p:ph type="title"/>
+          </p:nvPr>
+        </p:nvSpPr>
+        <p:spPr/>
+        <p:txBody>
+          <a:bodyPr>
+            <a:normAutofit fontScale="90000"/>
+          </a:bodyPr>
+          <a:lstStyle/>
+          <a:p>
+            <a:r>
+              <a:rPr lang="en-US" dirty="0"/>
+              <a:t>Security Best Practices in IAM</a:t>
+            </a:r>
+          </a:p>
+        </p:txBody>
+      </p:sp>
+      <p:sp>
+        <p:nvSpPr>
+          <p:cNvPr id="3" name="Content Placeholder 2">
+            <a:extLst>
+              <a:ext uri="{FF2B5EF4-FFF2-40B4-BE49-F238E27FC236}">
+                <a16:creationId xmlns:a16="http://schemas.microsoft.com/office/drawing/2014/main" id="{F6011642-DE2B-B406-87A0-857631054ADF}"/>
+              </a:ext>
+            </a:extLst>
+          </p:cNvPr>
+          <p:cNvSpPr>
+            <a:spLocks noGrp="1"/>
+          </p:cNvSpPr>
+          <p:nvPr>
+            <p:ph idx="1"/>
+          </p:nvPr>
+        </p:nvSpPr>
+        <p:spPr/>
+        <p:txBody>
+          <a:bodyPr/>
+          <a:lstStyle/>
+          <a:p>
+            <a:r>
+              <a:rPr lang="en-US" b="1" dirty="0">
+                <a:solidFill>
+                  <a:schemeClr val="accent4"/>
+                </a:solidFill>
+              </a:rPr>
+              <a:t>Do not use the root account </a:t>
+            </a:r>
+            <a:r>
+              <a:rPr lang="en-US" dirty="0"/>
+              <a:t>except for AWS account configuration</a:t>
+            </a:r>
+          </a:p>
+          <a:p>
+            <a:r>
+              <a:rPr lang="en-US" dirty="0"/>
+              <a:t>One physical user = One AWS user</a:t>
+            </a:r>
+          </a:p>
+          <a:p>
+            <a:r>
+              <a:rPr lang="en-US" b="1" dirty="0">
+                <a:solidFill>
+                  <a:srgbClr val="7030A0"/>
+                </a:solidFill>
+              </a:rPr>
+              <a:t>Assign users to groups </a:t>
+            </a:r>
+            <a:r>
+              <a:rPr lang="en-US" dirty="0"/>
+              <a:t>and assign permissions to groups</a:t>
+            </a:r>
+          </a:p>
+          <a:p>
+            <a:r>
+              <a:rPr lang="en-US" dirty="0"/>
+              <a:t>Create a </a:t>
+            </a:r>
+            <a:r>
+              <a:rPr lang="en-US" b="1" dirty="0">
+                <a:solidFill>
+                  <a:srgbClr val="C00000"/>
+                </a:solidFill>
+              </a:rPr>
+              <a:t>strong password policy</a:t>
+            </a:r>
+          </a:p>
+          <a:p>
+            <a:r>
+              <a:rPr lang="en-US" b="1" dirty="0">
+                <a:solidFill>
+                  <a:schemeClr val="accent6"/>
+                </a:solidFill>
+              </a:rPr>
+              <a:t>Use and enforce </a:t>
+            </a:r>
+            <a:r>
+              <a:rPr lang="en-US" dirty="0"/>
+              <a:t>the use of multi-factor authentication (</a:t>
+            </a:r>
+            <a:r>
+              <a:rPr lang="en-US" b="1" dirty="0">
+                <a:solidFill>
+                  <a:srgbClr val="FF0000"/>
+                </a:solidFill>
+              </a:rPr>
+              <a:t>MFA</a:t>
+            </a:r>
+            <a:r>
+              <a:rPr lang="en-US" dirty="0"/>
+              <a:t>)</a:t>
+            </a:r>
+          </a:p>
+          <a:p>
+            <a:r>
+              <a:rPr lang="en-US" dirty="0"/>
+              <a:t>Create and </a:t>
+            </a:r>
+            <a:r>
+              <a:rPr lang="en-US" b="1" dirty="0"/>
+              <a:t>use Roles </a:t>
+            </a:r>
+            <a:r>
+              <a:rPr lang="en-US" dirty="0"/>
+              <a:t>to give permissions to </a:t>
+            </a:r>
+            <a:r>
+              <a:rPr lang="en-US" b="1" dirty="0"/>
+              <a:t>AWS services</a:t>
+            </a:r>
+            <a:r>
+              <a:rPr lang="en-US" dirty="0"/>
+              <a:t>.</a:t>
+            </a:r>
+          </a:p>
+          <a:p>
+            <a:r>
+              <a:rPr lang="en-US" dirty="0"/>
+              <a:t>Use access keys for programmatic access (CLI / SDK)</a:t>
+            </a:r>
+          </a:p>
+          <a:p>
+            <a:r>
+              <a:rPr lang="en-US" dirty="0"/>
+              <a:t>Review your account permissions with the IAM credentials report</a:t>
+            </a:r>
+          </a:p>
+          <a:p>
+            <a:r>
+              <a:rPr lang="en-US" dirty="0">
+                <a:solidFill>
+                  <a:srgbClr val="FF0000"/>
+                </a:solidFill>
+              </a:rPr>
+              <a:t>Never share IAM users or access keys</a:t>
+            </a:r>
+          </a:p>
+        </p:txBody>
+      </p:sp>
+      <p:sp>
+        <p:nvSpPr>
+          <p:cNvPr id="5" name="TextBox 4">
+            <a:extLst>
+              <a:ext uri="{FF2B5EF4-FFF2-40B4-BE49-F238E27FC236}">
+                <a16:creationId xmlns:a16="http://schemas.microsoft.com/office/drawing/2014/main" id="{106CFA37-4F51-EB24-86FC-25BF2FD34CCF}"/>
+              </a:ext>
+            </a:extLst>
+          </p:cNvPr>
+          <p:cNvSpPr txBox="1"/>
+          <p:nvPr/>
+        </p:nvSpPr>
+        <p:spPr>
+          <a:xfrm>
+            <a:off x="2504971" y="6022544"/>
+            <a:ext cx="7182058" cy="369332"/>
+          </a:xfrm>
+          <a:prstGeom prst="rect">
+            <a:avLst/>
+          </a:prstGeom>
+          <a:noFill/>
+        </p:spPr>
+        <p:txBody>
+          <a:bodyPr wrap="square">
+            <a:spAutoFit/>
+          </a:bodyPr>
+          <a:lstStyle/>
+          <a:p>
+            <a:r>
+              <a:rPr lang="en-US" dirty="0">
+                <a:hlinkClick r:id="rId2"/>
+              </a:rPr>
+              <a:t>https://docs.aws.amazon.com/IAM/latest/UserGuide/best-practices.html</a:t>
+            </a:r>
+            <a:r>
+              <a:rPr lang="en-US" dirty="0"/>
+              <a:t> </a:t>
+            </a:r>
+          </a:p>
+        </p:txBody>
+      </p:sp>
+    </p:spTree>
+    <p:extLst>
+      <p:ext uri="{BB962C8B-B14F-4D97-AF65-F5344CB8AC3E}">
+        <p14:creationId xmlns:p14="http://schemas.microsoft.com/office/powerpoint/2010/main" val="1698522400"/>
+      </p:ext>
+    </p:extLst>
+  </p:cSld>
+  <p:clrMapOvr>
+    <a:masterClrMapping/>
+  </p:clrMapOvr>
+</p:sld>
+</file>
+
+<file path=ppt/slides/slide26.xml><?xml version="1.0" encoding="utf-8"?>
+<p:sld xmlns:a="http://schemas.openxmlformats.org/drawingml/2006/main" xmlns:r="http://schemas.openxmlformats.org/officeDocument/2006/relationships" xmlns:p="http://schemas.openxmlformats.org/presentationml/2006/main">
+  <p:cSld>
+    <p:spTree>
+      <p:nvGrpSpPr>
+        <p:cNvPr id="1" name=""/>
+        <p:cNvGrpSpPr/>
+        <p:nvPr/>
+      </p:nvGrpSpPr>
+      <p:grpSpPr>
+        <a:xfrm>
+          <a:off x="0" y="0"/>
+          <a:ext cx="0" cy="0"/>
+          <a:chOff x="0" y="0"/>
+          <a:chExt cx="0" cy="0"/>
+        </a:xfrm>
+      </p:grpSpPr>
+      <p:sp>
+        <p:nvSpPr>
+          <p:cNvPr id="2" name="Title 1">
+            <a:extLst>
+              <a:ext uri="{FF2B5EF4-FFF2-40B4-BE49-F238E27FC236}">
                 <a16:creationId xmlns:a16="http://schemas.microsoft.com/office/drawing/2014/main" id="{72ABD2A2-71D8-CDA1-84E7-4A97D26E3DC4}"/>
               </a:ext>
             </a:extLst>
@@ -7326,7 +7747,7 @@
 </p:sld>
 </file>
 
-<file path=ppt/slides/slide24.xml><?xml version="1.0" encoding="utf-8"?>
+<file path=ppt/slides/slide27.xml><?xml version="1.0" encoding="utf-8"?>
 <p:sld xmlns:a="http://schemas.openxmlformats.org/drawingml/2006/main" xmlns:r="http://schemas.openxmlformats.org/officeDocument/2006/relationships" xmlns:p="http://schemas.openxmlformats.org/presentationml/2006/main">
   <p:cSld>
     <p:spTree>
@@ -7568,7 +7989,7 @@
 </p:sld>
 </file>
 
-<file path=ppt/slides/slide25.xml><?xml version="1.0" encoding="utf-8"?>
+<file path=ppt/slides/slide28.xml><?xml version="1.0" encoding="utf-8"?>
 <p:sld xmlns:a="http://schemas.openxmlformats.org/drawingml/2006/main" xmlns:r="http://schemas.openxmlformats.org/officeDocument/2006/relationships" xmlns:p="http://schemas.openxmlformats.org/presentationml/2006/main">
   <p:cSld>
     <p:spTree>
@@ -7689,7 +8110,7 @@
 </p:sld>
 </file>
 
-<file path=ppt/slides/slide26.xml><?xml version="1.0" encoding="utf-8"?>
+<file path=ppt/slides/slide29.xml><?xml version="1.0" encoding="utf-8"?>
 <p:sld xmlns:a="http://schemas.openxmlformats.org/drawingml/2006/main" xmlns:r="http://schemas.openxmlformats.org/officeDocument/2006/relationships" xmlns:p="http://schemas.openxmlformats.org/presentationml/2006/main">
   <p:cSld>
     <p:spTree>

--- a/Classes/04-IAM-IdentityandAccessManagement/ArchitectureMaster-04-IAM-IdentityandAccessManagement.pptx
+++ b/Classes/04-IAM-IdentityandAccessManagement/ArchitectureMaster-04-IAM-IdentityandAccessManagement.pptx
@@ -24,16 +24,18 @@
     <p:sldId id="294" r:id="rId18"/>
     <p:sldId id="295" r:id="rId19"/>
     <p:sldId id="296" r:id="rId20"/>
-    <p:sldId id="310" r:id="rId21"/>
-    <p:sldId id="291" r:id="rId22"/>
-    <p:sldId id="311" r:id="rId23"/>
-    <p:sldId id="297" r:id="rId24"/>
-    <p:sldId id="312" r:id="rId25"/>
-    <p:sldId id="298" r:id="rId26"/>
-    <p:sldId id="299" r:id="rId27"/>
-    <p:sldId id="300" r:id="rId28"/>
-    <p:sldId id="278" r:id="rId29"/>
-    <p:sldId id="284" r:id="rId30"/>
+    <p:sldId id="313" r:id="rId21"/>
+    <p:sldId id="314" r:id="rId22"/>
+    <p:sldId id="310" r:id="rId23"/>
+    <p:sldId id="291" r:id="rId24"/>
+    <p:sldId id="311" r:id="rId25"/>
+    <p:sldId id="297" r:id="rId26"/>
+    <p:sldId id="312" r:id="rId27"/>
+    <p:sldId id="298" r:id="rId28"/>
+    <p:sldId id="299" r:id="rId29"/>
+    <p:sldId id="300" r:id="rId30"/>
+    <p:sldId id="278" r:id="rId31"/>
+    <p:sldId id="284" r:id="rId32"/>
   </p:sldIdLst>
   <p:sldSz cx="12192000" cy="6858000"/>
   <p:notesSz cx="6858000" cy="9144000"/>
@@ -306,7 +308,7 @@
           <a:p>
             <a:fld id="{C590909A-0DFE-43BA-B693-0183CFC4A986}" type="datetimeFigureOut">
               <a:rPr lang="en-US" smtClean="0"/>
-              <a:t>5/18/2023</a:t>
+              <a:t>5/24/2023</a:t>
             </a:fld>
             <a:endParaRPr lang="en-US"/>
           </a:p>
@@ -566,7 +568,7 @@
           <a:p>
             <a:fld id="{C590909A-0DFE-43BA-B693-0183CFC4A986}" type="datetimeFigureOut">
               <a:rPr lang="en-US" smtClean="0"/>
-              <a:t>5/18/2023</a:t>
+              <a:t>5/24/2023</a:t>
             </a:fld>
             <a:endParaRPr lang="en-US"/>
           </a:p>
@@ -774,7 +776,7 @@
           <a:p>
             <a:fld id="{C590909A-0DFE-43BA-B693-0183CFC4A986}" type="datetimeFigureOut">
               <a:rPr lang="en-US" smtClean="0"/>
-              <a:t>5/18/2023</a:t>
+              <a:t>5/24/2023</a:t>
             </a:fld>
             <a:endParaRPr lang="en-US"/>
           </a:p>
@@ -1041,7 +1043,7 @@
           <a:p>
             <a:fld id="{C590909A-0DFE-43BA-B693-0183CFC4A986}" type="datetimeFigureOut">
               <a:rPr lang="en-US" smtClean="0"/>
-              <a:t>5/18/2023</a:t>
+              <a:t>5/24/2023</a:t>
             </a:fld>
             <a:endParaRPr lang="en-US"/>
           </a:p>
@@ -1368,7 +1370,7 @@
           <a:p>
             <a:fld id="{C590909A-0DFE-43BA-B693-0183CFC4A986}" type="datetimeFigureOut">
               <a:rPr lang="en-US" smtClean="0"/>
-              <a:t>5/18/2023</a:t>
+              <a:t>5/24/2023</a:t>
             </a:fld>
             <a:endParaRPr lang="en-US"/>
           </a:p>
@@ -1633,7 +1635,7 @@
           <a:p>
             <a:fld id="{C590909A-0DFE-43BA-B693-0183CFC4A986}" type="datetimeFigureOut">
               <a:rPr lang="en-US" smtClean="0"/>
-              <a:t>5/18/2023</a:t>
+              <a:t>5/24/2023</a:t>
             </a:fld>
             <a:endParaRPr lang="en-US"/>
           </a:p>
@@ -2045,7 +2047,7 @@
           <a:p>
             <a:fld id="{C590909A-0DFE-43BA-B693-0183CFC4A986}" type="datetimeFigureOut">
               <a:rPr lang="en-US" smtClean="0"/>
-              <a:t>5/18/2023</a:t>
+              <a:t>5/24/2023</a:t>
             </a:fld>
             <a:endParaRPr lang="en-US"/>
           </a:p>
@@ -2186,7 +2188,7 @@
           <a:p>
             <a:fld id="{C590909A-0DFE-43BA-B693-0183CFC4A986}" type="datetimeFigureOut">
               <a:rPr lang="en-US" smtClean="0"/>
-              <a:t>5/18/2023</a:t>
+              <a:t>5/24/2023</a:t>
             </a:fld>
             <a:endParaRPr lang="en-US"/>
           </a:p>
@@ -2299,7 +2301,7 @@
           <a:p>
             <a:fld id="{C590909A-0DFE-43BA-B693-0183CFC4A986}" type="datetimeFigureOut">
               <a:rPr lang="en-US" smtClean="0"/>
-              <a:t>5/18/2023</a:t>
+              <a:t>5/24/2023</a:t>
             </a:fld>
             <a:endParaRPr lang="en-US"/>
           </a:p>
@@ -2610,7 +2612,7 @@
           <a:p>
             <a:fld id="{C590909A-0DFE-43BA-B693-0183CFC4A986}" type="datetimeFigureOut">
               <a:rPr lang="en-US" smtClean="0"/>
-              <a:t>5/18/2023</a:t>
+              <a:t>5/24/2023</a:t>
             </a:fld>
             <a:endParaRPr lang="en-US"/>
           </a:p>
@@ -2898,7 +2900,7 @@
           <a:p>
             <a:fld id="{C590909A-0DFE-43BA-B693-0183CFC4A986}" type="datetimeFigureOut">
               <a:rPr lang="en-US" smtClean="0"/>
-              <a:t>5/18/2023</a:t>
+              <a:t>5/24/2023</a:t>
             </a:fld>
             <a:endParaRPr lang="en-US"/>
           </a:p>
@@ -3139,7 +3141,7 @@
           <a:p>
             <a:fld id="{C590909A-0DFE-43BA-B693-0183CFC4A986}" type="datetimeFigureOut">
               <a:rPr lang="en-US" smtClean="0"/>
-              <a:t>5/18/2023</a:t>
+              <a:t>5/24/2023</a:t>
             </a:fld>
             <a:endParaRPr lang="en-US"/>
           </a:p>
@@ -4857,9 +4859,16 @@
             <p:ph idx="1"/>
           </p:nvPr>
         </p:nvSpPr>
-        <p:spPr/>
-        <p:txBody>
-          <a:bodyPr/>
+        <p:spPr>
+          <a:xfrm>
+            <a:off x="838200" y="947523"/>
+            <a:ext cx="10515600" cy="5644196"/>
+          </a:xfrm>
+        </p:spPr>
+        <p:txBody>
+          <a:bodyPr>
+            <a:normAutofit fontScale="92500" lnSpcReduction="10000"/>
+          </a:bodyPr>
           <a:lstStyle/>
           <a:p>
             <a:r>
@@ -4948,6 +4957,12 @@
             <a:endParaRPr lang="en-US" dirty="0"/>
           </a:p>
           <a:p>
+            <a:pPr marL="0" indent="0">
+              <a:buNone/>
+            </a:pPr>
+            <a:endParaRPr lang="en-US" dirty="0"/>
+          </a:p>
+          <a:p>
             <a:r>
               <a:rPr lang="en-US" b="1" dirty="0">
                 <a:solidFill>
@@ -4960,6 +4975,25 @@
               <a:rPr lang="en-US" dirty="0"/>
               <a:t>: if a password is stolen or hacked, the account is not compromised</a:t>
             </a:r>
+          </a:p>
+          <a:p>
+            <a:r>
+              <a:rPr lang="en-US" dirty="0"/>
+              <a:t>Check the List of MFA Options and devices Here: </a:t>
+            </a:r>
+            <a:r>
+              <a:rPr lang="en-US" dirty="0">
+                <a:hlinkClick r:id="rId2"/>
+              </a:rPr>
+              <a:t>https://aws.amazon.com/iam/features/mfa/</a:t>
+            </a:r>
+            <a:r>
+              <a:rPr lang="en-US" dirty="0"/>
+              <a:t> </a:t>
+            </a:r>
+          </a:p>
+          <a:p>
+            <a:endParaRPr lang="en-US" dirty="0"/>
           </a:p>
         </p:txBody>
       </p:sp>
@@ -4978,7 +5012,7 @@
           <p:nvPr/>
         </p:nvPicPr>
         <p:blipFill>
-          <a:blip r:embed="rId2"/>
+          <a:blip r:embed="rId3"/>
           <a:stretch>
             <a:fillRect/>
           </a:stretch>
@@ -4993,47 +5027,6 @@
           </a:prstGeom>
         </p:spPr>
       </p:pic>
-      <p:sp>
-        <p:nvSpPr>
-          <p:cNvPr id="7" name="TextBox 6">
-            <a:extLst>
-              <a:ext uri="{FF2B5EF4-FFF2-40B4-BE49-F238E27FC236}">
-                <a16:creationId xmlns:a16="http://schemas.microsoft.com/office/drawing/2014/main" id="{438ADB8B-42F1-7C1E-0837-A73997099990}"/>
-              </a:ext>
-            </a:extLst>
-          </p:cNvPr>
-          <p:cNvSpPr txBox="1"/>
-          <p:nvPr/>
-        </p:nvSpPr>
-        <p:spPr>
-          <a:xfrm>
-            <a:off x="3916764" y="6156346"/>
-            <a:ext cx="4358472" cy="369332"/>
-          </a:xfrm>
-          <a:prstGeom prst="rect">
-            <a:avLst/>
-          </a:prstGeom>
-          <a:noFill/>
-        </p:spPr>
-        <p:txBody>
-          <a:bodyPr wrap="square">
-            <a:spAutoFit/>
-          </a:bodyPr>
-          <a:lstStyle/>
-          <a:p>
-            <a:r>
-              <a:rPr lang="en-US" dirty="0">
-                <a:hlinkClick r:id="rId3"/>
-              </a:rPr>
-              <a:t>https://aws.amazon.com/iam/features/mfa/</a:t>
-            </a:r>
-            <a:r>
-              <a:rPr lang="en-US" dirty="0"/>
-              <a:t> </a:t>
-            </a:r>
-          </a:p>
-        </p:txBody>
-      </p:sp>
     </p:spTree>
     <p:extLst>
       <p:ext uri="{BB962C8B-B14F-4D97-AF65-F5344CB8AC3E}">
@@ -5113,12 +5106,12 @@
         <p:spPr>
           <a:xfrm>
             <a:off x="838200" y="947523"/>
-            <a:ext cx="5914292" cy="4938495"/>
+            <a:ext cx="5914292" cy="5773951"/>
           </a:xfrm>
         </p:spPr>
         <p:txBody>
           <a:bodyPr>
-            <a:normAutofit lnSpcReduction="10000"/>
+            <a:normAutofit fontScale="92500" lnSpcReduction="10000"/>
           </a:bodyPr>
           <a:lstStyle/>
           <a:p>
@@ -5146,7 +5139,7 @@
             <a:pPr lvl="1"/>
             <a:r>
               <a:rPr lang="en-US" dirty="0"/>
-              <a:t>Custom (New Password Policy)</a:t>
+              <a:t>Custom or Strong Password (New Password Policy)</a:t>
             </a:r>
           </a:p>
           <a:p>
@@ -5176,8 +5169,8 @@
               <a:t>Device Name (</a:t>
             </a:r>
             <a:r>
-              <a:rPr lang="en-US" dirty="0" err="1"/>
-              <a:t>iPhonePersonal</a:t>
+              <a:rPr lang="en-US" b="1" dirty="0" err="1"/>
+              <a:t>PersonaliPhone</a:t>
             </a:r>
             <a:r>
               <a:rPr lang="en-US" dirty="0"/>
@@ -5223,13 +5216,22 @@
             <a:pPr lvl="1"/>
             <a:r>
               <a:rPr lang="en-US" dirty="0"/>
-              <a:t>Enter the 2 MFA </a:t>
-            </a:r>
-            <a:r>
-              <a:rPr lang="en-US"/>
-              <a:t>code Generated</a:t>
-            </a:r>
-            <a:endParaRPr lang="en-US" dirty="0"/>
+              <a:t>Enter the 2 MFA code Generated (wait for each one)</a:t>
+            </a:r>
+          </a:p>
+          <a:p>
+            <a:pPr lvl="1"/>
+            <a:r>
+              <a:rPr lang="en-US" b="1" dirty="0"/>
+              <a:t>Assign MFA</a:t>
+            </a:r>
+          </a:p>
+          <a:p>
+            <a:pPr lvl="1"/>
+            <a:r>
+              <a:rPr lang="en-US" dirty="0"/>
+              <a:t>Sign out  and Sign in again to test</a:t>
+            </a:r>
           </a:p>
         </p:txBody>
       </p:sp>
@@ -6300,7 +6302,7 @@
           <a:p>
             <a:r>
               <a:rPr lang="en-US" dirty="0"/>
-              <a:t>Practice – AWS CLI </a:t>
+              <a:t>Practice – AWS CLI – Installation and Access</a:t>
             </a:r>
           </a:p>
         </p:txBody>
@@ -6351,23 +6353,92 @@
           <a:p>
             <a:r>
               <a:rPr lang="en-US" dirty="0"/>
-              <a:t>Configuration</a:t>
-            </a:r>
-          </a:p>
-          <a:p>
-            <a:r>
-              <a:rPr lang="en-US" dirty="0"/>
-              <a:t>How to Use</a:t>
-            </a:r>
-          </a:p>
-          <a:p>
-            <a:endParaRPr lang="en-US" dirty="0"/>
-          </a:p>
-          <a:p>
-            <a:r>
-              <a:rPr lang="en-US" dirty="0"/>
-              <a:t>AWS Cloud Shell</a:t>
-            </a:r>
+              <a:t>Access (Admin)</a:t>
+            </a:r>
+          </a:p>
+          <a:p>
+            <a:pPr lvl="1"/>
+            <a:r>
+              <a:rPr lang="en-US" dirty="0"/>
+              <a:t>Users/Security Credential</a:t>
+            </a:r>
+          </a:p>
+          <a:p>
+            <a:pPr lvl="1"/>
+            <a:r>
+              <a:rPr lang="en-US" dirty="0"/>
+              <a:t>Access Keys (Create Access Key)</a:t>
+            </a:r>
+          </a:p>
+          <a:p>
+            <a:pPr lvl="2"/>
+            <a:r>
+              <a:rPr lang="en-US" dirty="0"/>
+              <a:t>Command Line Interface (CLI)</a:t>
+            </a:r>
+          </a:p>
+          <a:p>
+            <a:pPr lvl="2"/>
+            <a:r>
+              <a:rPr lang="en-US" dirty="0"/>
+              <a:t>Check (Understand the recommendations)</a:t>
+            </a:r>
+          </a:p>
+          <a:p>
+            <a:pPr lvl="2"/>
+            <a:r>
+              <a:rPr lang="en-US" b="1" dirty="0">
+                <a:solidFill>
+                  <a:schemeClr val="accent2"/>
+                </a:solidFill>
+              </a:rPr>
+              <a:t>Next</a:t>
+            </a:r>
+          </a:p>
+          <a:p>
+            <a:pPr lvl="2"/>
+            <a:r>
+              <a:rPr lang="en-US" b="1" dirty="0"/>
+              <a:t>Tag:</a:t>
+            </a:r>
+            <a:r>
+              <a:rPr lang="en-US" dirty="0"/>
+              <a:t> Enable AWS CLI Access for Admin User</a:t>
+            </a:r>
+          </a:p>
+          <a:p>
+            <a:pPr lvl="2"/>
+            <a:r>
+              <a:rPr lang="en-US" b="1" dirty="0">
+                <a:solidFill>
+                  <a:schemeClr val="accent2"/>
+                </a:solidFill>
+              </a:rPr>
+              <a:t>Create Access Key</a:t>
+            </a:r>
+          </a:p>
+          <a:p>
+            <a:pPr lvl="2"/>
+            <a:r>
+              <a:rPr lang="en-US" dirty="0"/>
+              <a:t>Download csv file</a:t>
+            </a:r>
+          </a:p>
+          <a:p>
+            <a:pPr lvl="2"/>
+            <a:r>
+              <a:rPr lang="en-US" b="1" dirty="0">
+                <a:solidFill>
+                  <a:schemeClr val="accent2"/>
+                </a:solidFill>
+              </a:rPr>
+              <a:t>Done</a:t>
+            </a:r>
+            <a:endParaRPr lang="en-US" dirty="0">
+              <a:solidFill>
+                <a:schemeClr val="accent2"/>
+              </a:solidFill>
+            </a:endParaRPr>
           </a:p>
         </p:txBody>
       </p:sp>
@@ -6387,6 +6458,431 @@
         </p:nvPicPr>
         <p:blipFill>
           <a:blip r:embed="rId3" cstate="print"/>
+          <a:stretch>
+            <a:fillRect/>
+          </a:stretch>
+        </p:blipFill>
+        <p:spPr>
+          <a:xfrm>
+            <a:off x="6540942" y="644630"/>
+            <a:ext cx="5001861" cy="5568739"/>
+          </a:xfrm>
+          <a:prstGeom prst="rect">
+            <a:avLst/>
+          </a:prstGeom>
+        </p:spPr>
+      </p:pic>
+    </p:spTree>
+    <p:extLst>
+      <p:ext uri="{BB962C8B-B14F-4D97-AF65-F5344CB8AC3E}">
+        <p14:creationId xmlns:p14="http://schemas.microsoft.com/office/powerpoint/2010/main" val="2972463331"/>
+      </p:ext>
+    </p:extLst>
+  </p:cSld>
+  <p:clrMapOvr>
+    <a:masterClrMapping/>
+  </p:clrMapOvr>
+</p:sld>
+</file>
+
+<file path=ppt/slides/slide21.xml><?xml version="1.0" encoding="utf-8"?>
+<p:sld xmlns:a="http://schemas.openxmlformats.org/drawingml/2006/main" xmlns:r="http://schemas.openxmlformats.org/officeDocument/2006/relationships" xmlns:p="http://schemas.openxmlformats.org/presentationml/2006/main">
+  <p:cSld>
+    <p:spTree>
+      <p:nvGrpSpPr>
+        <p:cNvPr id="1" name=""/>
+        <p:cNvGrpSpPr/>
+        <p:nvPr/>
+      </p:nvGrpSpPr>
+      <p:grpSpPr>
+        <a:xfrm>
+          <a:off x="0" y="0"/>
+          <a:ext cx="0" cy="0"/>
+          <a:chOff x="0" y="0"/>
+          <a:chExt cx="0" cy="0"/>
+        </a:xfrm>
+      </p:grpSpPr>
+      <p:sp>
+        <p:nvSpPr>
+          <p:cNvPr id="2" name="Title 1">
+            <a:extLst>
+              <a:ext uri="{FF2B5EF4-FFF2-40B4-BE49-F238E27FC236}">
+                <a16:creationId xmlns:a16="http://schemas.microsoft.com/office/drawing/2014/main" id="{44A807B9-53C6-76E3-EC7E-AB3036EF286D}"/>
+              </a:ext>
+            </a:extLst>
+          </p:cNvPr>
+          <p:cNvSpPr>
+            <a:spLocks noGrp="1"/>
+          </p:cNvSpPr>
+          <p:nvPr>
+            <p:ph type="title"/>
+          </p:nvPr>
+        </p:nvSpPr>
+        <p:spPr/>
+        <p:txBody>
+          <a:bodyPr>
+            <a:normAutofit fontScale="90000"/>
+          </a:bodyPr>
+          <a:lstStyle/>
+          <a:p>
+            <a:r>
+              <a:rPr lang="en-US" dirty="0"/>
+              <a:t>Practice – AWS CLI – Configuration and Use </a:t>
+            </a:r>
+          </a:p>
+        </p:txBody>
+      </p:sp>
+      <p:sp>
+        <p:nvSpPr>
+          <p:cNvPr id="3" name="Content Placeholder 2">
+            <a:extLst>
+              <a:ext uri="{FF2B5EF4-FFF2-40B4-BE49-F238E27FC236}">
+                <a16:creationId xmlns:a16="http://schemas.microsoft.com/office/drawing/2014/main" id="{BFA2DC44-600C-C08A-2282-8B72346B4DD3}"/>
+              </a:ext>
+            </a:extLst>
+          </p:cNvPr>
+          <p:cNvSpPr>
+            <a:spLocks noGrp="1"/>
+          </p:cNvSpPr>
+          <p:nvPr>
+            <p:ph idx="1"/>
+          </p:nvPr>
+        </p:nvSpPr>
+        <p:spPr>
+          <a:xfrm>
+            <a:off x="838200" y="947523"/>
+            <a:ext cx="5914292" cy="5773951"/>
+          </a:xfrm>
+        </p:spPr>
+        <p:txBody>
+          <a:bodyPr>
+            <a:normAutofit/>
+          </a:bodyPr>
+          <a:lstStyle/>
+          <a:p>
+            <a:r>
+              <a:rPr lang="en-US" dirty="0"/>
+              <a:t>Configuration (</a:t>
+            </a:r>
+            <a:r>
+              <a:rPr lang="en-US" sz="2000" dirty="0"/>
+              <a:t>CMD/</a:t>
+            </a:r>
+            <a:r>
+              <a:rPr lang="en-US" sz="2000" dirty="0" err="1"/>
+              <a:t>Powershell</a:t>
+            </a:r>
+            <a:r>
+              <a:rPr lang="en-US" sz="2000" dirty="0"/>
+              <a:t>/Terminal</a:t>
+            </a:r>
+            <a:r>
+              <a:rPr lang="en-US" dirty="0"/>
+              <a:t>)</a:t>
+            </a:r>
+          </a:p>
+          <a:p>
+            <a:pPr lvl="1"/>
+            <a:r>
+              <a:rPr lang="en-US" dirty="0" err="1">
+                <a:solidFill>
+                  <a:schemeClr val="accent4"/>
+                </a:solidFill>
+              </a:rPr>
+              <a:t>aws</a:t>
+            </a:r>
+            <a:r>
+              <a:rPr lang="en-US" dirty="0"/>
+              <a:t> configure</a:t>
+            </a:r>
+          </a:p>
+          <a:p>
+            <a:pPr marL="0" indent="0">
+              <a:buNone/>
+            </a:pPr>
+            <a:endParaRPr lang="en-US" dirty="0"/>
+          </a:p>
+          <a:p>
+            <a:pPr marL="0" indent="0">
+              <a:buNone/>
+            </a:pPr>
+            <a:endParaRPr lang="en-US" dirty="0"/>
+          </a:p>
+          <a:p>
+            <a:pPr marL="0" indent="0">
+              <a:buNone/>
+            </a:pPr>
+            <a:endParaRPr lang="en-US" dirty="0"/>
+          </a:p>
+          <a:p>
+            <a:r>
+              <a:rPr lang="en-US" dirty="0"/>
+              <a:t>How to use it</a:t>
+            </a:r>
+          </a:p>
+          <a:p>
+            <a:pPr lvl="1"/>
+            <a:r>
+              <a:rPr lang="en-US" dirty="0" err="1">
+                <a:solidFill>
+                  <a:schemeClr val="accent4"/>
+                </a:solidFill>
+              </a:rPr>
+              <a:t>aws</a:t>
+            </a:r>
+            <a:r>
+              <a:rPr lang="en-US" dirty="0"/>
+              <a:t> </a:t>
+            </a:r>
+            <a:r>
+              <a:rPr lang="en-US" dirty="0" err="1"/>
+              <a:t>iam</a:t>
+            </a:r>
+            <a:r>
+              <a:rPr lang="en-US" dirty="0"/>
+              <a:t> list-users</a:t>
+            </a:r>
+          </a:p>
+          <a:p>
+            <a:pPr marL="0" indent="0">
+              <a:buNone/>
+            </a:pPr>
+            <a:endParaRPr lang="en-US" dirty="0"/>
+          </a:p>
+          <a:p>
+            <a:pPr marL="0" indent="0">
+              <a:buNone/>
+            </a:pPr>
+            <a:endParaRPr lang="en-US" dirty="0"/>
+          </a:p>
+          <a:p>
+            <a:pPr marL="0" indent="0">
+              <a:buNone/>
+            </a:pPr>
+            <a:endParaRPr lang="en-US" dirty="0"/>
+          </a:p>
+          <a:p>
+            <a:pPr marL="0" indent="0">
+              <a:buNone/>
+            </a:pPr>
+            <a:endParaRPr lang="en-US" dirty="0"/>
+          </a:p>
+          <a:p>
+            <a:pPr marL="0" indent="0">
+              <a:buNone/>
+            </a:pPr>
+            <a:endParaRPr lang="en-US" dirty="0"/>
+          </a:p>
+          <a:p>
+            <a:endParaRPr lang="en-US" dirty="0"/>
+          </a:p>
+          <a:p>
+            <a:pPr lvl="1"/>
+            <a:endParaRPr lang="en-US" dirty="0"/>
+          </a:p>
+        </p:txBody>
+      </p:sp>
+      <p:pic>
+        <p:nvPicPr>
+          <p:cNvPr id="4" name="Content Placeholder 3" descr="12282598707YbD6m.jpg">
+            <a:extLst>
+              <a:ext uri="{FF2B5EF4-FFF2-40B4-BE49-F238E27FC236}">
+                <a16:creationId xmlns:a16="http://schemas.microsoft.com/office/drawing/2014/main" id="{3E7DC946-0E79-0B18-6967-D8C4B22A411D}"/>
+              </a:ext>
+            </a:extLst>
+          </p:cNvPr>
+          <p:cNvPicPr>
+            <a:picLocks noChangeAspect="1"/>
+          </p:cNvPicPr>
+          <p:nvPr/>
+        </p:nvPicPr>
+        <p:blipFill>
+          <a:blip r:embed="rId2" cstate="print"/>
+          <a:stretch>
+            <a:fillRect/>
+          </a:stretch>
+        </p:blipFill>
+        <p:spPr>
+          <a:xfrm>
+            <a:off x="6540942" y="644630"/>
+            <a:ext cx="5001861" cy="5568739"/>
+          </a:xfrm>
+          <a:prstGeom prst="rect">
+            <a:avLst/>
+          </a:prstGeom>
+        </p:spPr>
+      </p:pic>
+      <p:pic>
+        <p:nvPicPr>
+          <p:cNvPr id="8" name="Picture 7">
+            <a:extLst>
+              <a:ext uri="{FF2B5EF4-FFF2-40B4-BE49-F238E27FC236}">
+                <a16:creationId xmlns:a16="http://schemas.microsoft.com/office/drawing/2014/main" id="{1DAF4B0E-9FC3-63D3-99F5-E0F99151CE38}"/>
+              </a:ext>
+            </a:extLst>
+          </p:cNvPr>
+          <p:cNvPicPr>
+            <a:picLocks noChangeAspect="1"/>
+          </p:cNvPicPr>
+          <p:nvPr/>
+        </p:nvPicPr>
+        <p:blipFill>
+          <a:blip r:embed="rId3"/>
+          <a:stretch>
+            <a:fillRect/>
+          </a:stretch>
+        </p:blipFill>
+        <p:spPr>
+          <a:xfrm>
+            <a:off x="1210506" y="3834498"/>
+            <a:ext cx="4572000" cy="2247900"/>
+          </a:xfrm>
+          <a:prstGeom prst="rect">
+            <a:avLst/>
+          </a:prstGeom>
+        </p:spPr>
+      </p:pic>
+      <p:pic>
+        <p:nvPicPr>
+          <p:cNvPr id="10" name="Picture 9">
+            <a:extLst>
+              <a:ext uri="{FF2B5EF4-FFF2-40B4-BE49-F238E27FC236}">
+                <a16:creationId xmlns:a16="http://schemas.microsoft.com/office/drawing/2014/main" id="{B6855EFA-A9E3-7463-C1EC-E60B1561DE5E}"/>
+              </a:ext>
+            </a:extLst>
+          </p:cNvPr>
+          <p:cNvPicPr>
+            <a:picLocks noChangeAspect="1"/>
+          </p:cNvPicPr>
+          <p:nvPr/>
+        </p:nvPicPr>
+        <p:blipFill>
+          <a:blip r:embed="rId4"/>
+          <a:stretch>
+            <a:fillRect/>
+          </a:stretch>
+        </p:blipFill>
+        <p:spPr>
+          <a:xfrm>
+            <a:off x="454467" y="2011407"/>
+            <a:ext cx="6086475" cy="990600"/>
+          </a:xfrm>
+          <a:prstGeom prst="rect">
+            <a:avLst/>
+          </a:prstGeom>
+        </p:spPr>
+      </p:pic>
+    </p:spTree>
+    <p:extLst>
+      <p:ext uri="{BB962C8B-B14F-4D97-AF65-F5344CB8AC3E}">
+        <p14:creationId xmlns:p14="http://schemas.microsoft.com/office/powerpoint/2010/main" val="1080362918"/>
+      </p:ext>
+    </p:extLst>
+  </p:cSld>
+  <p:clrMapOvr>
+    <a:masterClrMapping/>
+  </p:clrMapOvr>
+</p:sld>
+</file>
+
+<file path=ppt/slides/slide22.xml><?xml version="1.0" encoding="utf-8"?>
+<p:sld xmlns:a="http://schemas.openxmlformats.org/drawingml/2006/main" xmlns:r="http://schemas.openxmlformats.org/officeDocument/2006/relationships" xmlns:p="http://schemas.openxmlformats.org/presentationml/2006/main">
+  <p:cSld>
+    <p:spTree>
+      <p:nvGrpSpPr>
+        <p:cNvPr id="1" name=""/>
+        <p:cNvGrpSpPr/>
+        <p:nvPr/>
+      </p:nvGrpSpPr>
+      <p:grpSpPr>
+        <a:xfrm>
+          <a:off x="0" y="0"/>
+          <a:ext cx="0" cy="0"/>
+          <a:chOff x="0" y="0"/>
+          <a:chExt cx="0" cy="0"/>
+        </a:xfrm>
+      </p:grpSpPr>
+      <p:sp>
+        <p:nvSpPr>
+          <p:cNvPr id="2" name="Title 1">
+            <a:extLst>
+              <a:ext uri="{FF2B5EF4-FFF2-40B4-BE49-F238E27FC236}">
+                <a16:creationId xmlns:a16="http://schemas.microsoft.com/office/drawing/2014/main" id="{44A807B9-53C6-76E3-EC7E-AB3036EF286D}"/>
+              </a:ext>
+            </a:extLst>
+          </p:cNvPr>
+          <p:cNvSpPr>
+            <a:spLocks noGrp="1"/>
+          </p:cNvSpPr>
+          <p:nvPr>
+            <p:ph type="title"/>
+          </p:nvPr>
+        </p:nvSpPr>
+        <p:spPr/>
+        <p:txBody>
+          <a:bodyPr>
+            <a:normAutofit fontScale="90000"/>
+          </a:bodyPr>
+          <a:lstStyle/>
+          <a:p>
+            <a:r>
+              <a:rPr lang="en-US" dirty="0"/>
+              <a:t>Practice – AWS Cloud Shell</a:t>
+            </a:r>
+          </a:p>
+        </p:txBody>
+      </p:sp>
+      <p:sp>
+        <p:nvSpPr>
+          <p:cNvPr id="3" name="Content Placeholder 2">
+            <a:extLst>
+              <a:ext uri="{FF2B5EF4-FFF2-40B4-BE49-F238E27FC236}">
+                <a16:creationId xmlns:a16="http://schemas.microsoft.com/office/drawing/2014/main" id="{BFA2DC44-600C-C08A-2282-8B72346B4DD3}"/>
+              </a:ext>
+            </a:extLst>
+          </p:cNvPr>
+          <p:cNvSpPr>
+            <a:spLocks noGrp="1"/>
+          </p:cNvSpPr>
+          <p:nvPr>
+            <p:ph idx="1"/>
+          </p:nvPr>
+        </p:nvSpPr>
+        <p:spPr>
+          <a:xfrm>
+            <a:off x="838200" y="947523"/>
+            <a:ext cx="5914292" cy="4938495"/>
+          </a:xfrm>
+        </p:spPr>
+        <p:txBody>
+          <a:bodyPr>
+            <a:normAutofit/>
+          </a:bodyPr>
+          <a:lstStyle/>
+          <a:p>
+            <a:r>
+              <a:rPr lang="en-US" dirty="0"/>
+              <a:t>AWS Cloud Shell</a:t>
+            </a:r>
+          </a:p>
+        </p:txBody>
+      </p:sp>
+      <p:pic>
+        <p:nvPicPr>
+          <p:cNvPr id="4" name="Content Placeholder 3" descr="12282598707YbD6m.jpg">
+            <a:extLst>
+              <a:ext uri="{FF2B5EF4-FFF2-40B4-BE49-F238E27FC236}">
+                <a16:creationId xmlns:a16="http://schemas.microsoft.com/office/drawing/2014/main" id="{3E7DC946-0E79-0B18-6967-D8C4B22A411D}"/>
+              </a:ext>
+            </a:extLst>
+          </p:cNvPr>
+          <p:cNvPicPr>
+            <a:picLocks noChangeAspect="1"/>
+          </p:cNvPicPr>
+          <p:nvPr/>
+        </p:nvPicPr>
+        <p:blipFill>
+          <a:blip r:embed="rId2" cstate="print"/>
           <a:stretch>
             <a:fillRect/>
           </a:stretch>
@@ -6414,7 +6910,7 @@
 </p:sld>
 </file>
 
-<file path=ppt/slides/slide21.xml><?xml version="1.0" encoding="utf-8"?>
+<file path=ppt/slides/slide23.xml><?xml version="1.0" encoding="utf-8"?>
 <p:sld xmlns:a="http://schemas.openxmlformats.org/drawingml/2006/main" xmlns:r="http://schemas.openxmlformats.org/officeDocument/2006/relationships" xmlns:p="http://schemas.openxmlformats.org/presentationml/2006/main">
   <p:cSld>
     <p:spTree>
@@ -6620,7 +7116,7 @@
 </p:sld>
 </file>
 
-<file path=ppt/slides/slide22.xml><?xml version="1.0" encoding="utf-8"?>
+<file path=ppt/slides/slide24.xml><?xml version="1.0" encoding="utf-8"?>
 <p:sld xmlns:a="http://schemas.openxmlformats.org/drawingml/2006/main" xmlns:r="http://schemas.openxmlformats.org/officeDocument/2006/relationships" xmlns:p="http://schemas.openxmlformats.org/presentationml/2006/main">
   <p:cSld>
     <p:spTree>
@@ -6751,7 +7247,7 @@
 </p:sld>
 </file>
 
-<file path=ppt/slides/slide23.xml><?xml version="1.0" encoding="utf-8"?>
+<file path=ppt/slides/slide25.xml><?xml version="1.0" encoding="utf-8"?>
 <p:sld xmlns:a="http://schemas.openxmlformats.org/drawingml/2006/main" xmlns:r="http://schemas.openxmlformats.org/officeDocument/2006/relationships" xmlns:p="http://schemas.openxmlformats.org/presentationml/2006/main">
   <p:cSld>
     <p:spTree>
@@ -6921,7 +7417,7 @@
 </p:sld>
 </file>
 
-<file path=ppt/slides/slide24.xml><?xml version="1.0" encoding="utf-8"?>
+<file path=ppt/slides/slide26.xml><?xml version="1.0" encoding="utf-8"?>
 <p:sld xmlns:a="http://schemas.openxmlformats.org/drawingml/2006/main" xmlns:r="http://schemas.openxmlformats.org/officeDocument/2006/relationships" xmlns:p="http://schemas.openxmlformats.org/presentationml/2006/main">
   <p:cSld>
     <p:spTree>
@@ -7052,7 +7548,7 @@
 </p:sld>
 </file>
 
-<file path=ppt/slides/slide25.xml><?xml version="1.0" encoding="utf-8"?>
+<file path=ppt/slides/slide27.xml><?xml version="1.0" encoding="utf-8"?>
 <p:sld xmlns:a="http://schemas.openxmlformats.org/drawingml/2006/main" xmlns:r="http://schemas.openxmlformats.org/officeDocument/2006/relationships" xmlns:p="http://schemas.openxmlformats.org/presentationml/2006/main">
   <p:cSld>
     <p:spTree>
@@ -7293,7 +7789,7 @@
 </p:sld>
 </file>
 
-<file path=ppt/slides/slide26.xml><?xml version="1.0" encoding="utf-8"?>
+<file path=ppt/slides/slide28.xml><?xml version="1.0" encoding="utf-8"?>
 <p:sld xmlns:a="http://schemas.openxmlformats.org/drawingml/2006/main" xmlns:r="http://schemas.openxmlformats.org/officeDocument/2006/relationships" xmlns:p="http://schemas.openxmlformats.org/presentationml/2006/main">
   <p:cSld>
     <p:spTree>
@@ -7747,7 +8243,7 @@
 </p:sld>
 </file>
 
-<file path=ppt/slides/slide27.xml><?xml version="1.0" encoding="utf-8"?>
+<file path=ppt/slides/slide29.xml><?xml version="1.0" encoding="utf-8"?>
 <p:sld xmlns:a="http://schemas.openxmlformats.org/drawingml/2006/main" xmlns:r="http://schemas.openxmlformats.org/officeDocument/2006/relationships" xmlns:p="http://schemas.openxmlformats.org/presentationml/2006/main">
   <p:cSld>
     <p:spTree>
@@ -7989,7 +8485,274 @@
 </p:sld>
 </file>
 
-<file path=ppt/slides/slide28.xml><?xml version="1.0" encoding="utf-8"?>
+<file path=ppt/slides/slide3.xml><?xml version="1.0" encoding="utf-8"?>
+<p:sld xmlns:a="http://schemas.openxmlformats.org/drawingml/2006/main" xmlns:r="http://schemas.openxmlformats.org/officeDocument/2006/relationships" xmlns:p="http://schemas.openxmlformats.org/presentationml/2006/main">
+  <p:cSld>
+    <p:spTree>
+      <p:nvGrpSpPr>
+        <p:cNvPr id="1" name=""/>
+        <p:cNvGrpSpPr/>
+        <p:nvPr/>
+      </p:nvGrpSpPr>
+      <p:grpSpPr>
+        <a:xfrm>
+          <a:off x="0" y="0"/>
+          <a:ext cx="0" cy="0"/>
+          <a:chOff x="0" y="0"/>
+          <a:chExt cx="0" cy="0"/>
+        </a:xfrm>
+      </p:grpSpPr>
+      <p:sp>
+        <p:nvSpPr>
+          <p:cNvPr id="2" name="Title 1">
+            <a:extLst>
+              <a:ext uri="{FF2B5EF4-FFF2-40B4-BE49-F238E27FC236}">
+                <a16:creationId xmlns:a16="http://schemas.microsoft.com/office/drawing/2014/main" id="{EE18C7C5-9AEA-8D86-1B53-1C83E17C0837}"/>
+              </a:ext>
+            </a:extLst>
+          </p:cNvPr>
+          <p:cNvSpPr>
+            <a:spLocks noGrp="1"/>
+          </p:cNvSpPr>
+          <p:nvPr>
+            <p:ph type="title"/>
+          </p:nvPr>
+        </p:nvSpPr>
+        <p:spPr/>
+        <p:txBody>
+          <a:bodyPr>
+            <a:normAutofit fontScale="90000"/>
+          </a:bodyPr>
+          <a:lstStyle/>
+          <a:p>
+            <a:r>
+              <a:rPr lang="en-US" dirty="0"/>
+              <a:t>AWS Identity and Access Management (IAM)</a:t>
+            </a:r>
+          </a:p>
+        </p:txBody>
+      </p:sp>
+      <p:sp>
+        <p:nvSpPr>
+          <p:cNvPr id="3" name="Content Placeholder 2">
+            <a:extLst>
+              <a:ext uri="{FF2B5EF4-FFF2-40B4-BE49-F238E27FC236}">
+                <a16:creationId xmlns:a16="http://schemas.microsoft.com/office/drawing/2014/main" id="{8CCAD61C-46F4-AF81-6CC8-8A55E3AD4FF1}"/>
+              </a:ext>
+            </a:extLst>
+          </p:cNvPr>
+          <p:cNvSpPr>
+            <a:spLocks noGrp="1"/>
+          </p:cNvSpPr>
+          <p:nvPr>
+            <p:ph idx="1"/>
+          </p:nvPr>
+        </p:nvSpPr>
+        <p:spPr/>
+        <p:txBody>
+          <a:bodyPr>
+            <a:normAutofit/>
+          </a:bodyPr>
+          <a:lstStyle/>
+          <a:p>
+            <a:r>
+              <a:rPr lang="en-US" b="1" dirty="0">
+                <a:solidFill>
+                  <a:schemeClr val="accent4"/>
+                </a:solidFill>
+              </a:rPr>
+              <a:t>AWS Identity and Access Management </a:t>
+            </a:r>
+            <a:r>
+              <a:rPr lang="en-US" b="1" dirty="0"/>
+              <a:t>(</a:t>
+            </a:r>
+            <a:r>
+              <a:rPr lang="en-US" b="1" dirty="0">
+                <a:solidFill>
+                  <a:schemeClr val="accent2"/>
+                </a:solidFill>
+              </a:rPr>
+              <a:t>IAM</a:t>
+            </a:r>
+            <a:r>
+              <a:rPr lang="en-US" b="1" dirty="0"/>
+              <a:t>) </a:t>
+            </a:r>
+            <a:r>
+              <a:rPr lang="en-US" dirty="0"/>
+              <a:t>enables you to manage access to AWS services and resources securely.   </a:t>
+            </a:r>
+          </a:p>
+          <a:p>
+            <a:r>
+              <a:rPr lang="en-US" b="1" dirty="0">
+                <a:solidFill>
+                  <a:schemeClr val="accent2"/>
+                </a:solidFill>
+              </a:rPr>
+              <a:t>IAM</a:t>
+            </a:r>
+            <a:r>
+              <a:rPr lang="en-US" b="1" dirty="0"/>
+              <a:t> </a:t>
+            </a:r>
+            <a:r>
+              <a:rPr lang="en-US" dirty="0"/>
+              <a:t>gives you the </a:t>
+            </a:r>
+            <a:r>
+              <a:rPr lang="en-US" b="1" dirty="0">
+                <a:solidFill>
+                  <a:srgbClr val="7030A0"/>
+                </a:solidFill>
+              </a:rPr>
+              <a:t>flexibility</a:t>
+            </a:r>
+            <a:r>
+              <a:rPr lang="en-US" b="1" dirty="0"/>
+              <a:t> </a:t>
+            </a:r>
+            <a:r>
+              <a:rPr lang="en-US" dirty="0"/>
+              <a:t>to </a:t>
+            </a:r>
+            <a:r>
+              <a:rPr lang="en-US" b="1" dirty="0">
+                <a:solidFill>
+                  <a:schemeClr val="accent6"/>
+                </a:solidFill>
+              </a:rPr>
+              <a:t>configure access </a:t>
+            </a:r>
+            <a:r>
+              <a:rPr lang="en-US" dirty="0"/>
+              <a:t>based on your company’s specific operational and security needs. </a:t>
+            </a:r>
+          </a:p>
+          <a:p>
+            <a:r>
+              <a:rPr lang="en-US" dirty="0"/>
+              <a:t>You do this by using a combination of </a:t>
+            </a:r>
+            <a:r>
+              <a:rPr lang="en-US" b="1" dirty="0">
+                <a:solidFill>
+                  <a:schemeClr val="accent2"/>
+                </a:solidFill>
+              </a:rPr>
+              <a:t>IAM</a:t>
+            </a:r>
+            <a:r>
+              <a:rPr lang="en-US" dirty="0"/>
+              <a:t> features:</a:t>
+            </a:r>
+          </a:p>
+          <a:p>
+            <a:pPr lvl="1"/>
+            <a:r>
+              <a:rPr lang="en-US" dirty="0"/>
+              <a:t>IAM users, groups, and roles</a:t>
+            </a:r>
+          </a:p>
+          <a:p>
+            <a:pPr lvl="1"/>
+            <a:r>
+              <a:rPr lang="en-US" dirty="0"/>
+              <a:t>IAM policies</a:t>
+            </a:r>
+          </a:p>
+          <a:p>
+            <a:pPr lvl="1"/>
+            <a:r>
+              <a:rPr lang="en-US" dirty="0"/>
+              <a:t>Multi-factor authentication</a:t>
+            </a:r>
+          </a:p>
+        </p:txBody>
+      </p:sp>
+      <p:pic>
+        <p:nvPicPr>
+          <p:cNvPr id="4" name="Picture 2" descr="Control Access with AWS Identity and Access Management Unit |">
+            <a:extLst>
+              <a:ext uri="{FF2B5EF4-FFF2-40B4-BE49-F238E27FC236}">
+                <a16:creationId xmlns:a16="http://schemas.microsoft.com/office/drawing/2014/main" id="{F9B2AD04-5CF8-8AD9-3DBF-223CCAA5655D}"/>
+              </a:ext>
+            </a:extLst>
+          </p:cNvPr>
+          <p:cNvPicPr>
+            <a:picLocks noChangeAspect="1" noChangeArrowheads="1"/>
+          </p:cNvPicPr>
+          <p:nvPr/>
+        </p:nvPicPr>
+        <p:blipFill>
+          <a:blip r:embed="rId2">
+            <a:extLst>
+              <a:ext uri="{28A0092B-C50C-407E-A947-70E740481C1C}">
+                <a14:useLocalDpi xmlns:a14="http://schemas.microsoft.com/office/drawing/2010/main" val="0"/>
+              </a:ext>
+            </a:extLst>
+          </a:blip>
+          <a:srcRect/>
+          <a:stretch>
+            <a:fillRect/>
+          </a:stretch>
+        </p:blipFill>
+        <p:spPr bwMode="auto">
+          <a:xfrm>
+            <a:off x="10017543" y="4892675"/>
+            <a:ext cx="1828800" cy="1828800"/>
+          </a:xfrm>
+          <a:prstGeom prst="rect">
+            <a:avLst/>
+          </a:prstGeom>
+          <a:noFill/>
+          <a:ln>
+            <a:noFill/>
+          </a:ln>
+          <a:effectLst>
+            <a:outerShdw blurRad="44450" dist="27940" dir="5400000" algn="ctr">
+              <a:srgbClr val="000000">
+                <a:alpha val="32000"/>
+              </a:srgbClr>
+            </a:outerShdw>
+          </a:effectLst>
+          <a:scene3d>
+            <a:camera prst="orthographicFront">
+              <a:rot lat="0" lon="0" rev="0"/>
+            </a:camera>
+            <a:lightRig rig="balanced" dir="t">
+              <a:rot lat="0" lon="0" rev="8700000"/>
+            </a:lightRig>
+          </a:scene3d>
+          <a:sp3d>
+            <a:bevelT w="190500" h="38100"/>
+          </a:sp3d>
+          <a:extLst>
+            <a:ext uri="{909E8E84-426E-40DD-AFC4-6F175D3DCCD1}">
+              <a14:hiddenFill xmlns:a14="http://schemas.microsoft.com/office/drawing/2010/main">
+                <a:solidFill>
+                  <a:srgbClr val="FFFFFF"/>
+                </a:solidFill>
+              </a14:hiddenFill>
+            </a:ext>
+          </a:extLst>
+        </p:spPr>
+      </p:pic>
+    </p:spTree>
+    <p:extLst>
+      <p:ext uri="{BB962C8B-B14F-4D97-AF65-F5344CB8AC3E}">
+        <p14:creationId xmlns:p14="http://schemas.microsoft.com/office/powerpoint/2010/main" val="713709300"/>
+      </p:ext>
+    </p:extLst>
+  </p:cSld>
+  <p:clrMapOvr>
+    <a:masterClrMapping/>
+  </p:clrMapOvr>
+</p:sld>
+</file>
+
+<file path=ppt/slides/slide30.xml><?xml version="1.0" encoding="utf-8"?>
 <p:sld xmlns:a="http://schemas.openxmlformats.org/drawingml/2006/main" xmlns:r="http://schemas.openxmlformats.org/officeDocument/2006/relationships" xmlns:p="http://schemas.openxmlformats.org/presentationml/2006/main">
   <p:cSld>
     <p:spTree>
@@ -8110,7 +8873,7 @@
 </p:sld>
 </file>
 
-<file path=ppt/slides/slide29.xml><?xml version="1.0" encoding="utf-8"?>
+<file path=ppt/slides/slide31.xml><?xml version="1.0" encoding="utf-8"?>
 <p:sld xmlns:a="http://schemas.openxmlformats.org/drawingml/2006/main" xmlns:r="http://schemas.openxmlformats.org/officeDocument/2006/relationships" xmlns:p="http://schemas.openxmlformats.org/presentationml/2006/main">
   <p:cSld>
     <p:spTree>
@@ -8234,273 +8997,6 @@
     <p:extLst>
       <p:ext uri="{BB962C8B-B14F-4D97-AF65-F5344CB8AC3E}">
         <p14:creationId xmlns:p14="http://schemas.microsoft.com/office/powerpoint/2010/main" val="2397218144"/>
-      </p:ext>
-    </p:extLst>
-  </p:cSld>
-  <p:clrMapOvr>
-    <a:masterClrMapping/>
-  </p:clrMapOvr>
-</p:sld>
-</file>
-
-<file path=ppt/slides/slide3.xml><?xml version="1.0" encoding="utf-8"?>
-<p:sld xmlns:a="http://schemas.openxmlformats.org/drawingml/2006/main" xmlns:r="http://schemas.openxmlformats.org/officeDocument/2006/relationships" xmlns:p="http://schemas.openxmlformats.org/presentationml/2006/main">
-  <p:cSld>
-    <p:spTree>
-      <p:nvGrpSpPr>
-        <p:cNvPr id="1" name=""/>
-        <p:cNvGrpSpPr/>
-        <p:nvPr/>
-      </p:nvGrpSpPr>
-      <p:grpSpPr>
-        <a:xfrm>
-          <a:off x="0" y="0"/>
-          <a:ext cx="0" cy="0"/>
-          <a:chOff x="0" y="0"/>
-          <a:chExt cx="0" cy="0"/>
-        </a:xfrm>
-      </p:grpSpPr>
-      <p:sp>
-        <p:nvSpPr>
-          <p:cNvPr id="2" name="Title 1">
-            <a:extLst>
-              <a:ext uri="{FF2B5EF4-FFF2-40B4-BE49-F238E27FC236}">
-                <a16:creationId xmlns:a16="http://schemas.microsoft.com/office/drawing/2014/main" id="{EE18C7C5-9AEA-8D86-1B53-1C83E17C0837}"/>
-              </a:ext>
-            </a:extLst>
-          </p:cNvPr>
-          <p:cNvSpPr>
-            <a:spLocks noGrp="1"/>
-          </p:cNvSpPr>
-          <p:nvPr>
-            <p:ph type="title"/>
-          </p:nvPr>
-        </p:nvSpPr>
-        <p:spPr/>
-        <p:txBody>
-          <a:bodyPr>
-            <a:normAutofit fontScale="90000"/>
-          </a:bodyPr>
-          <a:lstStyle/>
-          <a:p>
-            <a:r>
-              <a:rPr lang="en-US" dirty="0"/>
-              <a:t>AWS Identity and Access Management (IAM)</a:t>
-            </a:r>
-          </a:p>
-        </p:txBody>
-      </p:sp>
-      <p:sp>
-        <p:nvSpPr>
-          <p:cNvPr id="3" name="Content Placeholder 2">
-            <a:extLst>
-              <a:ext uri="{FF2B5EF4-FFF2-40B4-BE49-F238E27FC236}">
-                <a16:creationId xmlns:a16="http://schemas.microsoft.com/office/drawing/2014/main" id="{8CCAD61C-46F4-AF81-6CC8-8A55E3AD4FF1}"/>
-              </a:ext>
-            </a:extLst>
-          </p:cNvPr>
-          <p:cNvSpPr>
-            <a:spLocks noGrp="1"/>
-          </p:cNvSpPr>
-          <p:nvPr>
-            <p:ph idx="1"/>
-          </p:nvPr>
-        </p:nvSpPr>
-        <p:spPr/>
-        <p:txBody>
-          <a:bodyPr>
-            <a:normAutofit/>
-          </a:bodyPr>
-          <a:lstStyle/>
-          <a:p>
-            <a:r>
-              <a:rPr lang="en-US" b="1" dirty="0">
-                <a:solidFill>
-                  <a:schemeClr val="accent4"/>
-                </a:solidFill>
-              </a:rPr>
-              <a:t>AWS Identity and Access Management </a:t>
-            </a:r>
-            <a:r>
-              <a:rPr lang="en-US" b="1" dirty="0"/>
-              <a:t>(</a:t>
-            </a:r>
-            <a:r>
-              <a:rPr lang="en-US" b="1" dirty="0">
-                <a:solidFill>
-                  <a:schemeClr val="accent2"/>
-                </a:solidFill>
-              </a:rPr>
-              <a:t>IAM</a:t>
-            </a:r>
-            <a:r>
-              <a:rPr lang="en-US" b="1" dirty="0"/>
-              <a:t>) </a:t>
-            </a:r>
-            <a:r>
-              <a:rPr lang="en-US" dirty="0"/>
-              <a:t>enables you to manage access to AWS services and resources securely.   </a:t>
-            </a:r>
-          </a:p>
-          <a:p>
-            <a:r>
-              <a:rPr lang="en-US" b="1" dirty="0">
-                <a:solidFill>
-                  <a:schemeClr val="accent2"/>
-                </a:solidFill>
-              </a:rPr>
-              <a:t>IAM</a:t>
-            </a:r>
-            <a:r>
-              <a:rPr lang="en-US" b="1" dirty="0"/>
-              <a:t> </a:t>
-            </a:r>
-            <a:r>
-              <a:rPr lang="en-US" dirty="0"/>
-              <a:t>gives you the </a:t>
-            </a:r>
-            <a:r>
-              <a:rPr lang="en-US" b="1" dirty="0">
-                <a:solidFill>
-                  <a:srgbClr val="7030A0"/>
-                </a:solidFill>
-              </a:rPr>
-              <a:t>flexibility</a:t>
-            </a:r>
-            <a:r>
-              <a:rPr lang="en-US" b="1" dirty="0"/>
-              <a:t> </a:t>
-            </a:r>
-            <a:r>
-              <a:rPr lang="en-US" dirty="0"/>
-              <a:t>to </a:t>
-            </a:r>
-            <a:r>
-              <a:rPr lang="en-US" b="1" dirty="0">
-                <a:solidFill>
-                  <a:schemeClr val="accent6"/>
-                </a:solidFill>
-              </a:rPr>
-              <a:t>configure access </a:t>
-            </a:r>
-            <a:r>
-              <a:rPr lang="en-US" dirty="0"/>
-              <a:t>based on your company’s specific operational and security needs. </a:t>
-            </a:r>
-          </a:p>
-          <a:p>
-            <a:r>
-              <a:rPr lang="en-US" dirty="0"/>
-              <a:t>You do this by using a combination of </a:t>
-            </a:r>
-            <a:r>
-              <a:rPr lang="en-US" b="1" dirty="0">
-                <a:solidFill>
-                  <a:schemeClr val="accent2"/>
-                </a:solidFill>
-              </a:rPr>
-              <a:t>IAM</a:t>
-            </a:r>
-            <a:r>
-              <a:rPr lang="en-US" dirty="0"/>
-              <a:t> features:</a:t>
-            </a:r>
-          </a:p>
-          <a:p>
-            <a:pPr lvl="1"/>
-            <a:r>
-              <a:rPr lang="en-US" dirty="0"/>
-              <a:t>IAM users, groups, and roles</a:t>
-            </a:r>
-          </a:p>
-          <a:p>
-            <a:pPr lvl="1"/>
-            <a:r>
-              <a:rPr lang="en-US" dirty="0"/>
-              <a:t>IAM policies</a:t>
-            </a:r>
-          </a:p>
-          <a:p>
-            <a:pPr lvl="1"/>
-            <a:r>
-              <a:rPr lang="en-US" dirty="0"/>
-              <a:t>Multi-factor authentication</a:t>
-            </a:r>
-          </a:p>
-        </p:txBody>
-      </p:sp>
-      <p:pic>
-        <p:nvPicPr>
-          <p:cNvPr id="4" name="Picture 2" descr="Control Access with AWS Identity and Access Management Unit |">
-            <a:extLst>
-              <a:ext uri="{FF2B5EF4-FFF2-40B4-BE49-F238E27FC236}">
-                <a16:creationId xmlns:a16="http://schemas.microsoft.com/office/drawing/2014/main" id="{F9B2AD04-5CF8-8AD9-3DBF-223CCAA5655D}"/>
-              </a:ext>
-            </a:extLst>
-          </p:cNvPr>
-          <p:cNvPicPr>
-            <a:picLocks noChangeAspect="1" noChangeArrowheads="1"/>
-          </p:cNvPicPr>
-          <p:nvPr/>
-        </p:nvPicPr>
-        <p:blipFill>
-          <a:blip r:embed="rId2">
-            <a:extLst>
-              <a:ext uri="{28A0092B-C50C-407E-A947-70E740481C1C}">
-                <a14:useLocalDpi xmlns:a14="http://schemas.microsoft.com/office/drawing/2010/main" val="0"/>
-              </a:ext>
-            </a:extLst>
-          </a:blip>
-          <a:srcRect/>
-          <a:stretch>
-            <a:fillRect/>
-          </a:stretch>
-        </p:blipFill>
-        <p:spPr bwMode="auto">
-          <a:xfrm>
-            <a:off x="10017543" y="4892675"/>
-            <a:ext cx="1828800" cy="1828800"/>
-          </a:xfrm>
-          <a:prstGeom prst="rect">
-            <a:avLst/>
-          </a:prstGeom>
-          <a:noFill/>
-          <a:ln>
-            <a:noFill/>
-          </a:ln>
-          <a:effectLst>
-            <a:outerShdw blurRad="44450" dist="27940" dir="5400000" algn="ctr">
-              <a:srgbClr val="000000">
-                <a:alpha val="32000"/>
-              </a:srgbClr>
-            </a:outerShdw>
-          </a:effectLst>
-          <a:scene3d>
-            <a:camera prst="orthographicFront">
-              <a:rot lat="0" lon="0" rev="0"/>
-            </a:camera>
-            <a:lightRig rig="balanced" dir="t">
-              <a:rot lat="0" lon="0" rev="8700000"/>
-            </a:lightRig>
-          </a:scene3d>
-          <a:sp3d>
-            <a:bevelT w="190500" h="38100"/>
-          </a:sp3d>
-          <a:extLst>
-            <a:ext uri="{909E8E84-426E-40DD-AFC4-6F175D3DCCD1}">
-              <a14:hiddenFill xmlns:a14="http://schemas.microsoft.com/office/drawing/2010/main">
-                <a:solidFill>
-                  <a:srgbClr val="FFFFFF"/>
-                </a:solidFill>
-              </a14:hiddenFill>
-            </a:ext>
-          </a:extLst>
-        </p:spPr>
-      </p:pic>
-    </p:spTree>
-    <p:extLst>
-      <p:ext uri="{BB962C8B-B14F-4D97-AF65-F5344CB8AC3E}">
-        <p14:creationId xmlns:p14="http://schemas.microsoft.com/office/powerpoint/2010/main" val="713709300"/>
       </p:ext>
     </p:extLst>
   </p:cSld>

--- a/Classes/04-IAM-IdentityandAccessManagement/ArchitectureMaster-04-IAM-IdentityandAccessManagement.pptx
+++ b/Classes/04-IAM-IdentityandAccessManagement/ArchitectureMaster-04-IAM-IdentityandAccessManagement.pptx
@@ -308,7 +308,7 @@
           <a:p>
             <a:fld id="{C590909A-0DFE-43BA-B693-0183CFC4A986}" type="datetimeFigureOut">
               <a:rPr lang="en-US" smtClean="0"/>
-              <a:t>5/24/2023</a:t>
+              <a:t>5/25/2023</a:t>
             </a:fld>
             <a:endParaRPr lang="en-US"/>
           </a:p>
@@ -568,7 +568,7 @@
           <a:p>
             <a:fld id="{C590909A-0DFE-43BA-B693-0183CFC4A986}" type="datetimeFigureOut">
               <a:rPr lang="en-US" smtClean="0"/>
-              <a:t>5/24/2023</a:t>
+              <a:t>5/25/2023</a:t>
             </a:fld>
             <a:endParaRPr lang="en-US"/>
           </a:p>
@@ -776,7 +776,7 @@
           <a:p>
             <a:fld id="{C590909A-0DFE-43BA-B693-0183CFC4A986}" type="datetimeFigureOut">
               <a:rPr lang="en-US" smtClean="0"/>
-              <a:t>5/24/2023</a:t>
+              <a:t>5/25/2023</a:t>
             </a:fld>
             <a:endParaRPr lang="en-US"/>
           </a:p>
@@ -1043,7 +1043,7 @@
           <a:p>
             <a:fld id="{C590909A-0DFE-43BA-B693-0183CFC4A986}" type="datetimeFigureOut">
               <a:rPr lang="en-US" smtClean="0"/>
-              <a:t>5/24/2023</a:t>
+              <a:t>5/25/2023</a:t>
             </a:fld>
             <a:endParaRPr lang="en-US"/>
           </a:p>
@@ -1370,7 +1370,7 @@
           <a:p>
             <a:fld id="{C590909A-0DFE-43BA-B693-0183CFC4A986}" type="datetimeFigureOut">
               <a:rPr lang="en-US" smtClean="0"/>
-              <a:t>5/24/2023</a:t>
+              <a:t>5/25/2023</a:t>
             </a:fld>
             <a:endParaRPr lang="en-US"/>
           </a:p>
@@ -1635,7 +1635,7 @@
           <a:p>
             <a:fld id="{C590909A-0DFE-43BA-B693-0183CFC4A986}" type="datetimeFigureOut">
               <a:rPr lang="en-US" smtClean="0"/>
-              <a:t>5/24/2023</a:t>
+              <a:t>5/25/2023</a:t>
             </a:fld>
             <a:endParaRPr lang="en-US"/>
           </a:p>
@@ -2047,7 +2047,7 @@
           <a:p>
             <a:fld id="{C590909A-0DFE-43BA-B693-0183CFC4A986}" type="datetimeFigureOut">
               <a:rPr lang="en-US" smtClean="0"/>
-              <a:t>5/24/2023</a:t>
+              <a:t>5/25/2023</a:t>
             </a:fld>
             <a:endParaRPr lang="en-US"/>
           </a:p>
@@ -2188,7 +2188,7 @@
           <a:p>
             <a:fld id="{C590909A-0DFE-43BA-B693-0183CFC4A986}" type="datetimeFigureOut">
               <a:rPr lang="en-US" smtClean="0"/>
-              <a:t>5/24/2023</a:t>
+              <a:t>5/25/2023</a:t>
             </a:fld>
             <a:endParaRPr lang="en-US"/>
           </a:p>
@@ -2301,7 +2301,7 @@
           <a:p>
             <a:fld id="{C590909A-0DFE-43BA-B693-0183CFC4A986}" type="datetimeFigureOut">
               <a:rPr lang="en-US" smtClean="0"/>
-              <a:t>5/24/2023</a:t>
+              <a:t>5/25/2023</a:t>
             </a:fld>
             <a:endParaRPr lang="en-US"/>
           </a:p>
@@ -2612,7 +2612,7 @@
           <a:p>
             <a:fld id="{C590909A-0DFE-43BA-B693-0183CFC4A986}" type="datetimeFigureOut">
               <a:rPr lang="en-US" smtClean="0"/>
-              <a:t>5/24/2023</a:t>
+              <a:t>5/25/2023</a:t>
             </a:fld>
             <a:endParaRPr lang="en-US"/>
           </a:p>
@@ -2900,7 +2900,7 @@
           <a:p>
             <a:fld id="{C590909A-0DFE-43BA-B693-0183CFC4A986}" type="datetimeFigureOut">
               <a:rPr lang="en-US" smtClean="0"/>
-              <a:t>5/24/2023</a:t>
+              <a:t>5/25/2023</a:t>
             </a:fld>
             <a:endParaRPr lang="en-US"/>
           </a:p>
@@ -3141,7 +3141,7 @@
           <a:p>
             <a:fld id="{C590909A-0DFE-43BA-B693-0183CFC4A986}" type="datetimeFigureOut">
               <a:rPr lang="en-US" smtClean="0"/>
-              <a:t>5/24/2023</a:t>
+              <a:t>5/25/2023</a:t>
             </a:fld>
             <a:endParaRPr lang="en-US"/>
           </a:p>
@@ -3835,8 +3835,8 @@
         </p:nvSpPr>
         <p:spPr>
           <a:xfrm>
-            <a:off x="838200" y="947523"/>
-            <a:ext cx="5914292" cy="4938495"/>
+            <a:off x="838199" y="947523"/>
+            <a:ext cx="6175549" cy="4938495"/>
           </a:xfrm>
         </p:spPr>
         <p:txBody>
@@ -4007,8 +4007,8 @@
               </a:ext>
             </a:extLst>
           </p:cNvPr>
-          <p:cNvPicPr>
-            <a:picLocks noChangeAspect="1"/>
+          <p:cNvPicPr preferRelativeResize="0">
+            <a:picLocks/>
           </p:cNvPicPr>
           <p:nvPr/>
         </p:nvPicPr>
@@ -4020,8 +4020,8 @@
         </p:blipFill>
         <p:spPr>
           <a:xfrm>
-            <a:off x="6540942" y="644630"/>
-            <a:ext cx="5001861" cy="5568739"/>
+            <a:off x="7620000" y="993610"/>
+            <a:ext cx="4572000" cy="4846320"/>
           </a:xfrm>
           <a:prstGeom prst="rect">
             <a:avLst/>
@@ -4227,15 +4227,15 @@
       </p:sp>
       <p:pic>
         <p:nvPicPr>
-          <p:cNvPr id="4" name="Content Placeholder 3" descr="12282598707YbD6m.jpg">
-            <a:extLst>
-              <a:ext uri="{FF2B5EF4-FFF2-40B4-BE49-F238E27FC236}">
-                <a16:creationId xmlns:a16="http://schemas.microsoft.com/office/drawing/2014/main" id="{3E7DC946-0E79-0B18-6967-D8C4B22A411D}"/>
-              </a:ext>
-            </a:extLst>
-          </p:cNvPr>
-          <p:cNvPicPr>
-            <a:picLocks noChangeAspect="1"/>
+          <p:cNvPr id="5" name="Content Placeholder 3" descr="12282598707YbD6m.jpg">
+            <a:extLst>
+              <a:ext uri="{FF2B5EF4-FFF2-40B4-BE49-F238E27FC236}">
+                <a16:creationId xmlns:a16="http://schemas.microsoft.com/office/drawing/2014/main" id="{DD8EC02F-2F93-0CD0-E3B2-7B73088E4777}"/>
+              </a:ext>
+            </a:extLst>
+          </p:cNvPr>
+          <p:cNvPicPr preferRelativeResize="0">
+            <a:picLocks/>
           </p:cNvPicPr>
           <p:nvPr/>
         </p:nvPicPr>
@@ -4247,8 +4247,8 @@
         </p:blipFill>
         <p:spPr>
           <a:xfrm>
-            <a:off x="6540942" y="644630"/>
-            <a:ext cx="5001861" cy="5568739"/>
+            <a:off x="7620000" y="1005840"/>
+            <a:ext cx="4572000" cy="4846320"/>
           </a:xfrm>
           <a:prstGeom prst="rect">
             <a:avLst/>
@@ -4484,15 +4484,15 @@
       </p:sp>
       <p:pic>
         <p:nvPicPr>
-          <p:cNvPr id="4" name="Content Placeholder 3" descr="12282598707YbD6m.jpg">
-            <a:extLst>
-              <a:ext uri="{FF2B5EF4-FFF2-40B4-BE49-F238E27FC236}">
-                <a16:creationId xmlns:a16="http://schemas.microsoft.com/office/drawing/2014/main" id="{3E7DC946-0E79-0B18-6967-D8C4B22A411D}"/>
-              </a:ext>
-            </a:extLst>
-          </p:cNvPr>
-          <p:cNvPicPr>
-            <a:picLocks noChangeAspect="1"/>
+          <p:cNvPr id="5" name="Content Placeholder 3" descr="12282598707YbD6m.jpg">
+            <a:extLst>
+              <a:ext uri="{FF2B5EF4-FFF2-40B4-BE49-F238E27FC236}">
+                <a16:creationId xmlns:a16="http://schemas.microsoft.com/office/drawing/2014/main" id="{E57E6E68-E35E-CF61-42C4-B40AB1870133}"/>
+              </a:ext>
+            </a:extLst>
+          </p:cNvPr>
+          <p:cNvPicPr preferRelativeResize="0">
+            <a:picLocks/>
           </p:cNvPicPr>
           <p:nvPr/>
         </p:nvPicPr>
@@ -4504,8 +4504,8 @@
         </p:blipFill>
         <p:spPr>
           <a:xfrm>
-            <a:off x="6540942" y="644630"/>
-            <a:ext cx="5001861" cy="5568739"/>
+            <a:off x="7620000" y="1005840"/>
+            <a:ext cx="4572000" cy="4846320"/>
           </a:xfrm>
           <a:prstGeom prst="rect">
             <a:avLst/>
@@ -5237,15 +5237,15 @@
       </p:sp>
       <p:pic>
         <p:nvPicPr>
-          <p:cNvPr id="4" name="Content Placeholder 3" descr="12282598707YbD6m.jpg">
-            <a:extLst>
-              <a:ext uri="{FF2B5EF4-FFF2-40B4-BE49-F238E27FC236}">
-                <a16:creationId xmlns:a16="http://schemas.microsoft.com/office/drawing/2014/main" id="{3E7DC946-0E79-0B18-6967-D8C4B22A411D}"/>
-              </a:ext>
-            </a:extLst>
-          </p:cNvPr>
-          <p:cNvPicPr>
-            <a:picLocks noChangeAspect="1"/>
+          <p:cNvPr id="5" name="Content Placeholder 3" descr="12282598707YbD6m.jpg">
+            <a:extLst>
+              <a:ext uri="{FF2B5EF4-FFF2-40B4-BE49-F238E27FC236}">
+                <a16:creationId xmlns:a16="http://schemas.microsoft.com/office/drawing/2014/main" id="{0C09DCC5-B7A9-C229-B846-38E3A59E0A4F}"/>
+              </a:ext>
+            </a:extLst>
+          </p:cNvPr>
+          <p:cNvPicPr preferRelativeResize="0">
+            <a:picLocks/>
           </p:cNvPicPr>
           <p:nvPr/>
         </p:nvPicPr>
@@ -5257,8 +5257,8 @@
         </p:blipFill>
         <p:spPr>
           <a:xfrm>
-            <a:off x="6540942" y="644630"/>
-            <a:ext cx="5001861" cy="5568739"/>
+            <a:off x="7620000" y="1005840"/>
+            <a:ext cx="4572000" cy="4846320"/>
           </a:xfrm>
           <a:prstGeom prst="rect">
             <a:avLst/>
@@ -6444,15 +6444,15 @@
       </p:sp>
       <p:pic>
         <p:nvPicPr>
-          <p:cNvPr id="4" name="Content Placeholder 3" descr="12282598707YbD6m.jpg">
-            <a:extLst>
-              <a:ext uri="{FF2B5EF4-FFF2-40B4-BE49-F238E27FC236}">
-                <a16:creationId xmlns:a16="http://schemas.microsoft.com/office/drawing/2014/main" id="{3E7DC946-0E79-0B18-6967-D8C4B22A411D}"/>
-              </a:ext>
-            </a:extLst>
-          </p:cNvPr>
-          <p:cNvPicPr>
-            <a:picLocks noChangeAspect="1"/>
+          <p:cNvPr id="5" name="Content Placeholder 3" descr="12282598707YbD6m.jpg">
+            <a:extLst>
+              <a:ext uri="{FF2B5EF4-FFF2-40B4-BE49-F238E27FC236}">
+                <a16:creationId xmlns:a16="http://schemas.microsoft.com/office/drawing/2014/main" id="{82039753-2FF3-2502-C276-109B5E76C8A4}"/>
+              </a:ext>
+            </a:extLst>
+          </p:cNvPr>
+          <p:cNvPicPr preferRelativeResize="0">
+            <a:picLocks/>
           </p:cNvPicPr>
           <p:nvPr/>
         </p:nvPicPr>
@@ -6464,8 +6464,8 @@
         </p:blipFill>
         <p:spPr>
           <a:xfrm>
-            <a:off x="6540942" y="644630"/>
-            <a:ext cx="5001861" cy="5568739"/>
+            <a:off x="7620000" y="1005840"/>
+            <a:ext cx="4572000" cy="4846320"/>
           </a:xfrm>
           <a:prstGeom prst="rect">
             <a:avLst/>
@@ -6609,41 +6609,41 @@
             <a:endParaRPr lang="en-US" dirty="0"/>
           </a:p>
           <a:p>
+            <a:r>
+              <a:rPr lang="en-US" dirty="0"/>
+              <a:t>How to use it</a:t>
+            </a:r>
+          </a:p>
+          <a:p>
+            <a:pPr lvl="1"/>
+            <a:r>
+              <a:rPr lang="en-US" dirty="0" err="1">
+                <a:solidFill>
+                  <a:schemeClr val="accent4"/>
+                </a:solidFill>
+              </a:rPr>
+              <a:t>aws</a:t>
+            </a:r>
+            <a:r>
+              <a:rPr lang="en-US" dirty="0"/>
+              <a:t> </a:t>
+            </a:r>
+            <a:r>
+              <a:rPr lang="en-US" dirty="0" err="1"/>
+              <a:t>iam</a:t>
+            </a:r>
+            <a:r>
+              <a:rPr lang="en-US" dirty="0"/>
+              <a:t> list-users</a:t>
+            </a:r>
+          </a:p>
+          <a:p>
             <a:pPr marL="0" indent="0">
               <a:buNone/>
             </a:pPr>
             <a:endParaRPr lang="en-US" dirty="0"/>
           </a:p>
           <a:p>
-            <a:r>
-              <a:rPr lang="en-US" dirty="0"/>
-              <a:t>How to use it</a:t>
-            </a:r>
-          </a:p>
-          <a:p>
-            <a:pPr lvl="1"/>
-            <a:r>
-              <a:rPr lang="en-US" dirty="0" err="1">
-                <a:solidFill>
-                  <a:schemeClr val="accent4"/>
-                </a:solidFill>
-              </a:rPr>
-              <a:t>aws</a:t>
-            </a:r>
-            <a:r>
-              <a:rPr lang="en-US" dirty="0"/>
-              <a:t> </a:t>
-            </a:r>
-            <a:r>
-              <a:rPr lang="en-US" dirty="0" err="1"/>
-              <a:t>iam</a:t>
-            </a:r>
-            <a:r>
-              <a:rPr lang="en-US" dirty="0"/>
-              <a:t> list-users</a:t>
-            </a:r>
-          </a:p>
-          <a:p>
             <a:pPr marL="0" indent="0">
               <a:buNone/>
             </a:pPr>
@@ -6668,12 +6668,6 @@
             <a:endParaRPr lang="en-US" dirty="0"/>
           </a:p>
           <a:p>
-            <a:pPr marL="0" indent="0">
-              <a:buNone/>
-            </a:pPr>
-            <a:endParaRPr lang="en-US" dirty="0"/>
-          </a:p>
-          <a:p>
             <a:endParaRPr lang="en-US" dirty="0"/>
           </a:p>
           <a:p>
@@ -6684,10 +6678,10 @@
       </p:sp>
       <p:pic>
         <p:nvPicPr>
-          <p:cNvPr id="4" name="Content Placeholder 3" descr="12282598707YbD6m.jpg">
-            <a:extLst>
-              <a:ext uri="{FF2B5EF4-FFF2-40B4-BE49-F238E27FC236}">
-                <a16:creationId xmlns:a16="http://schemas.microsoft.com/office/drawing/2014/main" id="{3E7DC946-0E79-0B18-6967-D8C4B22A411D}"/>
+          <p:cNvPr id="8" name="Picture 7">
+            <a:extLst>
+              <a:ext uri="{FF2B5EF4-FFF2-40B4-BE49-F238E27FC236}">
+                <a16:creationId xmlns:a16="http://schemas.microsoft.com/office/drawing/2014/main" id="{1DAF4B0E-9FC3-63D3-99F5-E0F99151CE38}"/>
               </a:ext>
             </a:extLst>
           </p:cNvPr>
@@ -6697,15 +6691,15 @@
           <p:nvPr/>
         </p:nvPicPr>
         <p:blipFill>
-          <a:blip r:embed="rId2" cstate="print"/>
+          <a:blip r:embed="rId2"/>
           <a:stretch>
             <a:fillRect/>
           </a:stretch>
         </p:blipFill>
         <p:spPr>
           <a:xfrm>
-            <a:off x="6540942" y="644630"/>
-            <a:ext cx="5001861" cy="5568739"/>
+            <a:off x="1030833" y="3834498"/>
+            <a:ext cx="4572000" cy="2247900"/>
           </a:xfrm>
           <a:prstGeom prst="rect">
             <a:avLst/>
@@ -6714,10 +6708,10 @@
       </p:pic>
       <p:pic>
         <p:nvPicPr>
-          <p:cNvPr id="8" name="Picture 7">
-            <a:extLst>
-              <a:ext uri="{FF2B5EF4-FFF2-40B4-BE49-F238E27FC236}">
-                <a16:creationId xmlns:a16="http://schemas.microsoft.com/office/drawing/2014/main" id="{1DAF4B0E-9FC3-63D3-99F5-E0F99151CE38}"/>
+          <p:cNvPr id="10" name="Picture 9">
+            <a:extLst>
+              <a:ext uri="{FF2B5EF4-FFF2-40B4-BE49-F238E27FC236}">
+                <a16:creationId xmlns:a16="http://schemas.microsoft.com/office/drawing/2014/main" id="{B6855EFA-A9E3-7463-C1EC-E60B1561DE5E}"/>
               </a:ext>
             </a:extLst>
           </p:cNvPr>
@@ -6734,8 +6728,8 @@
         </p:blipFill>
         <p:spPr>
           <a:xfrm>
-            <a:off x="1210506" y="3834498"/>
-            <a:ext cx="4572000" cy="2247900"/>
+            <a:off x="454466" y="1850633"/>
+            <a:ext cx="6086475" cy="990600"/>
           </a:xfrm>
           <a:prstGeom prst="rect">
             <a:avLst/>
@@ -6744,34 +6738,114 @@
       </p:pic>
       <p:pic>
         <p:nvPicPr>
-          <p:cNvPr id="10" name="Picture 9">
-            <a:extLst>
-              <a:ext uri="{FF2B5EF4-FFF2-40B4-BE49-F238E27FC236}">
-                <a16:creationId xmlns:a16="http://schemas.microsoft.com/office/drawing/2014/main" id="{B6855EFA-A9E3-7463-C1EC-E60B1561DE5E}"/>
-              </a:ext>
-            </a:extLst>
-          </p:cNvPr>
-          <p:cNvPicPr>
-            <a:picLocks noChangeAspect="1"/>
+          <p:cNvPr id="5" name="Content Placeholder 3" descr="12282598707YbD6m.jpg">
+            <a:extLst>
+              <a:ext uri="{FF2B5EF4-FFF2-40B4-BE49-F238E27FC236}">
+                <a16:creationId xmlns:a16="http://schemas.microsoft.com/office/drawing/2014/main" id="{3BEBF9CF-3188-26F9-FEAA-AFDB691EB014}"/>
+              </a:ext>
+            </a:extLst>
+          </p:cNvPr>
+          <p:cNvPicPr preferRelativeResize="0">
+            <a:picLocks/>
           </p:cNvPicPr>
           <p:nvPr/>
         </p:nvPicPr>
         <p:blipFill>
-          <a:blip r:embed="rId4"/>
+          <a:blip r:embed="rId4" cstate="print"/>
           <a:stretch>
             <a:fillRect/>
           </a:stretch>
         </p:blipFill>
         <p:spPr>
           <a:xfrm>
-            <a:off x="454467" y="2011407"/>
-            <a:ext cx="6086475" cy="990600"/>
+            <a:off x="7620000" y="1005840"/>
+            <a:ext cx="4572000" cy="4846320"/>
           </a:xfrm>
           <a:prstGeom prst="rect">
             <a:avLst/>
           </a:prstGeom>
         </p:spPr>
       </p:pic>
+      <p:sp>
+        <p:nvSpPr>
+          <p:cNvPr id="6" name="TextBox 5">
+            <a:hlinkClick r:id="rId5"/>
+            <a:extLst>
+              <a:ext uri="{FF2B5EF4-FFF2-40B4-BE49-F238E27FC236}">
+                <a16:creationId xmlns:a16="http://schemas.microsoft.com/office/drawing/2014/main" id="{DDFA9F44-C03B-DC31-7D89-77B85F6A32FB}"/>
+              </a:ext>
+            </a:extLst>
+          </p:cNvPr>
+          <p:cNvSpPr txBox="1"/>
+          <p:nvPr/>
+        </p:nvSpPr>
+        <p:spPr>
+          <a:xfrm>
+            <a:off x="1815860" y="6337985"/>
+            <a:ext cx="3001945" cy="369332"/>
+          </a:xfrm>
+          <a:prstGeom prst="rect">
+            <a:avLst/>
+          </a:prstGeom>
+          <a:noFill/>
+        </p:spPr>
+        <p:txBody>
+          <a:bodyPr wrap="square">
+            <a:spAutoFit/>
+          </a:bodyPr>
+          <a:lstStyle/>
+          <a:p>
+            <a:r>
+              <a:rPr lang="en-US" b="1" u="sng" dirty="0">
+                <a:solidFill>
+                  <a:schemeClr val="accent1"/>
+                </a:solidFill>
+              </a:rPr>
+              <a:t>AWS CLI Command Reference</a:t>
+            </a:r>
+          </a:p>
+        </p:txBody>
+      </p:sp>
+      <p:sp>
+        <p:nvSpPr>
+          <p:cNvPr id="9" name="TextBox 8">
+            <a:hlinkClick r:id="rId6"/>
+            <a:extLst>
+              <a:ext uri="{FF2B5EF4-FFF2-40B4-BE49-F238E27FC236}">
+                <a16:creationId xmlns:a16="http://schemas.microsoft.com/office/drawing/2014/main" id="{EF810D2D-E4DB-96E3-F554-DFF74051A428}"/>
+              </a:ext>
+            </a:extLst>
+          </p:cNvPr>
+          <p:cNvSpPr txBox="1"/>
+          <p:nvPr/>
+        </p:nvSpPr>
+        <p:spPr>
+          <a:xfrm>
+            <a:off x="6423409" y="6336401"/>
+            <a:ext cx="5162340" cy="369332"/>
+          </a:xfrm>
+          <a:prstGeom prst="rect">
+            <a:avLst/>
+          </a:prstGeom>
+          <a:noFill/>
+        </p:spPr>
+        <p:txBody>
+          <a:bodyPr wrap="square">
+            <a:spAutoFit/>
+          </a:bodyPr>
+          <a:lstStyle/>
+          <a:p>
+            <a:r>
+              <a:rPr lang="en-US" b="1" u="sng" dirty="0">
+                <a:solidFill>
+                  <a:schemeClr val="accent1"/>
+                </a:solidFill>
+              </a:rPr>
+              <a:t>AWS CLI: 10 Useful Commands You May Not Know</a:t>
+            </a:r>
+          </a:p>
+        </p:txBody>
+      </p:sp>
     </p:spTree>
     <p:extLst>
       <p:ext uri="{BB962C8B-B14F-4D97-AF65-F5344CB8AC3E}">
@@ -6851,12 +6925,12 @@
         <p:spPr>
           <a:xfrm>
             <a:off x="838200" y="947523"/>
-            <a:ext cx="5914292" cy="4938495"/>
+            <a:ext cx="5914292" cy="5910477"/>
           </a:xfrm>
         </p:spPr>
         <p:txBody>
           <a:bodyPr>
-            <a:normAutofit/>
+            <a:normAutofit lnSpcReduction="10000"/>
           </a:bodyPr>
           <a:lstStyle/>
           <a:p>
@@ -6865,19 +6939,106 @@
               <a:t>AWS Cloud Shell</a:t>
             </a:r>
           </a:p>
+          <a:p>
+            <a:pPr lvl="1"/>
+            <a:r>
+              <a:rPr lang="en-US" dirty="0"/>
+              <a:t>Search: </a:t>
+            </a:r>
+            <a:r>
+              <a:rPr lang="en-US" b="1" dirty="0" err="1"/>
+              <a:t>CloudShell</a:t>
+            </a:r>
+            <a:endParaRPr lang="en-US" b="1" dirty="0"/>
+          </a:p>
+          <a:p>
+            <a:pPr lvl="1"/>
+            <a:r>
+              <a:rPr lang="en-US" dirty="0" err="1">
+                <a:solidFill>
+                  <a:schemeClr val="accent4"/>
+                </a:solidFill>
+              </a:rPr>
+              <a:t>aws</a:t>
+            </a:r>
+            <a:r>
+              <a:rPr lang="en-US" dirty="0"/>
+              <a:t> </a:t>
+            </a:r>
+            <a:r>
+              <a:rPr lang="en-US" dirty="0" err="1"/>
+              <a:t>iam</a:t>
+            </a:r>
+            <a:r>
+              <a:rPr lang="en-US" dirty="0"/>
+              <a:t> list-users</a:t>
+            </a:r>
+          </a:p>
+          <a:p>
+            <a:pPr marL="0" indent="0">
+              <a:buNone/>
+            </a:pPr>
+            <a:endParaRPr lang="en-US" dirty="0"/>
+          </a:p>
+          <a:p>
+            <a:pPr marL="0" indent="0">
+              <a:buNone/>
+            </a:pPr>
+            <a:endParaRPr lang="en-US" dirty="0"/>
+          </a:p>
+          <a:p>
+            <a:pPr marL="0" indent="0">
+              <a:buNone/>
+            </a:pPr>
+            <a:endParaRPr lang="en-US" dirty="0"/>
+          </a:p>
+          <a:p>
+            <a:pPr marL="0" indent="0">
+              <a:buNone/>
+            </a:pPr>
+            <a:endParaRPr lang="en-US" dirty="0"/>
+          </a:p>
+          <a:p>
+            <a:pPr marL="0" indent="0">
+              <a:buNone/>
+            </a:pPr>
+            <a:endParaRPr lang="en-US" dirty="0"/>
+          </a:p>
+          <a:p>
+            <a:pPr marL="0" indent="0">
+              <a:buNone/>
+            </a:pPr>
+            <a:endParaRPr lang="en-US" dirty="0"/>
+          </a:p>
+          <a:p>
+            <a:r>
+              <a:rPr lang="en-US" dirty="0" err="1"/>
+              <a:t>CloudShell</a:t>
+            </a:r>
+            <a:r>
+              <a:rPr lang="en-US" dirty="0"/>
+              <a:t> works in Region level, then could not be able in all regions.</a:t>
+            </a:r>
+          </a:p>
+          <a:p>
+            <a:r>
+              <a:rPr lang="en-US" dirty="0"/>
+              <a:t>There are more actions like download file or upload file</a:t>
+            </a:r>
+          </a:p>
         </p:txBody>
       </p:sp>
       <p:pic>
         <p:nvPicPr>
-          <p:cNvPr id="4" name="Content Placeholder 3" descr="12282598707YbD6m.jpg">
-            <a:extLst>
-              <a:ext uri="{FF2B5EF4-FFF2-40B4-BE49-F238E27FC236}">
-                <a16:creationId xmlns:a16="http://schemas.microsoft.com/office/drawing/2014/main" id="{3E7DC946-0E79-0B18-6967-D8C4B22A411D}"/>
-              </a:ext>
-            </a:extLst>
-          </p:cNvPr>
-          <p:cNvPicPr>
-            <a:picLocks noChangeAspect="1"/>
+          <p:cNvPr id="5" name="Content Placeholder 3" descr="12282598707YbD6m.jpg">
+            <a:extLst>
+              <a:ext uri="{FF2B5EF4-FFF2-40B4-BE49-F238E27FC236}">
+                <a16:creationId xmlns:a16="http://schemas.microsoft.com/office/drawing/2014/main" id="{FF0CFB0E-8508-4874-A8DC-228AC1C11909}"/>
+              </a:ext>
+            </a:extLst>
+          </p:cNvPr>
+          <p:cNvPicPr preferRelativeResize="0">
+            <a:picLocks/>
           </p:cNvPicPr>
           <p:nvPr/>
         </p:nvPicPr>
@@ -6889,8 +7050,38 @@
         </p:blipFill>
         <p:spPr>
           <a:xfrm>
-            <a:off x="6540942" y="644630"/>
-            <a:ext cx="5001861" cy="5568739"/>
+            <a:off x="7620000" y="1005840"/>
+            <a:ext cx="4572000" cy="4846320"/>
+          </a:xfrm>
+          <a:prstGeom prst="rect">
+            <a:avLst/>
+          </a:prstGeom>
+        </p:spPr>
+      </p:pic>
+      <p:pic>
+        <p:nvPicPr>
+          <p:cNvPr id="7" name="Picture 6">
+            <a:extLst>
+              <a:ext uri="{FF2B5EF4-FFF2-40B4-BE49-F238E27FC236}">
+                <a16:creationId xmlns:a16="http://schemas.microsoft.com/office/drawing/2014/main" id="{B34B2486-2806-DD93-213A-CB5DFFD6BE96}"/>
+              </a:ext>
+            </a:extLst>
+          </p:cNvPr>
+          <p:cNvPicPr>
+            <a:picLocks noChangeAspect="1"/>
+          </p:cNvPicPr>
+          <p:nvPr/>
+        </p:nvPicPr>
+        <p:blipFill>
+          <a:blip r:embed="rId3"/>
+          <a:stretch>
+            <a:fillRect/>
+          </a:stretch>
+        </p:blipFill>
+        <p:spPr>
+          <a:xfrm>
+            <a:off x="1296447" y="2089639"/>
+            <a:ext cx="4152900" cy="2819400"/>
           </a:xfrm>
           <a:prstGeom prst="rect">
             <a:avLst/>
@@ -6952,7 +7143,7 @@
           <a:p>
             <a:r>
               <a:rPr lang="en-US" dirty="0"/>
-              <a:t>IAM: Roles</a:t>
+              <a:t>IAM: Roles To Services</a:t>
             </a:r>
           </a:p>
         </p:txBody>
@@ -7158,7 +7349,7 @@
           <a:p>
             <a:r>
               <a:rPr lang="en-US" dirty="0"/>
-              <a:t>Practice – IAM Roles</a:t>
+              <a:t>Practice – IAM Roles To Services</a:t>
             </a:r>
           </a:p>
         </p:txBody>
@@ -7193,28 +7384,110 @@
           <a:p>
             <a:r>
               <a:rPr lang="en-US" dirty="0"/>
-              <a:t>Create Roles</a:t>
-            </a:r>
-          </a:p>
-          <a:p>
-            <a:r>
-              <a:rPr lang="en-US" dirty="0"/>
-              <a:t>Assign Role  To Service</a:t>
-            </a:r>
+              <a:t>IAM/Roles</a:t>
+            </a:r>
+          </a:p>
+          <a:p>
+            <a:r>
+              <a:rPr lang="en-US" b="1" dirty="0">
+                <a:solidFill>
+                  <a:schemeClr val="accent1"/>
+                </a:solidFill>
+              </a:rPr>
+              <a:t>Create Role</a:t>
+            </a:r>
+          </a:p>
+          <a:p>
+            <a:r>
+              <a:rPr lang="en-US" dirty="0"/>
+              <a:t>AWS Service</a:t>
+            </a:r>
+          </a:p>
+          <a:p>
+            <a:r>
+              <a:rPr lang="en-US" dirty="0"/>
+              <a:t>EC2</a:t>
+            </a:r>
+          </a:p>
+          <a:p>
+            <a:r>
+              <a:rPr lang="en-US" b="1" dirty="0">
+                <a:solidFill>
+                  <a:schemeClr val="accent1"/>
+                </a:solidFill>
+              </a:rPr>
+              <a:t>Next</a:t>
+            </a:r>
+          </a:p>
+          <a:p>
+            <a:r>
+              <a:rPr lang="en-US" dirty="0"/>
+              <a:t>Filter: </a:t>
+            </a:r>
+            <a:r>
+              <a:rPr lang="en-US" b="1" dirty="0" err="1"/>
+              <a:t>IAMReadOnlyAccess</a:t>
+            </a:r>
+            <a:r>
+              <a:rPr lang="en-US" b="1" dirty="0"/>
+              <a:t> </a:t>
+            </a:r>
+            <a:r>
+              <a:rPr lang="en-US" dirty="0"/>
+              <a:t>and select</a:t>
+            </a:r>
+          </a:p>
+          <a:p>
+            <a:r>
+              <a:rPr lang="en-US" b="1" dirty="0">
+                <a:solidFill>
+                  <a:schemeClr val="accent1"/>
+                </a:solidFill>
+              </a:rPr>
+              <a:t>Next</a:t>
+            </a:r>
+          </a:p>
+          <a:p>
+            <a:r>
+              <a:rPr lang="en-US" dirty="0" err="1"/>
+              <a:t>RoleName</a:t>
+            </a:r>
+            <a:r>
+              <a:rPr lang="en-US" dirty="0"/>
+              <a:t>: </a:t>
+            </a:r>
+            <a:r>
+              <a:rPr lang="en-US" b="1" dirty="0" err="1"/>
+              <a:t>ReadOnlyService</a:t>
+            </a:r>
+            <a:endParaRPr lang="en-US" dirty="0"/>
+          </a:p>
+          <a:p>
+            <a:r>
+              <a:rPr lang="en-US" b="1" dirty="0">
+                <a:solidFill>
+                  <a:schemeClr val="accent1"/>
+                </a:solidFill>
+              </a:rPr>
+              <a:t>Create Role</a:t>
+            </a:r>
+          </a:p>
+          <a:p>
+            <a:endParaRPr lang="en-US" dirty="0"/>
           </a:p>
         </p:txBody>
       </p:sp>
       <p:pic>
         <p:nvPicPr>
-          <p:cNvPr id="4" name="Content Placeholder 3" descr="12282598707YbD6m.jpg">
-            <a:extLst>
-              <a:ext uri="{FF2B5EF4-FFF2-40B4-BE49-F238E27FC236}">
-                <a16:creationId xmlns:a16="http://schemas.microsoft.com/office/drawing/2014/main" id="{3E7DC946-0E79-0B18-6967-D8C4B22A411D}"/>
-              </a:ext>
-            </a:extLst>
-          </p:cNvPr>
-          <p:cNvPicPr>
-            <a:picLocks noChangeAspect="1"/>
+          <p:cNvPr id="5" name="Content Placeholder 3" descr="12282598707YbD6m.jpg">
+            <a:extLst>
+              <a:ext uri="{FF2B5EF4-FFF2-40B4-BE49-F238E27FC236}">
+                <a16:creationId xmlns:a16="http://schemas.microsoft.com/office/drawing/2014/main" id="{EABE1114-E047-7FDD-BFD0-42EBE3471160}"/>
+              </a:ext>
+            </a:extLst>
+          </p:cNvPr>
+          <p:cNvPicPr preferRelativeResize="0">
+            <a:picLocks/>
           </p:cNvPicPr>
           <p:nvPr/>
         </p:nvPicPr>
@@ -7226,8 +7499,8 @@
         </p:blipFill>
         <p:spPr>
           <a:xfrm>
-            <a:off x="6540942" y="644630"/>
-            <a:ext cx="5001861" cy="5568739"/>
+            <a:off x="7620000" y="1005840"/>
+            <a:ext cx="4572000" cy="4846320"/>
           </a:xfrm>
           <a:prstGeom prst="rect">
             <a:avLst/>
@@ -7498,24 +7771,60 @@
             </a:r>
           </a:p>
           <a:p>
+            <a:pPr lvl="1"/>
+            <a:r>
+              <a:rPr lang="en-US" dirty="0"/>
+              <a:t>Access Report/Credential Report</a:t>
+            </a:r>
+          </a:p>
+          <a:p>
+            <a:pPr lvl="1"/>
+            <a:r>
+              <a:rPr lang="en-US" b="1" dirty="0"/>
+              <a:t>Download Credential report</a:t>
+            </a:r>
+          </a:p>
+          <a:p>
             <a:r>
               <a:rPr lang="en-US" dirty="0"/>
               <a:t>IAM Access Advisor</a:t>
+            </a:r>
+          </a:p>
+          <a:p>
+            <a:pPr lvl="1"/>
+            <a:r>
+              <a:rPr lang="en-US" dirty="0"/>
+              <a:t>Users (</a:t>
+            </a:r>
+            <a:r>
+              <a:rPr lang="en-US" b="1" dirty="0"/>
+              <a:t>Admin</a:t>
+            </a:r>
+            <a:r>
+              <a:rPr lang="en-US" dirty="0"/>
+              <a:t>)</a:t>
+            </a:r>
+          </a:p>
+          <a:p>
+            <a:pPr lvl="1"/>
+            <a:r>
+              <a:rPr lang="en-US" dirty="0"/>
+              <a:t>Access Advisor</a:t>
             </a:r>
           </a:p>
         </p:txBody>
       </p:sp>
       <p:pic>
         <p:nvPicPr>
-          <p:cNvPr id="4" name="Content Placeholder 3" descr="12282598707YbD6m.jpg">
-            <a:extLst>
-              <a:ext uri="{FF2B5EF4-FFF2-40B4-BE49-F238E27FC236}">
-                <a16:creationId xmlns:a16="http://schemas.microsoft.com/office/drawing/2014/main" id="{3E7DC946-0E79-0B18-6967-D8C4B22A411D}"/>
-              </a:ext>
-            </a:extLst>
-          </p:cNvPr>
-          <p:cNvPicPr>
-            <a:picLocks noChangeAspect="1"/>
+          <p:cNvPr id="5" name="Content Placeholder 3" descr="12282598707YbD6m.jpg">
+            <a:extLst>
+              <a:ext uri="{FF2B5EF4-FFF2-40B4-BE49-F238E27FC236}">
+                <a16:creationId xmlns:a16="http://schemas.microsoft.com/office/drawing/2014/main" id="{733786C7-2F2F-E02B-F25A-E8B5E4FB71E3}"/>
+              </a:ext>
+            </a:extLst>
+          </p:cNvPr>
+          <p:cNvPicPr preferRelativeResize="0">
+            <a:picLocks/>
           </p:cNvPicPr>
           <p:nvPr/>
         </p:nvPicPr>
@@ -7527,8 +7836,8 @@
         </p:blipFill>
         <p:spPr>
           <a:xfrm>
-            <a:off x="6540942" y="644630"/>
-            <a:ext cx="5001861" cy="5568739"/>
+            <a:off x="7620000" y="1005840"/>
+            <a:ext cx="4572000" cy="4846320"/>
           </a:xfrm>
           <a:prstGeom prst="rect">
             <a:avLst/>
@@ -9721,8 +10030,8 @@
               </a:ext>
             </a:extLst>
           </p:cNvPr>
-          <p:cNvPicPr>
-            <a:picLocks noChangeAspect="1"/>
+          <p:cNvPicPr preferRelativeResize="0">
+            <a:picLocks/>
           </p:cNvPicPr>
           <p:nvPr/>
         </p:nvPicPr>
@@ -9734,8 +10043,8 @@
         </p:blipFill>
         <p:spPr>
           <a:xfrm>
-            <a:off x="6540942" y="644630"/>
-            <a:ext cx="5001861" cy="5568739"/>
+            <a:off x="7620000" y="993610"/>
+            <a:ext cx="4572000" cy="4846320"/>
           </a:xfrm>
           <a:prstGeom prst="rect">
             <a:avLst/>
@@ -9949,8 +10258,8 @@
               </a:ext>
             </a:extLst>
           </p:cNvPr>
-          <p:cNvPicPr>
-            <a:picLocks noChangeAspect="1"/>
+          <p:cNvPicPr preferRelativeResize="0">
+            <a:picLocks/>
           </p:cNvPicPr>
           <p:nvPr/>
         </p:nvPicPr>
@@ -9962,8 +10271,8 @@
         </p:blipFill>
         <p:spPr>
           <a:xfrm>
-            <a:off x="6540942" y="644630"/>
-            <a:ext cx="5001861" cy="5568739"/>
+            <a:off x="7620000" y="993610"/>
+            <a:ext cx="4572000" cy="4846320"/>
           </a:xfrm>
           <a:prstGeom prst="rect">
             <a:avLst/>

--- a/Classes/04-IAM-IdentityandAccessManagement/ArchitectureMaster-04-IAM-IdentityandAccessManagement.pptx
+++ b/Classes/04-IAM-IdentityandAccessManagement/ArchitectureMaster-04-IAM-IdentityandAccessManagement.pptx
@@ -5117,7 +5117,7 @@
           <a:p>
             <a:r>
               <a:rPr lang="en-US" dirty="0"/>
-              <a:t>Account Settings</a:t>
+              <a:t>IAM/Account Settings</a:t>
             </a:r>
           </a:p>
           <a:p>
@@ -5220,14 +5220,12 @@
             </a:r>
           </a:p>
           <a:p>
-            <a:pPr lvl="1"/>
             <a:r>
               <a:rPr lang="en-US" b="1" dirty="0"/>
               <a:t>Assign MFA</a:t>
             </a:r>
           </a:p>
           <a:p>
-            <a:pPr lvl="1"/>
             <a:r>
               <a:rPr lang="en-US" dirty="0"/>
               <a:t>Sign out  and Sign in again to test</a:t>
